--- a/materials/slides/ch01-ummary.pptx
+++ b/materials/slides/ch01-ummary.pptx
@@ -153,14 +153,25 @@
   </p:defaultTextStyle>
   <p:extLst>
     <p:ext uri="{EFAFB233-063F-42B5-8137-9DF3F51BA10A}">
-      <p15:sldGuideLst xmlns="" xmlns:p15="http://schemas.microsoft.com/office/powerpoint/2012/main"/>
+      <p15:sldGuideLst xmlns:p15="http://schemas.microsoft.com/office/powerpoint/2012/main">
+        <p15:guide id="1" orient="horz" pos="2160">
+          <p15:clr>
+            <a:srgbClr val="A4A3A4"/>
+          </p15:clr>
+        </p15:guide>
+        <p15:guide id="2" pos="3839">
+          <p15:clr>
+            <a:srgbClr val="A4A3A4"/>
+          </p15:clr>
+        </p15:guide>
+      </p15:sldGuideLst>
     </p:ext>
   </p:extLst>
 </p:presentation>
 </file>
 
 <file path=ppt/charts/chart1.xml><?xml version="1.0" encoding="utf-8"?>
-<c:chartSpace xmlns:c="http://schemas.openxmlformats.org/drawingml/2006/chart" xmlns:a="http://schemas.openxmlformats.org/drawingml/2006/main" xmlns:r="http://schemas.openxmlformats.org/officeDocument/2006/relationships">
+<c:chartSpace xmlns:c="http://schemas.openxmlformats.org/drawingml/2006/chart" xmlns:a="http://schemas.openxmlformats.org/drawingml/2006/main" xmlns:r="http://schemas.openxmlformats.org/officeDocument/2006/relationships" xmlns:c16r2="http://schemas.microsoft.com/office/drawing/2015/06/chart">
   <c:date1904 val="0"/>
   <c:lang val="zh-CN"/>
   <c:roundedCorners val="0"/>
@@ -205,7 +216,7 @@
           <c:dPt>
             <c:idx val="2"/>
             <c:bubble3D val="0"/>
-            <c:extLst xmlns:c16r2="http://schemas.microsoft.com/office/drawing/2015/06/chart">
+            <c:extLst>
               <c:ext xmlns:c16="http://schemas.microsoft.com/office/drawing/2014/chart" uri="{C3380CC4-5D6E-409C-BE32-E72D297353CC}">
                 <c16:uniqueId val="{00000000-7E9E-453B-AFD2-8674F8D98004}"/>
               </c:ext>
@@ -247,8 +258,10 @@
               <c:showSerName val="0"/>
               <c:showPercent val="1"/>
               <c:showBubbleSize val="0"/>
-              <c:extLst xmlns:c16r2="http://schemas.microsoft.com/office/drawing/2015/06/chart">
-                <c:ext xmlns:c15="http://schemas.microsoft.com/office/drawing/2012/chart" uri="{CE6537A1-D6FC-4f65-9D91-7224C49458BB}"/>
+              <c:extLst>
+                <c:ext xmlns:c15="http://schemas.microsoft.com/office/drawing/2012/chart" uri="{CE6537A1-D6FC-4f65-9D91-7224C49458BB}">
+                  <c15:layout/>
+                </c:ext>
                 <c:ext xmlns:c16="http://schemas.microsoft.com/office/drawing/2014/chart" uri="{C3380CC4-5D6E-409C-BE32-E72D297353CC}">
                   <c16:uniqueId val="{00000001-7E9E-453B-AFD2-8674F8D98004}"/>
                 </c:ext>
@@ -289,8 +302,10 @@
               <c:showSerName val="0"/>
               <c:showPercent val="1"/>
               <c:showBubbleSize val="0"/>
-              <c:extLst xmlns:c16r2="http://schemas.microsoft.com/office/drawing/2015/06/chart">
-                <c:ext xmlns:c15="http://schemas.microsoft.com/office/drawing/2012/chart" uri="{CE6537A1-D6FC-4f65-9D91-7224C49458BB}"/>
+              <c:extLst>
+                <c:ext xmlns:c15="http://schemas.microsoft.com/office/drawing/2012/chart" uri="{CE6537A1-D6FC-4f65-9D91-7224C49458BB}">
+                  <c15:layout/>
+                </c:ext>
                 <c:ext xmlns:c16="http://schemas.microsoft.com/office/drawing/2014/chart" uri="{C3380CC4-5D6E-409C-BE32-E72D297353CC}">
                   <c16:uniqueId val="{00000002-7E9E-453B-AFD2-8674F8D98004}"/>
                 </c:ext>
@@ -331,7 +346,7 @@
               <c:showSerName val="0"/>
               <c:showPercent val="1"/>
               <c:showBubbleSize val="0"/>
-              <c:extLst xmlns:c16r2="http://schemas.microsoft.com/office/drawing/2015/06/chart">
+              <c:extLst>
                 <c:ext xmlns:c15="http://schemas.microsoft.com/office/drawing/2012/chart" uri="{CE6537A1-D6FC-4f65-9D91-7224C49458BB}">
                   <c15:layout>
                     <c:manualLayout>
@@ -370,7 +385,7 @@
               <c:showSerName val="0"/>
               <c:showPercent val="1"/>
               <c:showBubbleSize val="0"/>
-              <c:extLst xmlns:c16r2="http://schemas.microsoft.com/office/drawing/2015/06/chart">
+              <c:extLst>
                 <c:ext xmlns:c15="http://schemas.microsoft.com/office/drawing/2012/chart" uri="{CE6537A1-D6FC-4f65-9D91-7224C49458BB}"/>
                 <c:ext xmlns:c16="http://schemas.microsoft.com/office/drawing/2014/chart" uri="{C3380CC4-5D6E-409C-BE32-E72D297353CC}">
                   <c16:uniqueId val="{00000003-7E9E-453B-AFD2-8674F8D98004}"/>
@@ -391,7 +406,7 @@
             <c:showPercent val="1"/>
             <c:showBubbleSize val="0"/>
             <c:showLeaderLines val="1"/>
-            <c:extLst xmlns:c16r2="http://schemas.microsoft.com/office/drawing/2015/06/chart">
+            <c:extLst>
               <c:ext xmlns:c15="http://schemas.microsoft.com/office/drawing/2012/chart" uri="{CE6537A1-D6FC-4f65-9D91-7224C49458BB}"/>
             </c:extLst>
           </c:dLbls>
@@ -430,7 +445,7 @@
               </c:numCache>
             </c:numRef>
           </c:val>
-          <c:extLst xmlns:c16r2="http://schemas.microsoft.com/office/drawing/2015/06/chart">
+          <c:extLst>
             <c:ext xmlns:c16="http://schemas.microsoft.com/office/drawing/2014/chart" uri="{C3380CC4-5D6E-409C-BE32-E72D297353CC}">
               <c16:uniqueId val="{00000004-7E9E-453B-AFD2-8674F8D98004}"/>
             </c:ext>
@@ -566,7 +581,7 @@
           <a:p>
             <a:fld id="{1AC763DE-CC84-4058-BD62-4687DC7FF9D4}" type="datetimeFigureOut">
               <a:rPr lang="zh-CN" altLang="en-US" smtClean="0"/>
-              <a:t>2017/8/18</a:t>
+              <a:t>2017/8/22</a:t>
             </a:fld>
             <a:endParaRPr lang="zh-CN" altLang="en-US"/>
           </a:p>
@@ -878,98 +893,6 @@
           <a:bodyPr/>
           <a:lstStyle/>
           <a:p>
-            <a:r>
-              <a:rPr lang="zh-CN" altLang="en-US" dirty="0" smtClean="0"/>
-              <a:t>    同学们好！我们上学期已经讲完了</a:t>
-            </a:r>
-            <a:r>
-              <a:rPr lang="en-US" altLang="zh-CN" dirty="0" smtClean="0"/>
-              <a:t>C</a:t>
-            </a:r>
-            <a:r>
-              <a:rPr lang="zh-CN" altLang="en-US" dirty="0" smtClean="0"/>
-              <a:t>语言的一些知识，这学期是在上学期的基础上，我们讲一下</a:t>
-            </a:r>
-            <a:r>
-              <a:rPr lang="en-US" altLang="zh-CN" dirty="0" smtClean="0"/>
-              <a:t>《C++</a:t>
-            </a:r>
-            <a:r>
-              <a:rPr lang="zh-CN" altLang="en-US" dirty="0" smtClean="0"/>
-              <a:t>面向对象程序设计</a:t>
-            </a:r>
-            <a:r>
-              <a:rPr lang="en-US" altLang="zh-CN" dirty="0" smtClean="0"/>
-              <a:t>》</a:t>
-            </a:r>
-            <a:r>
-              <a:rPr lang="zh-CN" altLang="en-US" dirty="0" smtClean="0"/>
-              <a:t>的一些相关知识，这门课程是有承前启后作用的课程，为什么这样说呢？因为</a:t>
-            </a:r>
-            <a:r>
-              <a:rPr lang="en-US" altLang="zh-CN" dirty="0" smtClean="0"/>
-              <a:t>C++</a:t>
-            </a:r>
-            <a:r>
-              <a:rPr lang="zh-CN" altLang="en-US" dirty="0" smtClean="0"/>
-              <a:t>是在</a:t>
-            </a:r>
-            <a:r>
-              <a:rPr lang="en-US" altLang="zh-CN" dirty="0" smtClean="0"/>
-              <a:t>C</a:t>
-            </a:r>
-            <a:r>
-              <a:rPr lang="zh-CN" altLang="en-US" dirty="0" smtClean="0"/>
-              <a:t>的基础上发展过来的，我们之前的学的</a:t>
-            </a:r>
-            <a:r>
-              <a:rPr lang="en-US" altLang="zh-CN" dirty="0" smtClean="0"/>
-              <a:t>C</a:t>
-            </a:r>
-            <a:r>
-              <a:rPr lang="zh-CN" altLang="en-US" dirty="0" smtClean="0"/>
-              <a:t>是一个基础；而且这是面向对象程序设计的第一门课，也就是说，这门课是我们学习面向对象设计的基础课，为了我们以后学</a:t>
-            </a:r>
-            <a:r>
-              <a:rPr lang="en-US" altLang="zh-CN" dirty="0" smtClean="0"/>
-              <a:t>C#</a:t>
-            </a:r>
-            <a:r>
-              <a:rPr lang="zh-CN" altLang="en-US" dirty="0" smtClean="0"/>
-              <a:t>和</a:t>
-            </a:r>
-            <a:r>
-              <a:rPr lang="en-US" altLang="zh-CN" dirty="0" smtClean="0"/>
-              <a:t>JS</a:t>
-            </a:r>
-            <a:r>
-              <a:rPr lang="zh-CN" altLang="en-US" dirty="0" smtClean="0"/>
-              <a:t>等铺平了道路。但是有的同学可能会说，我</a:t>
-            </a:r>
-            <a:r>
-              <a:rPr lang="en-US" altLang="zh-CN" dirty="0" smtClean="0"/>
-              <a:t>C</a:t>
-            </a:r>
-            <a:r>
-              <a:rPr lang="zh-CN" altLang="en-US" dirty="0" smtClean="0"/>
-              <a:t>语言没学好</a:t>
-            </a:r>
-            <a:r>
-              <a:rPr lang="en-US" altLang="zh-CN" dirty="0" smtClean="0"/>
-              <a:t>C++</a:t>
-            </a:r>
-            <a:r>
-              <a:rPr lang="zh-CN" altLang="en-US" dirty="0" smtClean="0"/>
-              <a:t>怎么学？这个大家不用担心，大家可以看这个图示意，每当考试的时候看许多学生都开始发愁，怎么不会的东西这么多，其实这都是一点一点积累 的结果，不懂的知识上课没听懂课下也不去问老师，问同学，然后越积越多，最后像滚雪球越滚越大，自己什么都不懂了。例如：以前给一个同学解释一个问题，从第九章解释到第三章，感觉什么他都不懂了。所以希望大家多问问题，有问题及时找老师，找同学。以后我基本都在</a:t>
-            </a:r>
-            <a:r>
-              <a:rPr lang="en-US" altLang="zh-CN" dirty="0" smtClean="0"/>
-              <a:t>C202</a:t>
-            </a:r>
-            <a:r>
-              <a:rPr lang="zh-CN" altLang="en-US" dirty="0" smtClean="0"/>
-              <a:t>，往里面走靠左边的一列。希望大家多问问题，让我也多认识认识你们。当然你也可以给我发邮件，但是我可能回复的不那么及时，如果有问得多的问题，我也可以上课给大家讲讲。问的好的问题，我可以记录到平时成绩中。</a:t>
-            </a:r>
             <a:endParaRPr lang="zh-CN" altLang="en-US" dirty="0"/>
           </a:p>
         </p:txBody>
@@ -1054,10 +977,6 @@
           <a:bodyPr/>
           <a:lstStyle/>
           <a:p>
-            <a:r>
-              <a:rPr lang="zh-CN" altLang="en-US" dirty="0" smtClean="0"/>
-              <a:t>本节课的目标是：</a:t>
-            </a:r>
             <a:endParaRPr lang="zh-CN" altLang="en-US" dirty="0"/>
           </a:p>
         </p:txBody>
@@ -11656,7 +11575,7 @@
           <a:p>
             <a:fld id="{C764DE79-268F-4C1A-8933-263129D2AF90}" type="datetimeFigureOut">
               <a:rPr lang="en-US" dirty="0"/>
-              <a:t>8/18/2017</a:t>
+              <a:t>8/22/2017</a:t>
             </a:fld>
             <a:endParaRPr lang="en-US" dirty="0"/>
           </a:p>
@@ -13657,7 +13576,7 @@
           <a:p>
             <a:fld id="{C764DE79-268F-4C1A-8933-263129D2AF90}" type="datetimeFigureOut">
               <a:rPr lang="en-US" dirty="0"/>
-              <a:t>8/18/2017</a:t>
+              <a:t>8/22/2017</a:t>
             </a:fld>
             <a:endParaRPr lang="en-US" dirty="0"/>
           </a:p>
@@ -46100,7 +46019,7 @@
   <a:extraClrSchemeLst/>
   <a:extLst>
     <a:ext uri="{05A4C25C-085E-4340-85A3-A5531E510DB2}">
-      <thm15:themeFamily xmlns="" xmlns:thm15="http://schemas.microsoft.com/office/thememl/2012/main" name="Office Theme" id="{62F939B6-93AF-4DB8-9C6B-D6C7DFDC589F}" vid="{4A3C46E8-61CC-4603-A589-7422A47A8E4A}"/>
+      <thm15:themeFamily xmlns:thm15="http://schemas.microsoft.com/office/thememl/2012/main" name="Office Theme" id="{62F939B6-93AF-4DB8-9C6B-D6C7DFDC589F}" vid="{4A3C46E8-61CC-4603-A589-7422A47A8E4A}"/>
     </a:ext>
   </a:extLst>
 </a:theme>
@@ -46361,7 +46280,7 @@
   <a:extraClrSchemeLst/>
   <a:extLst>
     <a:ext uri="{05A4C25C-085E-4340-85A3-A5531E510DB2}">
-      <thm15:themeFamily xmlns="" xmlns:thm15="http://schemas.microsoft.com/office/thememl/2012/main" name="Office Theme" id="{62F939B6-93AF-4DB8-9C6B-D6C7DFDC589F}" vid="{4A3C46E8-61CC-4603-A589-7422A47A8E4A}"/>
+      <thm15:themeFamily xmlns:thm15="http://schemas.microsoft.com/office/thememl/2012/main" name="Office Theme" id="{62F939B6-93AF-4DB8-9C6B-D6C7DFDC589F}" vid="{4A3C46E8-61CC-4603-A589-7422A47A8E4A}"/>
     </a:ext>
   </a:extLst>
 </a:theme>

--- a/materials/slides/ch01-ummary.pptx
+++ b/materials/slides/ch01-ummary.pptx
@@ -170,6 +170,10 @@
 </p:presentation>
 </file>
 
+<file path=ppt/revisionInfo.xml><?xml version="1.0" encoding="utf-8"?>
+<p1510:revInfo xmlns:a="http://schemas.openxmlformats.org/drawingml/2006/main" xmlns:r="http://schemas.openxmlformats.org/officeDocument/2006/relationships" xmlns:p1510="http://schemas.microsoft.com/office/powerpoint/2015/10/main"/>
+</file>
+
 <file path=ppt/charts/chart1.xml><?xml version="1.0" encoding="utf-8"?>
 <c:chartSpace xmlns:c="http://schemas.openxmlformats.org/drawingml/2006/chart" xmlns:a="http://schemas.openxmlformats.org/drawingml/2006/main" xmlns:r="http://schemas.openxmlformats.org/officeDocument/2006/relationships" xmlns:c16r2="http://schemas.microsoft.com/office/drawing/2015/06/chart">
   <c:date1904 val="0"/>
@@ -259,9 +263,7 @@
               <c:showPercent val="1"/>
               <c:showBubbleSize val="0"/>
               <c:extLst>
-                <c:ext xmlns:c15="http://schemas.microsoft.com/office/drawing/2012/chart" uri="{CE6537A1-D6FC-4f65-9D91-7224C49458BB}">
-                  <c15:layout/>
-                </c:ext>
+                <c:ext xmlns:c15="http://schemas.microsoft.com/office/drawing/2012/chart" uri="{CE6537A1-D6FC-4f65-9D91-7224C49458BB}"/>
                 <c:ext xmlns:c16="http://schemas.microsoft.com/office/drawing/2014/chart" uri="{C3380CC4-5D6E-409C-BE32-E72D297353CC}">
                   <c16:uniqueId val="{00000001-7E9E-453B-AFD2-8674F8D98004}"/>
                 </c:ext>
@@ -303,9 +305,7 @@
               <c:showPercent val="1"/>
               <c:showBubbleSize val="0"/>
               <c:extLst>
-                <c:ext xmlns:c15="http://schemas.microsoft.com/office/drawing/2012/chart" uri="{CE6537A1-D6FC-4f65-9D91-7224C49458BB}">
-                  <c15:layout/>
-                </c:ext>
+                <c:ext xmlns:c15="http://schemas.microsoft.com/office/drawing/2012/chart" uri="{CE6537A1-D6FC-4f65-9D91-7224C49458BB}"/>
                 <c:ext xmlns:c16="http://schemas.microsoft.com/office/drawing/2014/chart" uri="{C3380CC4-5D6E-409C-BE32-E72D297353CC}">
                   <c16:uniqueId val="{00000002-7E9E-453B-AFD2-8674F8D98004}"/>
                 </c:ext>
@@ -581,7 +581,7 @@
           <a:p>
             <a:fld id="{1AC763DE-CC84-4058-BD62-4687DC7FF9D4}" type="datetimeFigureOut">
               <a:rPr lang="zh-CN" altLang="en-US" smtClean="0"/>
-              <a:t>2017/8/22</a:t>
+              <a:t>2017/9/6</a:t>
             </a:fld>
             <a:endParaRPr lang="zh-CN" altLang="en-US"/>
           </a:p>
@@ -645,38 +645,37 @@
           <a:p>
             <a:pPr lvl="0"/>
             <a:r>
-              <a:rPr lang="zh-CN" altLang="en-US" smtClean="0"/>
+              <a:rPr lang="zh-CN" altLang="en-US"/>
               <a:t>编辑母版文本样式</a:t>
             </a:r>
           </a:p>
           <a:p>
             <a:pPr lvl="1"/>
             <a:r>
-              <a:rPr lang="zh-CN" altLang="en-US" smtClean="0"/>
+              <a:rPr lang="zh-CN" altLang="en-US"/>
               <a:t>第二级</a:t>
             </a:r>
           </a:p>
           <a:p>
             <a:pPr lvl="2"/>
             <a:r>
-              <a:rPr lang="zh-CN" altLang="en-US" smtClean="0"/>
+              <a:rPr lang="zh-CN" altLang="en-US"/>
               <a:t>第三级</a:t>
             </a:r>
           </a:p>
           <a:p>
             <a:pPr lvl="3"/>
             <a:r>
-              <a:rPr lang="zh-CN" altLang="en-US" smtClean="0"/>
+              <a:rPr lang="zh-CN" altLang="en-US"/>
               <a:t>第四级</a:t>
             </a:r>
           </a:p>
           <a:p>
             <a:pPr lvl="4"/>
             <a:r>
-              <a:rPr lang="zh-CN" altLang="en-US" smtClean="0"/>
+              <a:rPr lang="zh-CN" altLang="en-US"/>
               <a:t>第五级</a:t>
             </a:r>
-            <a:endParaRPr lang="zh-CN" altLang="en-US"/>
           </a:p>
         </p:txBody>
       </p:sp>
@@ -1061,456 +1060,6 @@
           <a:bodyPr/>
           <a:lstStyle/>
           <a:p>
-            <a:r>
-              <a:rPr lang="zh-CN" altLang="en-US" sz="1200" b="0" i="0" kern="1200" smtClean="0">
-                <a:solidFill>
-                  <a:schemeClr val="tx1"/>
-                </a:solidFill>
-                <a:effectLst/>
-                <a:latin typeface="+mn-lt"/>
-                <a:ea typeface="+mn-ea"/>
-                <a:cs typeface="+mn-cs"/>
-              </a:rPr>
-              <a:t>第一阶段从</a:t>
-            </a:r>
-            <a:r>
-              <a:rPr lang="en-US" altLang="zh-CN" sz="1200" b="0" i="0" kern="1200" smtClean="0">
-                <a:solidFill>
-                  <a:schemeClr val="tx1"/>
-                </a:solidFill>
-                <a:effectLst/>
-                <a:latin typeface="+mn-lt"/>
-                <a:ea typeface="+mn-ea"/>
-                <a:cs typeface="+mn-cs"/>
-              </a:rPr>
-              <a:t>80</a:t>
-            </a:r>
-            <a:r>
-              <a:rPr lang="zh-CN" altLang="en-US" sz="1200" b="0" i="0" kern="1200" smtClean="0">
-                <a:solidFill>
-                  <a:schemeClr val="tx1"/>
-                </a:solidFill>
-                <a:effectLst/>
-                <a:latin typeface="+mn-lt"/>
-                <a:ea typeface="+mn-ea"/>
-                <a:cs typeface="+mn-cs"/>
-              </a:rPr>
-              <a:t>年代到</a:t>
-            </a:r>
-            <a:r>
-              <a:rPr lang="en-US" altLang="zh-CN" sz="1200" b="0" i="0" kern="1200" smtClean="0">
-                <a:solidFill>
-                  <a:schemeClr val="tx1"/>
-                </a:solidFill>
-                <a:effectLst/>
-                <a:latin typeface="+mn-lt"/>
-                <a:ea typeface="+mn-ea"/>
-                <a:cs typeface="+mn-cs"/>
-              </a:rPr>
-              <a:t>1995</a:t>
-            </a:r>
-            <a:r>
-              <a:rPr lang="zh-CN" altLang="en-US" sz="1200" b="0" i="0" kern="1200" smtClean="0">
-                <a:solidFill>
-                  <a:schemeClr val="tx1"/>
-                </a:solidFill>
-                <a:effectLst/>
-                <a:latin typeface="+mn-lt"/>
-                <a:ea typeface="+mn-ea"/>
-                <a:cs typeface="+mn-cs"/>
-              </a:rPr>
-              <a:t>年。这一阶段</a:t>
-            </a:r>
-            <a:r>
-              <a:rPr lang="en-US" altLang="zh-CN" sz="1200" b="0" i="0" kern="1200" smtClean="0">
-                <a:solidFill>
-                  <a:schemeClr val="tx1"/>
-                </a:solidFill>
-                <a:effectLst/>
-                <a:latin typeface="+mn-lt"/>
-                <a:ea typeface="+mn-ea"/>
-                <a:cs typeface="+mn-cs"/>
-              </a:rPr>
-              <a:t>C++</a:t>
-            </a:r>
-            <a:r>
-              <a:rPr lang="zh-CN" altLang="en-US" sz="1200" b="0" i="0" kern="1200" smtClean="0">
-                <a:solidFill>
-                  <a:schemeClr val="tx1"/>
-                </a:solidFill>
-                <a:effectLst/>
-                <a:latin typeface="+mn-lt"/>
-                <a:ea typeface="+mn-ea"/>
-                <a:cs typeface="+mn-cs"/>
-              </a:rPr>
-              <a:t>语言基本上是传统类型上的面向对象语言，并且凭借着接近</a:t>
-            </a:r>
-            <a:r>
-              <a:rPr lang="en-US" altLang="zh-CN" sz="1200" b="0" i="0" kern="1200" smtClean="0">
-                <a:solidFill>
-                  <a:schemeClr val="tx1"/>
-                </a:solidFill>
-                <a:effectLst/>
-                <a:latin typeface="+mn-lt"/>
-                <a:ea typeface="+mn-ea"/>
-                <a:cs typeface="+mn-cs"/>
-              </a:rPr>
-              <a:t>C</a:t>
-            </a:r>
-            <a:r>
-              <a:rPr lang="zh-CN" altLang="en-US" sz="1200" b="0" i="0" kern="1200" smtClean="0">
-                <a:solidFill>
-                  <a:schemeClr val="tx1"/>
-                </a:solidFill>
-                <a:effectLst/>
-                <a:latin typeface="+mn-lt"/>
-                <a:ea typeface="+mn-ea"/>
-                <a:cs typeface="+mn-cs"/>
-              </a:rPr>
-              <a:t>语言的效率，在工业界使用的开发语言中占据了相当大份额；</a:t>
-            </a:r>
-          </a:p>
-          <a:p>
-            <a:r>
-              <a:rPr lang="zh-CN" altLang="en-US" sz="1200" b="0" i="0" kern="1200" smtClean="0">
-                <a:solidFill>
-                  <a:schemeClr val="tx1"/>
-                </a:solidFill>
-                <a:effectLst/>
-                <a:latin typeface="+mn-lt"/>
-                <a:ea typeface="+mn-ea"/>
-                <a:cs typeface="+mn-cs"/>
-              </a:rPr>
-              <a:t>第二阶段从</a:t>
-            </a:r>
-            <a:r>
-              <a:rPr lang="en-US" altLang="zh-CN" sz="1200" b="0" i="0" kern="1200" smtClean="0">
-                <a:solidFill>
-                  <a:schemeClr val="tx1"/>
-                </a:solidFill>
-                <a:effectLst/>
-                <a:latin typeface="+mn-lt"/>
-                <a:ea typeface="+mn-ea"/>
-                <a:cs typeface="+mn-cs"/>
-              </a:rPr>
-              <a:t>1995</a:t>
-            </a:r>
-            <a:r>
-              <a:rPr lang="zh-CN" altLang="en-US" sz="1200" b="0" i="0" kern="1200" smtClean="0">
-                <a:solidFill>
-                  <a:schemeClr val="tx1"/>
-                </a:solidFill>
-                <a:effectLst/>
-                <a:latin typeface="+mn-lt"/>
-                <a:ea typeface="+mn-ea"/>
-                <a:cs typeface="+mn-cs"/>
-              </a:rPr>
-              <a:t>年到</a:t>
-            </a:r>
-            <a:r>
-              <a:rPr lang="en-US" altLang="zh-CN" sz="1200" b="0" i="0" kern="1200" smtClean="0">
-                <a:solidFill>
-                  <a:schemeClr val="tx1"/>
-                </a:solidFill>
-                <a:effectLst/>
-                <a:latin typeface="+mn-lt"/>
-                <a:ea typeface="+mn-ea"/>
-                <a:cs typeface="+mn-cs"/>
-              </a:rPr>
-              <a:t>2000</a:t>
-            </a:r>
-            <a:r>
-              <a:rPr lang="zh-CN" altLang="en-US" sz="1200" b="0" i="0" kern="1200" smtClean="0">
-                <a:solidFill>
-                  <a:schemeClr val="tx1"/>
-                </a:solidFill>
-                <a:effectLst/>
-                <a:latin typeface="+mn-lt"/>
-                <a:ea typeface="+mn-ea"/>
-                <a:cs typeface="+mn-cs"/>
-              </a:rPr>
-              <a:t>年，这一阶段由于标准模板库</a:t>
-            </a:r>
-            <a:r>
-              <a:rPr lang="en-US" altLang="zh-CN" sz="1200" b="0" i="0" kern="1200" smtClean="0">
-                <a:solidFill>
-                  <a:schemeClr val="tx1"/>
-                </a:solidFill>
-                <a:effectLst/>
-                <a:latin typeface="+mn-lt"/>
-                <a:ea typeface="+mn-ea"/>
-                <a:cs typeface="+mn-cs"/>
-              </a:rPr>
-              <a:t>(STL)</a:t>
-            </a:r>
-            <a:r>
-              <a:rPr lang="zh-CN" altLang="en-US" sz="1200" b="0" i="0" kern="1200" smtClean="0">
-                <a:solidFill>
-                  <a:schemeClr val="tx1"/>
-                </a:solidFill>
-                <a:effectLst/>
-                <a:latin typeface="+mn-lt"/>
-                <a:ea typeface="+mn-ea"/>
-                <a:cs typeface="+mn-cs"/>
-              </a:rPr>
-              <a:t>和后来的</a:t>
-            </a:r>
-            <a:r>
-              <a:rPr lang="en-US" altLang="zh-CN" sz="1200" b="0" i="0" kern="1200" smtClean="0">
-                <a:solidFill>
-                  <a:schemeClr val="tx1"/>
-                </a:solidFill>
-                <a:effectLst/>
-                <a:latin typeface="+mn-lt"/>
-                <a:ea typeface="+mn-ea"/>
-                <a:cs typeface="+mn-cs"/>
-              </a:rPr>
-              <a:t>Boost</a:t>
-            </a:r>
-            <a:r>
-              <a:rPr lang="zh-CN" altLang="en-US" sz="1200" b="0" i="0" kern="1200" smtClean="0">
-                <a:solidFill>
-                  <a:schemeClr val="tx1"/>
-                </a:solidFill>
-                <a:effectLst/>
-                <a:latin typeface="+mn-lt"/>
-                <a:ea typeface="+mn-ea"/>
-                <a:cs typeface="+mn-cs"/>
-              </a:rPr>
-              <a:t>等程序库的出现，泛型程序设计在</a:t>
-            </a:r>
-            <a:r>
-              <a:rPr lang="en-US" altLang="zh-CN" sz="1200" b="0" i="0" kern="1200" smtClean="0">
-                <a:solidFill>
-                  <a:schemeClr val="tx1"/>
-                </a:solidFill>
-                <a:effectLst/>
-                <a:latin typeface="+mn-lt"/>
-                <a:ea typeface="+mn-ea"/>
-                <a:cs typeface="+mn-cs"/>
-              </a:rPr>
-              <a:t>C++</a:t>
-            </a:r>
-            <a:r>
-              <a:rPr lang="zh-CN" altLang="en-US" sz="1200" b="0" i="0" kern="1200" smtClean="0">
-                <a:solidFill>
-                  <a:schemeClr val="tx1"/>
-                </a:solidFill>
-                <a:effectLst/>
-                <a:latin typeface="+mn-lt"/>
-                <a:ea typeface="+mn-ea"/>
-                <a:cs typeface="+mn-cs"/>
-              </a:rPr>
-              <a:t>中占据了越来越多的比重性。当然，同时由于</a:t>
-            </a:r>
-            <a:r>
-              <a:rPr lang="en-US" altLang="zh-CN" sz="1200" b="0" i="0" kern="1200" smtClean="0">
-                <a:solidFill>
-                  <a:schemeClr val="tx1"/>
-                </a:solidFill>
-                <a:effectLst/>
-                <a:latin typeface="+mn-lt"/>
-                <a:ea typeface="+mn-ea"/>
-                <a:cs typeface="+mn-cs"/>
-              </a:rPr>
-              <a:t>Java</a:t>
-            </a:r>
-            <a:r>
-              <a:rPr lang="zh-CN" altLang="en-US" sz="1200" b="0" i="0" kern="1200" smtClean="0">
-                <a:solidFill>
-                  <a:schemeClr val="tx1"/>
-                </a:solidFill>
-                <a:effectLst/>
-                <a:latin typeface="+mn-lt"/>
-                <a:ea typeface="+mn-ea"/>
-                <a:cs typeface="+mn-cs"/>
-              </a:rPr>
-              <a:t>、</a:t>
-            </a:r>
-            <a:r>
-              <a:rPr lang="en-US" altLang="zh-CN" sz="1200" b="0" i="0" kern="1200" smtClean="0">
-                <a:solidFill>
-                  <a:schemeClr val="tx1"/>
-                </a:solidFill>
-                <a:effectLst/>
-                <a:latin typeface="+mn-lt"/>
-                <a:ea typeface="+mn-ea"/>
-                <a:cs typeface="+mn-cs"/>
-              </a:rPr>
-              <a:t>C#</a:t>
-            </a:r>
-            <a:r>
-              <a:rPr lang="zh-CN" altLang="en-US" sz="1200" b="0" i="0" kern="1200" smtClean="0">
-                <a:solidFill>
-                  <a:schemeClr val="tx1"/>
-                </a:solidFill>
-                <a:effectLst/>
-                <a:latin typeface="+mn-lt"/>
-                <a:ea typeface="+mn-ea"/>
-                <a:cs typeface="+mn-cs"/>
-              </a:rPr>
-              <a:t>等语言的出现和硬件价格的大规模下降，</a:t>
-            </a:r>
-            <a:r>
-              <a:rPr lang="en-US" altLang="zh-CN" sz="1200" b="0" i="0" kern="1200" smtClean="0">
-                <a:solidFill>
-                  <a:schemeClr val="tx1"/>
-                </a:solidFill>
-                <a:effectLst/>
-                <a:latin typeface="+mn-lt"/>
-                <a:ea typeface="+mn-ea"/>
-                <a:cs typeface="+mn-cs"/>
-              </a:rPr>
-              <a:t>C++</a:t>
-            </a:r>
-            <a:r>
-              <a:rPr lang="zh-CN" altLang="en-US" sz="1200" b="0" i="0" kern="1200" smtClean="0">
-                <a:solidFill>
-                  <a:schemeClr val="tx1"/>
-                </a:solidFill>
-                <a:effectLst/>
-                <a:latin typeface="+mn-lt"/>
-                <a:ea typeface="+mn-ea"/>
-                <a:cs typeface="+mn-cs"/>
-              </a:rPr>
-              <a:t>受到了一定的冲击；</a:t>
-            </a:r>
-          </a:p>
-          <a:p>
-            <a:r>
-              <a:rPr lang="zh-CN" altLang="en-US" sz="1200" b="0" i="0" kern="1200" smtClean="0">
-                <a:solidFill>
-                  <a:schemeClr val="tx1"/>
-                </a:solidFill>
-                <a:effectLst/>
-                <a:latin typeface="+mn-lt"/>
-                <a:ea typeface="+mn-ea"/>
-                <a:cs typeface="+mn-cs"/>
-              </a:rPr>
-              <a:t>第三阶段从</a:t>
-            </a:r>
-            <a:r>
-              <a:rPr lang="en-US" altLang="zh-CN" sz="1200" b="0" i="0" kern="1200" smtClean="0">
-                <a:solidFill>
-                  <a:schemeClr val="tx1"/>
-                </a:solidFill>
-                <a:effectLst/>
-                <a:latin typeface="+mn-lt"/>
-                <a:ea typeface="+mn-ea"/>
-                <a:cs typeface="+mn-cs"/>
-              </a:rPr>
-              <a:t>2000</a:t>
-            </a:r>
-            <a:r>
-              <a:rPr lang="zh-CN" altLang="en-US" sz="1200" b="0" i="0" kern="1200" smtClean="0">
-                <a:solidFill>
-                  <a:schemeClr val="tx1"/>
-                </a:solidFill>
-                <a:effectLst/>
-                <a:latin typeface="+mn-lt"/>
-                <a:ea typeface="+mn-ea"/>
-                <a:cs typeface="+mn-cs"/>
-              </a:rPr>
-              <a:t>年至今，由于以</a:t>
-            </a:r>
-            <a:r>
-              <a:rPr lang="en-US" altLang="zh-CN" sz="1200" b="0" i="0" kern="1200" smtClean="0">
-                <a:solidFill>
-                  <a:schemeClr val="tx1"/>
-                </a:solidFill>
-                <a:effectLst/>
-                <a:latin typeface="+mn-lt"/>
-                <a:ea typeface="+mn-ea"/>
-                <a:cs typeface="+mn-cs"/>
-              </a:rPr>
-              <a:t>Loki</a:t>
-            </a:r>
-            <a:r>
-              <a:rPr lang="zh-CN" altLang="en-US" sz="1200" b="0" i="0" kern="1200" smtClean="0">
-                <a:solidFill>
-                  <a:schemeClr val="tx1"/>
-                </a:solidFill>
-                <a:effectLst/>
-                <a:latin typeface="+mn-lt"/>
-                <a:ea typeface="+mn-ea"/>
-                <a:cs typeface="+mn-cs"/>
-              </a:rPr>
-              <a:t>、</a:t>
-            </a:r>
-            <a:r>
-              <a:rPr lang="en-US" altLang="zh-CN" sz="1200" b="0" i="0" kern="1200" smtClean="0">
-                <a:solidFill>
-                  <a:schemeClr val="tx1"/>
-                </a:solidFill>
-                <a:effectLst/>
-                <a:latin typeface="+mn-lt"/>
-                <a:ea typeface="+mn-ea"/>
-                <a:cs typeface="+mn-cs"/>
-              </a:rPr>
-              <a:t>MPL</a:t>
-            </a:r>
-            <a:r>
-              <a:rPr lang="zh-CN" altLang="en-US" sz="1200" b="0" i="0" kern="1200" smtClean="0">
-                <a:solidFill>
-                  <a:schemeClr val="tx1"/>
-                </a:solidFill>
-                <a:effectLst/>
-                <a:latin typeface="+mn-lt"/>
-                <a:ea typeface="+mn-ea"/>
-                <a:cs typeface="+mn-cs"/>
-              </a:rPr>
-              <a:t>等程序库为代表的产生式编程和模板元编程的出现，</a:t>
-            </a:r>
-            <a:r>
-              <a:rPr lang="en-US" altLang="zh-CN" sz="1200" b="0" i="0" kern="1200" smtClean="0">
-                <a:solidFill>
-                  <a:schemeClr val="tx1"/>
-                </a:solidFill>
-                <a:effectLst/>
-                <a:latin typeface="+mn-lt"/>
-                <a:ea typeface="+mn-ea"/>
-                <a:cs typeface="+mn-cs"/>
-              </a:rPr>
-              <a:t>C++</a:t>
-            </a:r>
-            <a:r>
-              <a:rPr lang="zh-CN" altLang="en-US" sz="1200" b="0" i="0" kern="1200" smtClean="0">
-                <a:solidFill>
-                  <a:schemeClr val="tx1"/>
-                </a:solidFill>
-                <a:effectLst/>
-                <a:latin typeface="+mn-lt"/>
-                <a:ea typeface="+mn-ea"/>
-                <a:cs typeface="+mn-cs"/>
-              </a:rPr>
-              <a:t>出现了发展历史上又一个新的高峰，这些新技术的出现以及和原有技术的融合，使</a:t>
-            </a:r>
-            <a:r>
-              <a:rPr lang="en-US" altLang="zh-CN" sz="1200" b="0" i="0" kern="1200" smtClean="0">
-                <a:solidFill>
-                  <a:schemeClr val="tx1"/>
-                </a:solidFill>
-                <a:effectLst/>
-                <a:latin typeface="+mn-lt"/>
-                <a:ea typeface="+mn-ea"/>
-                <a:cs typeface="+mn-cs"/>
-              </a:rPr>
-              <a:t>C++</a:t>
-            </a:r>
-            <a:r>
-              <a:rPr lang="zh-CN" altLang="en-US" sz="1200" b="0" i="0" kern="1200" smtClean="0">
-                <a:solidFill>
-                  <a:schemeClr val="tx1"/>
-                </a:solidFill>
-                <a:effectLst/>
-                <a:latin typeface="+mn-lt"/>
-                <a:ea typeface="+mn-ea"/>
-                <a:cs typeface="+mn-cs"/>
-              </a:rPr>
-              <a:t>已经成为当今主流程序设计语言中最复杂的一员。</a:t>
-            </a:r>
-          </a:p>
-          <a:p>
             <a:endParaRPr lang="zh-CN" altLang="en-US"/>
           </a:p>
         </p:txBody>
@@ -1595,67 +1144,6 @@
           <a:bodyPr/>
           <a:lstStyle/>
           <a:p>
-            <a:r>
-              <a:rPr lang="zh-CN" altLang="en-US" sz="1200" b="0" i="0" kern="1200" dirty="0" smtClean="0">
-                <a:solidFill>
-                  <a:schemeClr val="tx1"/>
-                </a:solidFill>
-                <a:effectLst/>
-                <a:latin typeface="+mn-lt"/>
-                <a:ea typeface="+mn-ea"/>
-                <a:cs typeface="+mn-cs"/>
-              </a:rPr>
-              <a:t>嵌入式系统（</a:t>
-            </a:r>
-            <a:r>
-              <a:rPr lang="en-US" altLang="zh-CN" sz="1200" b="0" i="0" kern="1200" dirty="0" smtClean="0">
-                <a:solidFill>
-                  <a:schemeClr val="tx1"/>
-                </a:solidFill>
-                <a:effectLst/>
-                <a:latin typeface="+mn-lt"/>
-                <a:ea typeface="+mn-ea"/>
-                <a:cs typeface="+mn-cs"/>
-              </a:rPr>
-              <a:t>Embedded system</a:t>
-            </a:r>
-            <a:r>
-              <a:rPr lang="zh-CN" altLang="en-US" sz="1200" b="0" i="0" kern="1200" dirty="0" smtClean="0">
-                <a:solidFill>
-                  <a:schemeClr val="tx1"/>
-                </a:solidFill>
-                <a:effectLst/>
-                <a:latin typeface="+mn-lt"/>
-                <a:ea typeface="+mn-ea"/>
-                <a:cs typeface="+mn-cs"/>
-              </a:rPr>
-              <a:t>），是一种“完全嵌入受控器件内部，为特定应用而设计的专用</a:t>
-            </a:r>
-            <a:r>
-              <a:rPr lang="zh-CN" altLang="en-US" sz="1200" b="0" i="0" u="none" strike="noStrike" kern="1200" dirty="0" smtClean="0">
-                <a:solidFill>
-                  <a:schemeClr val="tx1"/>
-                </a:solidFill>
-                <a:effectLst/>
-                <a:latin typeface="+mn-lt"/>
-                <a:ea typeface="+mn-ea"/>
-                <a:cs typeface="+mn-cs"/>
-                <a:hlinkClick r:id="rId3"/>
-              </a:rPr>
-              <a:t>计算机</a:t>
-            </a:r>
-            <a:r>
-              <a:rPr lang="zh-CN" altLang="en-US" sz="1200" b="0" i="0" kern="1200" dirty="0" smtClean="0">
-                <a:solidFill>
-                  <a:schemeClr val="tx1"/>
-                </a:solidFill>
-                <a:effectLst/>
-                <a:latin typeface="+mn-lt"/>
-                <a:ea typeface="+mn-ea"/>
-                <a:cs typeface="+mn-cs"/>
-              </a:rPr>
-              <a:t>系统”；</a:t>
-            </a:r>
             <a:endParaRPr lang="zh-CN" altLang="en-US" dirty="0"/>
           </a:p>
         </p:txBody>
@@ -1744,7 +1232,7 @@
           </a:lstStyle>
           <a:p>
             <a:r>
-              <a:rPr lang="zh-CN" altLang="en-US" smtClean="0"/>
+              <a:rPr lang="zh-CN" altLang="en-US"/>
               <a:t>单击此处编辑母版标题样式</a:t>
             </a:r>
             <a:endParaRPr lang="en-US" dirty="0"/>
@@ -1814,35 +1302,35 @@
           <a:p>
             <a:pPr lvl="0"/>
             <a:r>
-              <a:rPr lang="zh-CN" altLang="en-US" smtClean="0"/>
+              <a:rPr lang="zh-CN" altLang="en-US"/>
               <a:t>编辑母版文本样式</a:t>
             </a:r>
           </a:p>
           <a:p>
             <a:pPr lvl="1"/>
             <a:r>
-              <a:rPr lang="zh-CN" altLang="en-US" smtClean="0"/>
+              <a:rPr lang="zh-CN" altLang="en-US"/>
               <a:t>第二级</a:t>
             </a:r>
           </a:p>
           <a:p>
             <a:pPr lvl="2"/>
             <a:r>
-              <a:rPr lang="zh-CN" altLang="en-US" smtClean="0"/>
+              <a:rPr lang="zh-CN" altLang="en-US"/>
               <a:t>第三级</a:t>
             </a:r>
           </a:p>
           <a:p>
             <a:pPr lvl="3"/>
             <a:r>
-              <a:rPr lang="zh-CN" altLang="en-US" smtClean="0"/>
+              <a:rPr lang="zh-CN" altLang="en-US"/>
               <a:t>第四级</a:t>
             </a:r>
           </a:p>
           <a:p>
             <a:pPr lvl="4"/>
             <a:r>
-              <a:rPr lang="zh-CN" altLang="en-US" smtClean="0"/>
+              <a:rPr lang="zh-CN" altLang="en-US"/>
               <a:t>第五级</a:t>
             </a:r>
             <a:endParaRPr lang="en-US" dirty="0"/>
@@ -2096,13 +1584,6 @@
   <p:clrMapOvr>
     <a:masterClrMapping/>
   </p:clrMapOvr>
-  <p:timing>
-    <p:tnLst>
-      <p:par>
-        <p:cTn id="1" dur="indefinite" restart="never" nodeType="tmRoot"/>
-      </p:par>
-    </p:tnLst>
-  </p:timing>
 </p:sldLayout>
 </file>
 
@@ -2148,7 +1629,7 @@
           </a:lstStyle>
           <a:p>
             <a:r>
-              <a:rPr lang="zh-CN" altLang="en-US" smtClean="0"/>
+              <a:rPr lang="zh-CN" altLang="en-US"/>
               <a:t>单击此处编辑母版标题样式</a:t>
             </a:r>
             <a:endParaRPr lang="en-US" dirty="0"/>
@@ -2205,35 +1686,35 @@
           <a:p>
             <a:pPr lvl="0"/>
             <a:r>
-              <a:rPr lang="zh-CN" altLang="en-US" smtClean="0"/>
+              <a:rPr lang="zh-CN" altLang="en-US"/>
               <a:t>编辑母版文本样式</a:t>
             </a:r>
           </a:p>
           <a:p>
             <a:pPr lvl="1"/>
             <a:r>
-              <a:rPr lang="zh-CN" altLang="en-US" smtClean="0"/>
+              <a:rPr lang="zh-CN" altLang="en-US"/>
               <a:t>第二级</a:t>
             </a:r>
           </a:p>
           <a:p>
             <a:pPr lvl="2"/>
             <a:r>
-              <a:rPr lang="zh-CN" altLang="en-US" smtClean="0"/>
+              <a:rPr lang="zh-CN" altLang="en-US"/>
               <a:t>第三级</a:t>
             </a:r>
           </a:p>
           <a:p>
             <a:pPr lvl="3"/>
             <a:r>
-              <a:rPr lang="zh-CN" altLang="en-US" smtClean="0"/>
+              <a:rPr lang="zh-CN" altLang="en-US"/>
               <a:t>第四级</a:t>
             </a:r>
           </a:p>
           <a:p>
             <a:pPr lvl="4"/>
             <a:r>
-              <a:rPr lang="zh-CN" altLang="en-US" smtClean="0"/>
+              <a:rPr lang="zh-CN" altLang="en-US"/>
               <a:t>第五级</a:t>
             </a:r>
             <a:endParaRPr lang="en-US" dirty="0"/>
@@ -2299,7 +1780,7 @@
           <a:p>
             <a:pPr lvl="0"/>
             <a:r>
-              <a:rPr lang="zh-CN" altLang="en-US" smtClean="0"/>
+              <a:rPr lang="zh-CN" altLang="en-US"/>
               <a:t>编辑母版文本样式</a:t>
             </a:r>
           </a:p>
@@ -2490,13 +1971,6 @@
   <p:clrMapOvr>
     <a:masterClrMapping/>
   </p:clrMapOvr>
-  <p:timing>
-    <p:tnLst>
-      <p:par>
-        <p:cTn id="1" dur="indefinite" restart="never" nodeType="tmRoot"/>
-      </p:par>
-    </p:tnLst>
-  </p:timing>
 </p:sldLayout>
 </file>
 
@@ -2542,7 +2016,7 @@
           </a:lstStyle>
           <a:p>
             <a:r>
-              <a:rPr lang="zh-CN" altLang="en-US" smtClean="0"/>
+              <a:rPr lang="zh-CN" altLang="en-US"/>
               <a:t>单击此处编辑母版标题样式</a:t>
             </a:r>
             <a:endParaRPr lang="en-US" dirty="0"/>
@@ -2607,7 +2081,7 @@
           </a:lstStyle>
           <a:p>
             <a:r>
-              <a:rPr lang="zh-CN" altLang="en-US" smtClean="0"/>
+              <a:rPr lang="zh-CN" altLang="en-US"/>
               <a:t>单击图标添加图片</a:t>
             </a:r>
             <a:endParaRPr lang="en-US" dirty="0"/>
@@ -2673,7 +2147,7 @@
           <a:p>
             <a:pPr lvl="0"/>
             <a:r>
-              <a:rPr lang="zh-CN" altLang="en-US" smtClean="0"/>
+              <a:rPr lang="zh-CN" altLang="en-US"/>
               <a:t>编辑母版文本样式</a:t>
             </a:r>
           </a:p>
@@ -2864,13 +2338,6 @@
   <p:clrMapOvr>
     <a:masterClrMapping/>
   </p:clrMapOvr>
-  <p:timing>
-    <p:tnLst>
-      <p:par>
-        <p:cTn id="1" dur="indefinite" restart="never" nodeType="tmRoot"/>
-      </p:par>
-    </p:tnLst>
-  </p:timing>
 </p:sldLayout>
 </file>
 
@@ -2907,7 +2374,7 @@
           <a:lstStyle/>
           <a:p>
             <a:r>
-              <a:rPr lang="zh-CN" altLang="en-US" smtClean="0"/>
+              <a:rPr lang="zh-CN" altLang="en-US"/>
               <a:t>单击此处编辑母版标题样式</a:t>
             </a:r>
             <a:endParaRPr lang="en-US" dirty="0"/>
@@ -2931,35 +2398,35 @@
           <a:p>
             <a:pPr lvl="0"/>
             <a:r>
-              <a:rPr lang="zh-CN" altLang="en-US" smtClean="0"/>
+              <a:rPr lang="zh-CN" altLang="en-US"/>
               <a:t>编辑母版文本样式</a:t>
             </a:r>
           </a:p>
           <a:p>
             <a:pPr lvl="1"/>
             <a:r>
-              <a:rPr lang="zh-CN" altLang="en-US" smtClean="0"/>
+              <a:rPr lang="zh-CN" altLang="en-US"/>
               <a:t>第二级</a:t>
             </a:r>
           </a:p>
           <a:p>
             <a:pPr lvl="2"/>
             <a:r>
-              <a:rPr lang="zh-CN" altLang="en-US" smtClean="0"/>
+              <a:rPr lang="zh-CN" altLang="en-US"/>
               <a:t>第三级</a:t>
             </a:r>
           </a:p>
           <a:p>
             <a:pPr lvl="3"/>
             <a:r>
-              <a:rPr lang="zh-CN" altLang="en-US" smtClean="0"/>
+              <a:rPr lang="zh-CN" altLang="en-US"/>
               <a:t>第四级</a:t>
             </a:r>
           </a:p>
           <a:p>
             <a:pPr lvl="4"/>
             <a:r>
-              <a:rPr lang="zh-CN" altLang="en-US" smtClean="0"/>
+              <a:rPr lang="zh-CN" altLang="en-US"/>
               <a:t>第五级</a:t>
             </a:r>
             <a:endParaRPr lang="en-US" dirty="0"/>
@@ -3151,13 +2618,6 @@
   <p:clrMapOvr>
     <a:masterClrMapping/>
   </p:clrMapOvr>
-  <p:timing>
-    <p:tnLst>
-      <p:par>
-        <p:cTn id="1" dur="indefinite" restart="never" nodeType="tmRoot"/>
-      </p:par>
-    </p:tnLst>
-  </p:timing>
 </p:sldLayout>
 </file>
 
@@ -3199,7 +2659,7 @@
           <a:lstStyle/>
           <a:p>
             <a:r>
-              <a:rPr lang="zh-CN" altLang="en-US" smtClean="0"/>
+              <a:rPr lang="zh-CN" altLang="en-US"/>
               <a:t>单击此处编辑母版标题样式</a:t>
             </a:r>
             <a:endParaRPr lang="en-US" dirty="0"/>
@@ -3228,35 +2688,35 @@
           <a:p>
             <a:pPr lvl="0"/>
             <a:r>
-              <a:rPr lang="zh-CN" altLang="en-US" smtClean="0"/>
+              <a:rPr lang="zh-CN" altLang="en-US"/>
               <a:t>编辑母版文本样式</a:t>
             </a:r>
           </a:p>
           <a:p>
             <a:pPr lvl="1"/>
             <a:r>
-              <a:rPr lang="zh-CN" altLang="en-US" smtClean="0"/>
+              <a:rPr lang="zh-CN" altLang="en-US"/>
               <a:t>第二级</a:t>
             </a:r>
           </a:p>
           <a:p>
             <a:pPr lvl="2"/>
             <a:r>
-              <a:rPr lang="zh-CN" altLang="en-US" smtClean="0"/>
+              <a:rPr lang="zh-CN" altLang="en-US"/>
               <a:t>第三级</a:t>
             </a:r>
           </a:p>
           <a:p>
             <a:pPr lvl="3"/>
             <a:r>
-              <a:rPr lang="zh-CN" altLang="en-US" smtClean="0"/>
+              <a:rPr lang="zh-CN" altLang="en-US"/>
               <a:t>第四级</a:t>
             </a:r>
           </a:p>
           <a:p>
             <a:pPr lvl="4"/>
             <a:r>
-              <a:rPr lang="zh-CN" altLang="en-US" smtClean="0"/>
+              <a:rPr lang="zh-CN" altLang="en-US"/>
               <a:t>第五级</a:t>
             </a:r>
             <a:endParaRPr lang="en-US" dirty="0"/>
@@ -3448,13 +2908,6 @@
   <p:clrMapOvr>
     <a:masterClrMapping/>
   </p:clrMapOvr>
-  <p:timing>
-    <p:tnLst>
-      <p:par>
-        <p:cTn id="1" dur="indefinite" restart="never" nodeType="tmRoot"/>
-      </p:par>
-    </p:tnLst>
-  </p:timing>
 </p:sldLayout>
 </file>
 
@@ -3772,7 +3225,7 @@
           <a:lstStyle/>
           <a:p>
             <a:r>
-              <a:rPr lang="zh-CN" altLang="en-US" sz="2400" b="0" dirty="0" smtClean="0">
+              <a:rPr lang="zh-CN" altLang="en-US" sz="2400" b="0" dirty="0">
                 <a:solidFill>
                   <a:schemeClr val="accent5">
                     <a:lumMod val="50000"/>
@@ -3784,7 +3237,7 @@
               <a:t>基础课教研室</a:t>
             </a:r>
             <a:r>
-              <a:rPr lang="en-US" altLang="zh-CN" sz="2400" b="0" dirty="0" smtClean="0">
+              <a:rPr lang="en-US" altLang="zh-CN" sz="2400" b="0" dirty="0">
                 <a:solidFill>
                   <a:schemeClr val="accent5">
                     <a:lumMod val="50000"/>
@@ -3796,7 +3249,7 @@
               <a:t>C++ </a:t>
             </a:r>
             <a:r>
-              <a:rPr lang="zh-CN" altLang="en-US" sz="2400" b="0" dirty="0" smtClean="0">
+              <a:rPr lang="zh-CN" altLang="en-US" sz="2400" b="0" dirty="0">
                 <a:solidFill>
                   <a:schemeClr val="accent5">
                     <a:lumMod val="50000"/>
@@ -3807,15 +3260,6 @@
               </a:rPr>
               <a:t>课程组</a:t>
             </a:r>
-            <a:endParaRPr lang="zh-CN" altLang="en-US" sz="2400" b="0" dirty="0">
-              <a:solidFill>
-                <a:schemeClr val="accent5">
-                  <a:lumMod val="50000"/>
-                </a:schemeClr>
-              </a:solidFill>
-              <a:latin typeface="微软雅黑" panose="020B0503020204020204" pitchFamily="34" charset="-122"/>
-              <a:ea typeface="微软雅黑" panose="020B0503020204020204" pitchFamily="34" charset="-122"/>
-            </a:endParaRPr>
           </a:p>
         </p:txBody>
       </p:sp>
@@ -4105,7 +3549,7 @@
           <a:lstStyle/>
           <a:p>
             <a:r>
-              <a:rPr lang="en-US" altLang="zh-CN" sz="16000" b="1" smtClean="0">
+              <a:rPr lang="en-US" altLang="zh-CN" sz="16000" b="1">
                 <a:solidFill>
                   <a:srgbClr val="0073AB"/>
                 </a:solidFill>
@@ -4193,7 +3637,7 @@
           <a:p>
             <a:pPr lvl="0"/>
             <a:r>
-              <a:rPr lang="zh-CN" altLang="en-US" dirty="0" smtClean="0"/>
+              <a:rPr lang="zh-CN" altLang="en-US" dirty="0"/>
               <a:t>编辑母版文本样式</a:t>
             </a:r>
           </a:p>
@@ -4209,13 +3653,6 @@
   <p:clrMapOvr>
     <a:masterClrMapping/>
   </p:clrMapOvr>
-  <p:timing>
-    <p:tnLst>
-      <p:par>
-        <p:cTn id="1" dur="indefinite" restart="never" nodeType="tmRoot"/>
-      </p:par>
-    </p:tnLst>
-  </p:timing>
 </p:sldLayout>
 </file>
 
@@ -4784,7 +4221,7 @@
           <a:lstStyle/>
           <a:p>
             <a:r>
-              <a:rPr lang="en-US" altLang="zh-CN" sz="13000" b="1" dirty="0" smtClean="0">
+              <a:rPr lang="en-US" altLang="zh-CN" sz="13000" b="1" dirty="0">
                 <a:solidFill>
                   <a:srgbClr val="2EA7E0"/>
                 </a:solidFill>
@@ -11486,7 +10923,7 @@
           </a:lstStyle>
           <a:p>
             <a:r>
-              <a:rPr lang="zh-CN" altLang="en-US" smtClean="0"/>
+              <a:rPr lang="zh-CN" altLang="en-US"/>
               <a:t>单击此处编辑母版标题样式</a:t>
             </a:r>
             <a:endParaRPr lang="en-US" dirty="0"/>
@@ -11551,7 +10988,7 @@
           </a:lstStyle>
           <a:p>
             <a:r>
-              <a:rPr lang="zh-CN" altLang="en-US" smtClean="0"/>
+              <a:rPr lang="zh-CN" altLang="en-US"/>
               <a:t>单击以编辑母版副标题样式</a:t>
             </a:r>
             <a:endParaRPr lang="en-US" dirty="0"/>
@@ -11575,7 +11012,7 @@
           <a:p>
             <a:fld id="{C764DE79-268F-4C1A-8933-263129D2AF90}" type="datetimeFigureOut">
               <a:rPr lang="en-US" dirty="0"/>
-              <a:t>8/22/2017</a:t>
+              <a:t>9/6/2017</a:t>
             </a:fld>
             <a:endParaRPr lang="en-US" dirty="0"/>
           </a:p>
@@ -11747,13 +11184,6 @@
   <p:clrMapOvr>
     <a:masterClrMapping/>
   </p:clrMapOvr>
-  <p:timing>
-    <p:tnLst>
-      <p:par>
-        <p:cTn id="1" dur="indefinite" restart="never" nodeType="tmRoot"/>
-      </p:par>
-    </p:tnLst>
-  </p:timing>
   <p:hf hdr="0" dt="0"/>
 </p:sldLayout>
 </file>
@@ -11800,7 +11230,7 @@
           </a:lstStyle>
           <a:p>
             <a:r>
-              <a:rPr lang="zh-CN" altLang="en-US" smtClean="0"/>
+              <a:rPr lang="zh-CN" altLang="en-US"/>
               <a:t>单击此处编辑母版标题样式</a:t>
             </a:r>
             <a:endParaRPr lang="en-US" dirty="0"/>
@@ -11920,7 +11350,7 @@
           <a:p>
             <a:pPr lvl="0"/>
             <a:r>
-              <a:rPr lang="zh-CN" altLang="en-US" smtClean="0"/>
+              <a:rPr lang="zh-CN" altLang="en-US"/>
               <a:t>编辑母版文本样式</a:t>
             </a:r>
           </a:p>
@@ -12111,13 +11541,6 @@
   <p:clrMapOvr>
     <a:masterClrMapping/>
   </p:clrMapOvr>
-  <p:timing>
-    <p:tnLst>
-      <p:par>
-        <p:cTn id="1" dur="indefinite" restart="never" nodeType="tmRoot"/>
-      </p:par>
-    </p:tnLst>
-  </p:timing>
 </p:sldLayout>
 </file>
 
@@ -12154,7 +11577,7 @@
           <a:lstStyle/>
           <a:p>
             <a:r>
-              <a:rPr lang="zh-CN" altLang="en-US" smtClean="0"/>
+              <a:rPr lang="zh-CN" altLang="en-US"/>
               <a:t>单击此处编辑母版标题样式</a:t>
             </a:r>
             <a:endParaRPr lang="en-US" dirty="0"/>
@@ -12183,35 +11606,35 @@
           <a:p>
             <a:pPr lvl="0"/>
             <a:r>
-              <a:rPr lang="zh-CN" altLang="en-US" smtClean="0"/>
+              <a:rPr lang="zh-CN" altLang="en-US"/>
               <a:t>编辑母版文本样式</a:t>
             </a:r>
           </a:p>
           <a:p>
             <a:pPr lvl="1"/>
             <a:r>
-              <a:rPr lang="zh-CN" altLang="en-US" smtClean="0"/>
+              <a:rPr lang="zh-CN" altLang="en-US"/>
               <a:t>第二级</a:t>
             </a:r>
           </a:p>
           <a:p>
             <a:pPr lvl="2"/>
             <a:r>
-              <a:rPr lang="zh-CN" altLang="en-US" smtClean="0"/>
+              <a:rPr lang="zh-CN" altLang="en-US"/>
               <a:t>第三级</a:t>
             </a:r>
           </a:p>
           <a:p>
             <a:pPr lvl="3"/>
             <a:r>
-              <a:rPr lang="zh-CN" altLang="en-US" smtClean="0"/>
+              <a:rPr lang="zh-CN" altLang="en-US"/>
               <a:t>第四级</a:t>
             </a:r>
           </a:p>
           <a:p>
             <a:pPr lvl="4"/>
             <a:r>
-              <a:rPr lang="zh-CN" altLang="en-US" smtClean="0"/>
+              <a:rPr lang="zh-CN" altLang="en-US"/>
               <a:t>第五级</a:t>
             </a:r>
             <a:endParaRPr lang="en-US" dirty="0"/>
@@ -12240,35 +11663,35 @@
           <a:p>
             <a:pPr lvl="0"/>
             <a:r>
-              <a:rPr lang="zh-CN" altLang="en-US" smtClean="0"/>
+              <a:rPr lang="zh-CN" altLang="en-US"/>
               <a:t>编辑母版文本样式</a:t>
             </a:r>
           </a:p>
           <a:p>
             <a:pPr lvl="1"/>
             <a:r>
-              <a:rPr lang="zh-CN" altLang="en-US" smtClean="0"/>
+              <a:rPr lang="zh-CN" altLang="en-US"/>
               <a:t>第二级</a:t>
             </a:r>
           </a:p>
           <a:p>
             <a:pPr lvl="2"/>
             <a:r>
-              <a:rPr lang="zh-CN" altLang="en-US" smtClean="0"/>
+              <a:rPr lang="zh-CN" altLang="en-US"/>
               <a:t>第三级</a:t>
             </a:r>
           </a:p>
           <a:p>
             <a:pPr lvl="3"/>
             <a:r>
-              <a:rPr lang="zh-CN" altLang="en-US" smtClean="0"/>
+              <a:rPr lang="zh-CN" altLang="en-US"/>
               <a:t>第四级</a:t>
             </a:r>
           </a:p>
           <a:p>
             <a:pPr lvl="4"/>
             <a:r>
-              <a:rPr lang="zh-CN" altLang="en-US" smtClean="0"/>
+              <a:rPr lang="zh-CN" altLang="en-US"/>
               <a:t>第五级</a:t>
             </a:r>
             <a:endParaRPr lang="en-US" dirty="0"/>
@@ -12460,13 +11883,6 @@
   <p:clrMapOvr>
     <a:masterClrMapping/>
   </p:clrMapOvr>
-  <p:timing>
-    <p:tnLst>
-      <p:par>
-        <p:cTn id="1" dur="indefinite" restart="never" nodeType="tmRoot"/>
-      </p:par>
-    </p:tnLst>
-  </p:timing>
 </p:sldLayout>
 </file>
 
@@ -12508,7 +11924,7 @@
           <a:lstStyle/>
           <a:p>
             <a:r>
-              <a:rPr lang="zh-CN" altLang="en-US" smtClean="0"/>
+              <a:rPr lang="zh-CN" altLang="en-US"/>
               <a:t>单击此处编辑母版标题样式</a:t>
             </a:r>
             <a:endParaRPr lang="en-US" dirty="0"/>
@@ -12574,7 +11990,7 @@
           <a:p>
             <a:pPr lvl="0"/>
             <a:r>
-              <a:rPr lang="zh-CN" altLang="en-US" smtClean="0"/>
+              <a:rPr lang="zh-CN" altLang="en-US"/>
               <a:t>编辑母版文本样式</a:t>
             </a:r>
           </a:p>
@@ -12602,35 +12018,35 @@
           <a:p>
             <a:pPr lvl="0"/>
             <a:r>
-              <a:rPr lang="zh-CN" altLang="en-US" smtClean="0"/>
+              <a:rPr lang="zh-CN" altLang="en-US"/>
               <a:t>编辑母版文本样式</a:t>
             </a:r>
           </a:p>
           <a:p>
             <a:pPr lvl="1"/>
             <a:r>
-              <a:rPr lang="zh-CN" altLang="en-US" smtClean="0"/>
+              <a:rPr lang="zh-CN" altLang="en-US"/>
               <a:t>第二级</a:t>
             </a:r>
           </a:p>
           <a:p>
             <a:pPr lvl="2"/>
             <a:r>
-              <a:rPr lang="zh-CN" altLang="en-US" smtClean="0"/>
+              <a:rPr lang="zh-CN" altLang="en-US"/>
               <a:t>第三级</a:t>
             </a:r>
           </a:p>
           <a:p>
             <a:pPr lvl="3"/>
             <a:r>
-              <a:rPr lang="zh-CN" altLang="en-US" smtClean="0"/>
+              <a:rPr lang="zh-CN" altLang="en-US"/>
               <a:t>第四级</a:t>
             </a:r>
           </a:p>
           <a:p>
             <a:pPr lvl="4"/>
             <a:r>
-              <a:rPr lang="zh-CN" altLang="en-US" smtClean="0"/>
+              <a:rPr lang="zh-CN" altLang="en-US"/>
               <a:t>第五级</a:t>
             </a:r>
             <a:endParaRPr lang="en-US" dirty="0"/>
@@ -12696,7 +12112,7 @@
           <a:p>
             <a:pPr lvl="0"/>
             <a:r>
-              <a:rPr lang="zh-CN" altLang="en-US" smtClean="0"/>
+              <a:rPr lang="zh-CN" altLang="en-US"/>
               <a:t>编辑母版文本样式</a:t>
             </a:r>
           </a:p>
@@ -12724,35 +12140,35 @@
           <a:p>
             <a:pPr lvl="0"/>
             <a:r>
-              <a:rPr lang="zh-CN" altLang="en-US" smtClean="0"/>
+              <a:rPr lang="zh-CN" altLang="en-US"/>
               <a:t>编辑母版文本样式</a:t>
             </a:r>
           </a:p>
           <a:p>
             <a:pPr lvl="1"/>
             <a:r>
-              <a:rPr lang="zh-CN" altLang="en-US" smtClean="0"/>
+              <a:rPr lang="zh-CN" altLang="en-US"/>
               <a:t>第二级</a:t>
             </a:r>
           </a:p>
           <a:p>
             <a:pPr lvl="2"/>
             <a:r>
-              <a:rPr lang="zh-CN" altLang="en-US" smtClean="0"/>
+              <a:rPr lang="zh-CN" altLang="en-US"/>
               <a:t>第三级</a:t>
             </a:r>
           </a:p>
           <a:p>
             <a:pPr lvl="3"/>
             <a:r>
-              <a:rPr lang="zh-CN" altLang="en-US" smtClean="0"/>
+              <a:rPr lang="zh-CN" altLang="en-US"/>
               <a:t>第四级</a:t>
             </a:r>
           </a:p>
           <a:p>
             <a:pPr lvl="4"/>
             <a:r>
-              <a:rPr lang="zh-CN" altLang="en-US" smtClean="0"/>
+              <a:rPr lang="zh-CN" altLang="en-US"/>
               <a:t>第五级</a:t>
             </a:r>
             <a:endParaRPr lang="en-US" dirty="0"/>
@@ -12944,13 +12360,6 @@
   <p:clrMapOvr>
     <a:masterClrMapping/>
   </p:clrMapOvr>
-  <p:timing>
-    <p:tnLst>
-      <p:par>
-        <p:cTn id="1" dur="indefinite" restart="never" nodeType="tmRoot"/>
-      </p:par>
-    </p:tnLst>
-  </p:timing>
 </p:sldLayout>
 </file>
 
@@ -12987,7 +12396,7 @@
           <a:lstStyle/>
           <a:p>
             <a:r>
-              <a:rPr lang="zh-CN" altLang="en-US" smtClean="0"/>
+              <a:rPr lang="zh-CN" altLang="en-US"/>
               <a:t>单击此处编辑母版标题样式</a:t>
             </a:r>
             <a:endParaRPr lang="en-US" dirty="0"/>
@@ -13179,13 +12588,6 @@
   <p:clrMapOvr>
     <a:masterClrMapping/>
   </p:clrMapOvr>
-  <p:timing>
-    <p:tnLst>
-      <p:par>
-        <p:cTn id="1" dur="indefinite" restart="never" nodeType="tmRoot"/>
-      </p:par>
-    </p:tnLst>
-  </p:timing>
 </p:sldLayout>
 </file>
 
@@ -13391,13 +12793,6 @@
   <p:clrMapOvr>
     <a:masterClrMapping/>
   </p:clrMapOvr>
-  <p:timing>
-    <p:tnLst>
-      <p:par>
-        <p:cTn id="1" dur="indefinite" restart="never" nodeType="tmRoot"/>
-      </p:par>
-    </p:tnLst>
-  </p:timing>
 </p:sldLayout>
 </file>
 
@@ -13472,7 +12867,7 @@
           <a:lstStyle/>
           <a:p>
             <a:r>
-              <a:rPr lang="zh-CN" altLang="en-US" smtClean="0"/>
+              <a:rPr lang="zh-CN" altLang="en-US"/>
               <a:t>单击此处编辑母版标题样式</a:t>
             </a:r>
             <a:endParaRPr lang="en-US" dirty="0"/>
@@ -13506,35 +12901,35 @@
           <a:p>
             <a:pPr lvl="0"/>
             <a:r>
-              <a:rPr lang="zh-CN" altLang="en-US" smtClean="0"/>
+              <a:rPr lang="zh-CN" altLang="en-US"/>
               <a:t>编辑母版文本样式</a:t>
             </a:r>
           </a:p>
           <a:p>
             <a:pPr lvl="1"/>
             <a:r>
-              <a:rPr lang="zh-CN" altLang="en-US" smtClean="0"/>
+              <a:rPr lang="zh-CN" altLang="en-US"/>
               <a:t>第二级</a:t>
             </a:r>
           </a:p>
           <a:p>
             <a:pPr lvl="2"/>
             <a:r>
-              <a:rPr lang="zh-CN" altLang="en-US" smtClean="0"/>
+              <a:rPr lang="zh-CN" altLang="en-US"/>
               <a:t>第三级</a:t>
             </a:r>
           </a:p>
           <a:p>
             <a:pPr lvl="3"/>
             <a:r>
-              <a:rPr lang="zh-CN" altLang="en-US" smtClean="0"/>
+              <a:rPr lang="zh-CN" altLang="en-US"/>
               <a:t>第四级</a:t>
             </a:r>
           </a:p>
           <a:p>
             <a:pPr lvl="4"/>
             <a:r>
-              <a:rPr lang="zh-CN" altLang="en-US" smtClean="0"/>
+              <a:rPr lang="zh-CN" altLang="en-US"/>
               <a:t>第五级</a:t>
             </a:r>
             <a:endParaRPr lang="en-US" dirty="0"/>
@@ -13576,7 +12971,7 @@
           <a:p>
             <a:fld id="{C764DE79-268F-4C1A-8933-263129D2AF90}" type="datetimeFigureOut">
               <a:rPr lang="en-US" dirty="0"/>
-              <a:t>8/22/2017</a:t>
+              <a:t>9/6/2017</a:t>
             </a:fld>
             <a:endParaRPr lang="en-US" dirty="0"/>
           </a:p>
@@ -13837,13 +13232,6 @@
     <p:sldLayoutId id="2147483671" r:id="rId12"/>
     <p:sldLayoutId id="2147483672" r:id="rId13"/>
   </p:sldLayoutIdLst>
-  <p:timing>
-    <p:tnLst>
-      <p:par>
-        <p:cTn id="1" dur="indefinite" restart="never" nodeType="tmRoot"/>
-      </p:par>
-    </p:tnLst>
-  </p:timing>
   <p:hf hdr="0" dt="0"/>
   <p:txStyles>
     <p:titleStyle>
@@ -14169,10 +13557,9 @@
               <a:t>C++</a:t>
             </a:r>
             <a:r>
-              <a:rPr lang="zh-CN" altLang="en-US" dirty="0" smtClean="0"/>
+              <a:rPr lang="zh-CN" altLang="en-US" dirty="0"/>
               <a:t>概述</a:t>
             </a:r>
-            <a:endParaRPr lang="zh-CN" altLang="en-US" dirty="0"/>
           </a:p>
         </p:txBody>
       </p:sp>
@@ -14186,13 +13573,6 @@
   <p:clrMapOvr>
     <a:masterClrMapping/>
   </p:clrMapOvr>
-  <p:timing>
-    <p:tnLst>
-      <p:par>
-        <p:cTn id="1" dur="indefinite" restart="never" nodeType="tmRoot"/>
-      </p:par>
-    </p:tnLst>
-  </p:timing>
 </p:sld>
 </file>
 
@@ -14235,16 +13615,12 @@
               <a:t>C++</a:t>
             </a:r>
             <a:r>
-              <a:rPr lang="zh-CN" altLang="en-US" smtClean="0"/>
+              <a:rPr lang="zh-CN" altLang="en-US"/>
               <a:t>概述：</a:t>
             </a:r>
             <a:r>
-              <a:rPr lang="en-US" altLang="zh-CN" smtClean="0"/>
-              <a:t>C</a:t>
-            </a:r>
-            <a:r>
               <a:rPr lang="en-US" altLang="zh-CN"/>
-              <a:t>++</a:t>
+              <a:t>C++</a:t>
             </a:r>
             <a:r>
               <a:rPr lang="zh-CN" altLang="en-US"/>
@@ -14615,27 +13991,8 @@
                   </a:schemeClr>
                 </a:solidFill>
               </a:rPr>
-              <a:t>的第三</a:t>
-            </a:r>
-            <a:r>
-              <a:rPr lang="zh-CN" altLang="en-US" sz="2400" smtClean="0">
-                <a:solidFill>
-                  <a:schemeClr val="tx1">
-                    <a:lumMod val="75000"/>
-                    <a:lumOff val="25000"/>
-                  </a:schemeClr>
-                </a:solidFill>
-              </a:rPr>
-              <a:t>版</a:t>
-            </a:r>
-            <a:endParaRPr lang="zh-CN" altLang="en-US" sz="2400">
-              <a:solidFill>
-                <a:schemeClr val="tx1">
-                  <a:lumMod val="75000"/>
-                  <a:lumOff val="25000"/>
-                </a:schemeClr>
-              </a:solidFill>
-            </a:endParaRPr>
+              <a:t>的第三版</a:t>
+            </a:r>
           </a:p>
         </p:txBody>
       </p:sp>
@@ -14649,13 +14006,6 @@
   <p:clrMapOvr>
     <a:masterClrMapping/>
   </p:clrMapOvr>
-  <p:timing>
-    <p:tnLst>
-      <p:par>
-        <p:cTn id="1" dur="indefinite" restart="never" nodeType="tmRoot"/>
-      </p:par>
-    </p:tnLst>
-  </p:timing>
 </p:sld>
 </file>
 
@@ -14751,27 +14101,8 @@
                   </a:schemeClr>
                 </a:solidFill>
               </a:rPr>
-              <a:t>是一种通用程序设计语言，特别是面向系统</a:t>
-            </a:r>
-            <a:r>
-              <a:rPr lang="zh-CN" altLang="en-US" sz="3600" smtClean="0">
-                <a:solidFill>
-                  <a:schemeClr val="tx1">
-                    <a:lumMod val="75000"/>
-                    <a:lumOff val="25000"/>
-                  </a:schemeClr>
-                </a:solidFill>
-              </a:rPr>
-              <a:t>程序设计。</a:t>
-            </a:r>
-            <a:endParaRPr lang="zh-CN" altLang="en-US" sz="3600">
-              <a:solidFill>
-                <a:schemeClr val="tx1">
-                  <a:lumMod val="75000"/>
-                  <a:lumOff val="25000"/>
-                </a:schemeClr>
-              </a:solidFill>
-            </a:endParaRPr>
+              <a:t>是一种通用程序设计语言，特别是面向系统程序设计。</a:t>
+            </a:r>
           </a:p>
           <a:p>
             <a:pPr lvl="1">
@@ -14853,27 +14184,8 @@
                   </a:schemeClr>
                 </a:solidFill>
               </a:rPr>
-              <a:t>支持泛型</a:t>
-            </a:r>
-            <a:r>
-              <a:rPr lang="zh-CN" altLang="en-US" sz="3200" smtClean="0">
-                <a:solidFill>
-                  <a:schemeClr val="tx1">
-                    <a:lumMod val="75000"/>
-                    <a:lumOff val="25000"/>
-                  </a:schemeClr>
-                </a:solidFill>
-              </a:rPr>
-              <a:t>程序设计</a:t>
-            </a:r>
-            <a:endParaRPr lang="zh-CN" altLang="en-US" sz="3200">
-              <a:solidFill>
-                <a:schemeClr val="tx1">
-                  <a:lumMod val="75000"/>
-                  <a:lumOff val="25000"/>
-                </a:schemeClr>
-              </a:solidFill>
-            </a:endParaRPr>
+              <a:t>支持泛型程序设计</a:t>
+            </a:r>
           </a:p>
         </p:txBody>
       </p:sp>
@@ -14887,13 +14199,6 @@
   <p:clrMapOvr>
     <a:masterClrMapping/>
   </p:clrMapOvr>
-  <p:timing>
-    <p:tnLst>
-      <p:par>
-        <p:cTn id="1" dur="indefinite" restart="never" nodeType="tmRoot"/>
-      </p:par>
-    </p:tnLst>
-  </p:timing>
 </p:sld>
 </file>
 
@@ -14937,11 +14242,7 @@
             </a:r>
             <a:r>
               <a:rPr lang="zh-CN" altLang="en-US"/>
-              <a:t>概述</a:t>
-            </a:r>
-            <a:r>
-              <a:rPr lang="zh-CN" altLang="en-US" smtClean="0"/>
-              <a:t>：</a:t>
+              <a:t>概述：</a:t>
             </a:r>
             <a:r>
               <a:rPr lang="en-US" altLang="zh-CN"/>
@@ -15111,13 +14412,6 @@
   <p:clrMapOvr>
     <a:masterClrMapping/>
   </p:clrMapOvr>
-  <p:timing>
-    <p:tnLst>
-      <p:par>
-        <p:cTn id="1" dur="indefinite" restart="never" nodeType="tmRoot"/>
-      </p:par>
-    </p:tnLst>
-  </p:timing>
 </p:sld>
 </file>
 
@@ -15156,24 +14450,20 @@
           <a:lstStyle/>
           <a:p>
             <a:r>
-              <a:rPr lang="en-US" altLang="zh-CN" smtClean="0"/>
+              <a:rPr lang="en-US" altLang="zh-CN"/>
               <a:t>C++</a:t>
             </a:r>
             <a:r>
-              <a:rPr lang="zh-CN" altLang="en-US" smtClean="0"/>
+              <a:rPr lang="zh-CN" altLang="en-US"/>
               <a:t>概述：发展史</a:t>
             </a:r>
             <a:r>
-              <a:rPr lang="en-US" altLang="zh-CN" smtClean="0"/>
+              <a:rPr lang="en-US" altLang="zh-CN"/>
               <a:t>---</a:t>
             </a:r>
             <a:r>
-              <a:rPr lang="zh-CN" altLang="en-US" smtClean="0"/>
-              <a:t>三</a:t>
-            </a:r>
-            <a:r>
               <a:rPr lang="zh-CN" altLang="en-US"/>
-              <a:t>个阶段</a:t>
+              <a:t>三个阶段</a:t>
             </a:r>
           </a:p>
         </p:txBody>
@@ -15218,7 +14508,7 @@
           <a:lstStyle/>
           <a:p>
             <a:r>
-              <a:rPr lang="zh-CN" altLang="en-US" sz="2400" b="1" dirty="0" smtClean="0">
+              <a:rPr lang="zh-CN" altLang="en-US" sz="2400" b="1" dirty="0">
                 <a:solidFill>
                   <a:schemeClr val="tx1">
                     <a:lumMod val="75000"/>
@@ -15230,7 +14520,7 @@
               </a:rPr>
               <a:t>传统类型上的面向对象语言</a:t>
             </a:r>
-            <a:endParaRPr kumimoji="1" lang="zh-CN" altLang="en-US" sz="2400" b="0" i="0" u="none" strike="noStrike" cap="none" normalizeH="0" baseline="0" dirty="0" smtClean="0">
+            <a:endParaRPr kumimoji="1" lang="zh-CN" altLang="en-US" sz="2400" b="0" i="0" u="none" strike="noStrike" cap="none" normalizeH="0" baseline="0" dirty="0">
               <a:ln>
                 <a:noFill/>
               </a:ln>
@@ -15287,7 +14577,7 @@
           <a:lstStyle/>
           <a:p>
             <a:r>
-              <a:rPr lang="zh-CN" altLang="en-US" sz="2400" b="1" dirty="0" smtClean="0">
+              <a:rPr lang="zh-CN" altLang="en-US" sz="2400" b="1" dirty="0">
                 <a:solidFill>
                   <a:schemeClr val="tx1">
                     <a:lumMod val="75000"/>
@@ -15299,7 +14589,7 @@
               </a:rPr>
               <a:t>加入泛型程序设计</a:t>
             </a:r>
-            <a:endParaRPr lang="en-US" altLang="zh-CN" sz="2400" b="1" dirty="0" smtClean="0">
+            <a:endParaRPr lang="en-US" altLang="zh-CN" sz="2400" b="1" dirty="0">
               <a:solidFill>
                 <a:schemeClr val="tx1">
                   <a:lumMod val="75000"/>
@@ -15316,7 +14606,7 @@
               <a:buChar char="ü"/>
             </a:pPr>
             <a:r>
-              <a:rPr lang="en-US" altLang="zh-CN" sz="2400" b="1" dirty="0" smtClean="0">
+              <a:rPr lang="en-US" altLang="zh-CN" sz="2400" b="1" dirty="0">
                 <a:solidFill>
                   <a:schemeClr val="tx1">
                     <a:lumMod val="75000"/>
@@ -15329,7 +14619,7 @@
               <a:t> </a:t>
             </a:r>
             <a:r>
-              <a:rPr lang="en-US" altLang="zh-CN" sz="2400" b="1" dirty="0" smtClean="0">
+              <a:rPr lang="en-US" altLang="zh-CN" sz="2400" b="1" dirty="0">
                 <a:solidFill>
                   <a:schemeClr val="tx1">
                     <a:lumMod val="75000"/>
@@ -15349,7 +14639,7 @@
               <a:buChar char="ü"/>
             </a:pPr>
             <a:r>
-              <a:rPr lang="en-US" altLang="zh-CN" sz="2400" b="1" dirty="0" smtClean="0">
+              <a:rPr lang="en-US" altLang="zh-CN" sz="2400" b="1" dirty="0">
                 <a:solidFill>
                   <a:schemeClr val="tx1">
                     <a:lumMod val="75000"/>
@@ -15361,7 +14651,7 @@
               </a:rPr>
               <a:t>Boost </a:t>
             </a:r>
-            <a:endParaRPr kumimoji="1" lang="zh-CN" altLang="en-US" sz="2400" b="0" i="0" u="none" strike="noStrike" cap="none" normalizeH="0" baseline="0" dirty="0" smtClean="0">
+            <a:endParaRPr kumimoji="1" lang="zh-CN" altLang="en-US" sz="2400" b="0" i="0" u="none" strike="noStrike" cap="none" normalizeH="0" baseline="0" dirty="0">
               <a:ln>
                 <a:noFill/>
               </a:ln>
@@ -15419,7 +14709,7 @@
           <a:lstStyle/>
           <a:p>
             <a:r>
-              <a:rPr lang="zh-CN" altLang="en-US" sz="2400" b="1" dirty="0" smtClean="0">
+              <a:rPr lang="zh-CN" altLang="en-US" sz="2400" b="1" dirty="0">
                 <a:solidFill>
                   <a:schemeClr val="tx1">
                     <a:lumMod val="75000"/>
@@ -15431,7 +14721,7 @@
               </a:rPr>
               <a:t>加入产生式编程和模板元编程：</a:t>
             </a:r>
-            <a:endParaRPr lang="en-US" altLang="zh-CN" sz="2400" b="1" dirty="0" smtClean="0">
+            <a:endParaRPr lang="en-US" altLang="zh-CN" sz="2400" b="1" dirty="0">
               <a:solidFill>
                 <a:schemeClr val="tx1">
                   <a:lumMod val="75000"/>
@@ -15448,7 +14738,7 @@
               <a:buChar char="ü"/>
             </a:pPr>
             <a:r>
-              <a:rPr lang="en-US" altLang="zh-CN" sz="2400" b="1" dirty="0" smtClean="0">
+              <a:rPr lang="en-US" altLang="zh-CN" sz="2400" b="1" dirty="0">
                 <a:solidFill>
                   <a:schemeClr val="tx1">
                     <a:lumMod val="75000"/>
@@ -15468,7 +14758,7 @@
               <a:buChar char="ü"/>
             </a:pPr>
             <a:r>
-              <a:rPr lang="en-US" altLang="zh-CN" sz="2400" b="1" dirty="0" smtClean="0">
+              <a:rPr lang="en-US" altLang="zh-CN" sz="2400" b="1" dirty="0">
                 <a:solidFill>
                   <a:schemeClr val="tx1">
                     <a:lumMod val="75000"/>
@@ -15487,7 +14777,7 @@
               <a:buFont typeface="Wingdings" pitchFamily="2" charset="2"/>
               <a:buChar char="ü"/>
             </a:pPr>
-            <a:endParaRPr kumimoji="1" lang="zh-CN" altLang="en-US" sz="2400" b="0" i="0" u="none" strike="noStrike" cap="none" normalizeH="0" baseline="0" dirty="0" smtClean="0">
+            <a:endParaRPr kumimoji="1" lang="zh-CN" altLang="en-US" sz="2400" b="0" i="0" u="none" strike="noStrike" cap="none" normalizeH="0" baseline="0" dirty="0">
               <a:ln>
                 <a:noFill/>
               </a:ln>
@@ -15527,7 +14817,7 @@
           <a:lstStyle/>
           <a:p>
             <a:r>
-              <a:rPr lang="en-US" altLang="zh-CN" sz="2800" b="1" smtClean="0">
+              <a:rPr lang="en-US" altLang="zh-CN" sz="2800" b="1">
                 <a:solidFill>
                   <a:schemeClr val="tx1">
                     <a:lumMod val="75000"/>
@@ -15541,7 +14831,7 @@
               <a:t>80</a:t>
             </a:r>
             <a:r>
-              <a:rPr lang="zh-CN" altLang="en-US" sz="2800" b="1" smtClean="0">
+              <a:rPr lang="zh-CN" altLang="en-US" sz="2800" b="1">
                 <a:solidFill>
                   <a:schemeClr val="tx1">
                     <a:lumMod val="75000"/>
@@ -15591,7 +14881,7 @@
           <a:lstStyle/>
           <a:p>
             <a:r>
-              <a:rPr lang="en-US" altLang="zh-CN" sz="2800" b="1" dirty="0" smtClean="0">
+              <a:rPr lang="en-US" altLang="zh-CN" sz="2800" b="1" dirty="0">
                 <a:solidFill>
                   <a:schemeClr val="tx1">
                     <a:lumMod val="75000"/>
@@ -15641,7 +14931,7 @@
           <a:lstStyle/>
           <a:p>
             <a:r>
-              <a:rPr lang="en-US" altLang="zh-CN" sz="2800" b="1" dirty="0" smtClean="0">
+              <a:rPr lang="en-US" altLang="zh-CN" sz="2800" b="1" dirty="0">
                 <a:solidFill>
                   <a:schemeClr val="tx1">
                     <a:lumMod val="75000"/>
@@ -15691,7 +14981,7 @@
           <a:lstStyle/>
           <a:p>
             <a:r>
-              <a:rPr lang="zh-CN" altLang="en-US" sz="2800" b="1" smtClean="0">
+              <a:rPr lang="zh-CN" altLang="en-US" sz="2800" b="1">
                 <a:solidFill>
                   <a:schemeClr val="tx1">
                     <a:lumMod val="75000"/>
@@ -15741,7 +15031,7 @@
           <a:lstStyle/>
           <a:p>
             <a:r>
-              <a:rPr lang="zh-CN" altLang="en-US" sz="2800" b="1" dirty="0" smtClean="0">
+              <a:rPr lang="zh-CN" altLang="en-US" sz="2800" b="1" dirty="0">
                 <a:solidFill>
                   <a:srgbClr val="0073AB"/>
                 </a:solidFill>
@@ -15750,13 +15040,6 @@
               </a:rPr>
               <a:t>第一阶段</a:t>
             </a:r>
-            <a:endParaRPr lang="zh-CN" altLang="en-US" sz="2800" b="1" dirty="0">
-              <a:solidFill>
-                <a:srgbClr val="0073AB"/>
-              </a:solidFill>
-              <a:latin typeface="微软雅黑" panose="020B0503020204020204" pitchFamily="34" charset="-122"/>
-              <a:ea typeface="微软雅黑" panose="020B0503020204020204" pitchFamily="34" charset="-122"/>
-            </a:endParaRPr>
           </a:p>
         </p:txBody>
       </p:sp>
@@ -15783,7 +15066,7 @@
           <a:lstStyle/>
           <a:p>
             <a:r>
-              <a:rPr lang="zh-CN" altLang="en-US" sz="2800" b="1" dirty="0" smtClean="0">
+              <a:rPr lang="zh-CN" altLang="en-US" sz="2800" b="1" dirty="0">
                 <a:solidFill>
                   <a:srgbClr val="0073AB"/>
                 </a:solidFill>
@@ -15792,13 +15075,6 @@
               </a:rPr>
               <a:t>第二阶段</a:t>
             </a:r>
-            <a:endParaRPr lang="zh-CN" altLang="en-US" sz="2800" b="1" dirty="0">
-              <a:solidFill>
-                <a:srgbClr val="0073AB"/>
-              </a:solidFill>
-              <a:latin typeface="微软雅黑" panose="020B0503020204020204" pitchFamily="34" charset="-122"/>
-              <a:ea typeface="微软雅黑" panose="020B0503020204020204" pitchFamily="34" charset="-122"/>
-            </a:endParaRPr>
           </a:p>
         </p:txBody>
       </p:sp>
@@ -15825,7 +15101,7 @@
           <a:lstStyle/>
           <a:p>
             <a:r>
-              <a:rPr lang="zh-CN" altLang="en-US" sz="2800" b="1" dirty="0" smtClean="0">
+              <a:rPr lang="zh-CN" altLang="en-US" sz="2800" b="1" dirty="0">
                 <a:solidFill>
                   <a:srgbClr val="0073AB"/>
                 </a:solidFill>
@@ -15834,13 +15110,6 @@
               </a:rPr>
               <a:t>第三阶段</a:t>
             </a:r>
-            <a:endParaRPr lang="zh-CN" altLang="en-US" sz="2800" b="1" dirty="0">
-              <a:solidFill>
-                <a:srgbClr val="0073AB"/>
-              </a:solidFill>
-              <a:latin typeface="微软雅黑" panose="020B0503020204020204" pitchFamily="34" charset="-122"/>
-              <a:ea typeface="微软雅黑" panose="020B0503020204020204" pitchFamily="34" charset="-122"/>
-            </a:endParaRPr>
           </a:p>
         </p:txBody>
       </p:sp>
@@ -15885,13 +15154,6 @@
   <p:clrMapOvr>
     <a:masterClrMapping/>
   </p:clrMapOvr>
-  <p:timing>
-    <p:tnLst>
-      <p:par>
-        <p:cTn id="1" dur="indefinite" restart="never" nodeType="tmRoot"/>
-      </p:par>
-    </p:tnLst>
-  </p:timing>
 </p:sld>
 </file>
 
@@ -15935,13 +15197,8 @@
             </a:r>
             <a:r>
               <a:rPr lang="zh-CN" altLang="en-US"/>
-              <a:t>概述</a:t>
-            </a:r>
-            <a:r>
-              <a:rPr lang="zh-CN" altLang="en-US" smtClean="0"/>
-              <a:t>：行业地位</a:t>
-            </a:r>
-            <a:endParaRPr lang="zh-CN" altLang="en-US"/>
+              <a:t>概述：行业地位</a:t>
+            </a:r>
           </a:p>
         </p:txBody>
       </p:sp>
@@ -16200,13 +15457,8 @@
             </a:r>
             <a:r>
               <a:rPr lang="zh-CN" altLang="en-US"/>
-              <a:t>概述</a:t>
-            </a:r>
-            <a:r>
-              <a:rPr lang="zh-CN" altLang="en-US" smtClean="0"/>
-              <a:t>：行业地位</a:t>
-            </a:r>
-            <a:endParaRPr lang="zh-CN" altLang="en-US"/>
+              <a:t>概述：行业地位</a:t>
+            </a:r>
           </a:p>
         </p:txBody>
       </p:sp>
@@ -16292,13 +15544,6 @@
   <p:clrMapOvr>
     <a:masterClrMapping/>
   </p:clrMapOvr>
-  <p:timing>
-    <p:tnLst>
-      <p:par>
-        <p:cTn id="1" dur="indefinite" restart="never" nodeType="tmRoot"/>
-      </p:par>
-    </p:tnLst>
-  </p:timing>
 </p:sld>
 </file>
 
@@ -16342,13 +15587,8 @@
             </a:r>
             <a:r>
               <a:rPr lang="zh-CN" altLang="en-US"/>
-              <a:t>概述</a:t>
-            </a:r>
-            <a:r>
-              <a:rPr lang="zh-CN" altLang="en-US" smtClean="0"/>
-              <a:t>：应用领域</a:t>
-            </a:r>
-            <a:endParaRPr lang="zh-CN" altLang="en-US"/>
+              <a:t>概述：应用领域</a:t>
+            </a:r>
           </a:p>
         </p:txBody>
       </p:sp>
@@ -17504,7 +16744,7 @@
           <a:p>
             <a:pPr algn="ctr" eaLnBrk="0" hangingPunct="0"/>
             <a:r>
-              <a:rPr lang="zh-CN" altLang="en-US" sz="2800" b="1" dirty="0" smtClean="0">
+              <a:rPr lang="zh-CN" altLang="en-US" sz="2800" b="1" dirty="0">
                 <a:solidFill>
                   <a:schemeClr val="tx1">
                     <a:lumMod val="75000"/>
@@ -17516,7 +16756,7 @@
               </a:rPr>
               <a:t>应用</a:t>
             </a:r>
-            <a:endParaRPr lang="en-US" altLang="zh-CN" sz="2800" b="1" dirty="0" smtClean="0">
+            <a:endParaRPr lang="en-US" altLang="zh-CN" sz="2800" b="1" dirty="0">
               <a:solidFill>
                 <a:schemeClr val="tx1">
                   <a:lumMod val="75000"/>
@@ -17530,7 +16770,7 @@
           <a:p>
             <a:pPr algn="ctr" eaLnBrk="0" hangingPunct="0"/>
             <a:r>
-              <a:rPr lang="zh-CN" altLang="en-US" sz="2800" b="1" dirty="0" smtClean="0">
+              <a:rPr lang="zh-CN" altLang="en-US" sz="2800" b="1" dirty="0">
                 <a:solidFill>
                   <a:schemeClr val="tx1">
                     <a:lumMod val="75000"/>
@@ -17643,7 +16883,7 @@
           <a:lstStyle/>
           <a:p>
             <a:r>
-              <a:rPr lang="zh-CN" altLang="en-US" sz="3200" b="1" dirty="0" smtClean="0">
+              <a:rPr lang="zh-CN" altLang="en-US" sz="3200" b="1" dirty="0">
                 <a:solidFill>
                   <a:schemeClr val="accent1">
                     <a:lumMod val="50000"/>
@@ -17689,7 +16929,7 @@
           <a:lstStyle/>
           <a:p>
             <a:r>
-              <a:rPr lang="zh-CN" altLang="en-US" sz="3200" b="1" dirty="0" smtClean="0">
+              <a:rPr lang="zh-CN" altLang="en-US" sz="3200" b="1" dirty="0">
                 <a:solidFill>
                   <a:schemeClr val="accent1">
                     <a:lumMod val="50000"/>
@@ -17735,7 +16975,7 @@
           <a:lstStyle/>
           <a:p>
             <a:r>
-              <a:rPr lang="zh-CN" altLang="en-US" sz="3200" b="1" dirty="0" smtClean="0">
+              <a:rPr lang="zh-CN" altLang="en-US" sz="3200" b="1" dirty="0">
                 <a:solidFill>
                   <a:schemeClr val="accent1">
                     <a:lumMod val="50000"/>
@@ -17759,13 +16999,6 @@
   <p:clrMapOvr>
     <a:masterClrMapping/>
   </p:clrMapOvr>
-  <p:timing>
-    <p:tnLst>
-      <p:par>
-        <p:cTn id="1" dur="indefinite" restart="never" nodeType="tmRoot"/>
-      </p:par>
-    </p:tnLst>
-  </p:timing>
 </p:sld>
 </file>
 
@@ -17922,27 +17155,8 @@
                   </a:schemeClr>
                 </a:solidFill>
               </a:rPr>
-              <a:t>分布式</a:t>
-            </a:r>
-            <a:r>
-              <a:rPr lang="zh-CN" altLang="en-US" sz="3200" smtClean="0">
-                <a:solidFill>
-                  <a:schemeClr val="tx1">
-                    <a:lumMod val="75000"/>
-                    <a:lumOff val="25000"/>
-                  </a:schemeClr>
-                </a:solidFill>
-              </a:rPr>
-              <a:t>系统</a:t>
-            </a:r>
-            <a:endParaRPr lang="zh-CN" altLang="en-US" sz="3200">
-              <a:solidFill>
-                <a:schemeClr val="tx1">
-                  <a:lumMod val="75000"/>
-                  <a:lumOff val="25000"/>
-                </a:schemeClr>
-              </a:solidFill>
-            </a:endParaRPr>
+              <a:t>分布式系统</a:t>
+            </a:r>
           </a:p>
         </p:txBody>
       </p:sp>
@@ -17956,13 +17170,6 @@
   <p:clrMapOvr>
     <a:masterClrMapping/>
   </p:clrMapOvr>
-  <p:timing>
-    <p:tnLst>
-      <p:par>
-        <p:cTn id="1" dur="indefinite" restart="never" nodeType="tmRoot"/>
-      </p:par>
-    </p:tnLst>
-  </p:timing>
 </p:sld>
 </file>
 
@@ -18033,19 +17240,6 @@
             <a:lstStyle/>
             <a:p>
               <a:r>
-                <a:rPr lang="en-US" altLang="zh-CN" sz="2400" b="1" kern="0" smtClean="0">
-                  <a:solidFill>
-                    <a:schemeClr val="tx1">
-                      <a:lumMod val="65000"/>
-                      <a:lumOff val="35000"/>
-                    </a:schemeClr>
-                  </a:solidFill>
-                  <a:latin typeface="微软雅黑" panose="020B0503020204020204" pitchFamily="34" charset="-122"/>
-                  <a:ea typeface="微软雅黑" panose="020B0503020204020204" pitchFamily="34" charset="-122"/>
-                </a:rPr>
-                <a:t>          C</a:t>
-              </a:r>
-              <a:r>
                 <a:rPr lang="en-US" altLang="zh-CN" sz="2400" b="1" kern="0">
                   <a:solidFill>
                     <a:schemeClr val="tx1">
@@ -18056,7 +17250,7 @@
                   <a:latin typeface="微软雅黑" panose="020B0503020204020204" pitchFamily="34" charset="-122"/>
                   <a:ea typeface="微软雅黑" panose="020B0503020204020204" pitchFamily="34" charset="-122"/>
                 </a:rPr>
-                <a:t>++</a:t>
+                <a:t>          C++</a:t>
               </a:r>
               <a:r>
                 <a:rPr lang="zh-CN" altLang="en-US" sz="2400" b="1" kern="0">
@@ -18300,7 +17494,7 @@
             <a:lstStyle/>
             <a:p>
               <a:r>
-                <a:rPr lang="en-US" altLang="zh-CN" sz="2400" b="1" kern="0" smtClean="0">
+                <a:rPr lang="en-US" altLang="zh-CN" sz="2400" b="1" kern="0">
                   <a:solidFill>
                     <a:schemeClr val="tx1">
                       <a:lumMod val="65000"/>
@@ -18313,7 +17507,7 @@
                 <a:t>          </a:t>
               </a:r>
               <a:r>
-                <a:rPr lang="zh-CN" altLang="en-US" sz="2400" b="1" kern="0" smtClean="0">
+                <a:rPr lang="zh-CN" altLang="en-US" sz="2400" b="1" kern="0">
                   <a:solidFill>
                     <a:schemeClr val="tx1">
                       <a:lumMod val="65000"/>
@@ -18325,16 +17519,6 @@
                 </a:rPr>
                 <a:t>课程简介</a:t>
               </a:r>
-              <a:endParaRPr lang="zh-CN" altLang="en-US" sz="2400" b="1" kern="0">
-                <a:solidFill>
-                  <a:schemeClr val="tx1">
-                    <a:lumMod val="65000"/>
-                    <a:lumOff val="35000"/>
-                  </a:schemeClr>
-                </a:solidFill>
-                <a:latin typeface="微软雅黑" panose="020B0503020204020204" pitchFamily="34" charset="-122"/>
-                <a:ea typeface="微软雅黑" panose="020B0503020204020204" pitchFamily="34" charset="-122"/>
-              </a:endParaRPr>
             </a:p>
           </p:txBody>
         </p:sp>
@@ -18562,7 +17746,7 @@
             <a:lstStyle/>
             <a:p>
               <a:r>
-                <a:rPr lang="en-US" altLang="zh-CN" sz="2400" b="1" kern="0" smtClean="0">
+                <a:rPr lang="en-US" altLang="zh-CN" sz="2400" b="1" kern="0">
                   <a:solidFill>
                     <a:schemeClr val="bg1"/>
                   </a:solidFill>
@@ -18572,7 +17756,7 @@
                 <a:t>          C</a:t>
               </a:r>
               <a:r>
-                <a:rPr lang="zh-CN" altLang="en-US" sz="2400" b="1" kern="0" smtClean="0">
+                <a:rPr lang="zh-CN" altLang="en-US" sz="2400" b="1" kern="0">
                   <a:solidFill>
                     <a:schemeClr val="bg1"/>
                   </a:solidFill>
@@ -18582,7 +17766,7 @@
                 <a:t>与</a:t>
               </a:r>
               <a:r>
-                <a:rPr lang="en-US" altLang="zh-CN" sz="2400" b="1" kern="0" smtClean="0">
+                <a:rPr lang="en-US" altLang="zh-CN" sz="2400" b="1" kern="0">
                   <a:solidFill>
                     <a:schemeClr val="bg1"/>
                   </a:solidFill>
@@ -18592,7 +17776,7 @@
                 <a:t>C++</a:t>
               </a:r>
               <a:r>
-                <a:rPr lang="zh-CN" altLang="en-US" sz="2400" b="1" kern="0" smtClean="0">
+                <a:rPr lang="zh-CN" altLang="en-US" sz="2400" b="1" kern="0">
                   <a:solidFill>
                     <a:schemeClr val="bg1"/>
                   </a:solidFill>
@@ -18601,13 +17785,6 @@
                 </a:rPr>
                 <a:t>的关系</a:t>
               </a:r>
-              <a:endParaRPr lang="zh-CN" altLang="en-US" sz="2400" b="1" kern="0">
-                <a:solidFill>
-                  <a:schemeClr val="bg1"/>
-                </a:solidFill>
-                <a:latin typeface="微软雅黑" panose="020B0503020204020204" pitchFamily="34" charset="-122"/>
-                <a:ea typeface="微软雅黑" panose="020B0503020204020204" pitchFamily="34" charset="-122"/>
-              </a:endParaRPr>
             </a:p>
           </p:txBody>
         </p:sp>
@@ -18831,7 +18008,7 @@
             <a:lstStyle/>
             <a:p>
               <a:r>
-                <a:rPr lang="en-US" altLang="zh-CN" sz="2400" b="1" kern="0" smtClean="0">
+                <a:rPr lang="en-US" altLang="zh-CN" sz="2400" b="1" kern="0">
                   <a:solidFill>
                     <a:schemeClr val="tx1">
                       <a:lumMod val="65000"/>
@@ -18844,7 +18021,7 @@
                 <a:t>          </a:t>
               </a:r>
               <a:r>
-                <a:rPr lang="zh-CN" altLang="en-US" sz="2400" b="1" kern="0" smtClean="0">
+                <a:rPr lang="zh-CN" altLang="en-US" sz="2400" b="1" kern="0">
                   <a:solidFill>
                     <a:schemeClr val="tx1">
                       <a:lumMod val="65000"/>
@@ -18857,7 +18034,7 @@
                 <a:t>第一个</a:t>
               </a:r>
               <a:r>
-                <a:rPr lang="en-US" altLang="zh-CN" sz="2400" b="1" kern="0" smtClean="0">
+                <a:rPr lang="en-US" altLang="zh-CN" sz="2400" b="1" kern="0">
                   <a:solidFill>
                     <a:schemeClr val="tx1">
                       <a:lumMod val="65000"/>
@@ -18870,7 +18047,7 @@
                 <a:t>C++</a:t>
               </a:r>
               <a:r>
-                <a:rPr lang="zh-CN" altLang="en-US" sz="2400" b="1" kern="0" smtClean="0">
+                <a:rPr lang="zh-CN" altLang="en-US" sz="2400" b="1" kern="0">
                   <a:solidFill>
                     <a:schemeClr val="tx1">
                       <a:lumMod val="65000"/>
@@ -18882,16 +18059,6 @@
                 </a:rPr>
                 <a:t>程序</a:t>
               </a:r>
-              <a:endParaRPr lang="zh-CN" altLang="en-US" sz="2400" b="1" kern="0">
-                <a:solidFill>
-                  <a:schemeClr val="tx1">
-                    <a:lumMod val="65000"/>
-                    <a:lumOff val="35000"/>
-                  </a:schemeClr>
-                </a:solidFill>
-                <a:latin typeface="微软雅黑" panose="020B0503020204020204" pitchFamily="34" charset="-122"/>
-                <a:ea typeface="微软雅黑" panose="020B0503020204020204" pitchFamily="34" charset="-122"/>
-              </a:endParaRPr>
             </a:p>
           </p:txBody>
         </p:sp>
@@ -19121,7 +18288,7 @@
             <a:lstStyle/>
             <a:p>
               <a:r>
-                <a:rPr lang="en-US" altLang="zh-CN" sz="2400" b="1" kern="0" smtClean="0">
+                <a:rPr lang="en-US" altLang="zh-CN" sz="2400" b="1" kern="0">
                   <a:solidFill>
                     <a:schemeClr val="tx1">
                       <a:lumMod val="65000"/>
@@ -19134,7 +18301,7 @@
                 <a:t>          </a:t>
               </a:r>
               <a:r>
-                <a:rPr lang="zh-CN" altLang="en-US" sz="2400" b="1" kern="0" smtClean="0">
+                <a:rPr lang="zh-CN" altLang="en-US" sz="2400" b="1" kern="0">
                   <a:solidFill>
                     <a:schemeClr val="tx1">
                       <a:lumMod val="65000"/>
@@ -19146,16 +18313,6 @@
                 </a:rPr>
                 <a:t>面向对象程序设计</a:t>
               </a:r>
-              <a:endParaRPr lang="zh-CN" altLang="en-US" sz="2400" b="1" kern="0">
-                <a:solidFill>
-                  <a:schemeClr val="tx1">
-                    <a:lumMod val="65000"/>
-                    <a:lumOff val="35000"/>
-                  </a:schemeClr>
-                </a:solidFill>
-                <a:latin typeface="微软雅黑" panose="020B0503020204020204" pitchFamily="34" charset="-122"/>
-                <a:ea typeface="微软雅黑" panose="020B0503020204020204" pitchFamily="34" charset="-122"/>
-              </a:endParaRPr>
             </a:p>
           </p:txBody>
         </p:sp>
@@ -19345,13 +18502,6 @@
   <p:clrMapOvr>
     <a:masterClrMapping/>
   </p:clrMapOvr>
-  <p:timing>
-    <p:tnLst>
-      <p:par>
-        <p:cTn id="1" dur="indefinite" restart="never" nodeType="tmRoot"/>
-      </p:par>
-    </p:tnLst>
-  </p:timing>
 </p:sld>
 </file>
 
@@ -19390,22 +18540,21 @@
           <a:lstStyle/>
           <a:p>
             <a:r>
-              <a:rPr lang="en-US" altLang="zh-CN" smtClean="0"/>
+              <a:rPr lang="en-US" altLang="zh-CN"/>
               <a:t>C</a:t>
             </a:r>
             <a:r>
-              <a:rPr lang="zh-CN" altLang="en-US" smtClean="0"/>
+              <a:rPr lang="zh-CN" altLang="en-US"/>
               <a:t>与</a:t>
             </a:r>
             <a:r>
-              <a:rPr lang="en-US" altLang="zh-CN" smtClean="0"/>
+              <a:rPr lang="en-US" altLang="zh-CN"/>
               <a:t>C++</a:t>
             </a:r>
             <a:r>
-              <a:rPr lang="zh-CN" altLang="en-US" smtClean="0"/>
+              <a:rPr lang="zh-CN" altLang="en-US"/>
               <a:t>的关系</a:t>
             </a:r>
-            <a:endParaRPr lang="zh-CN" altLang="en-US"/>
           </a:p>
         </p:txBody>
       </p:sp>
@@ -19619,31 +18768,8 @@
                 <a:ea typeface="微软雅黑" panose="020B0503020204020204" pitchFamily="34" charset="-122"/>
                 <a:cs typeface="Courier New" pitchFamily="49" charset="0"/>
               </a:rPr>
-              <a:t>的</a:t>
-            </a:r>
-            <a:r>
-              <a:rPr lang="zh-CN" altLang="en-US" sz="3600" b="1" dirty="0" smtClean="0">
-                <a:solidFill>
-                  <a:schemeClr val="accent1">
-                    <a:lumMod val="50000"/>
-                  </a:schemeClr>
-                </a:solidFill>
-                <a:latin typeface="微软雅黑" panose="020B0503020204020204" pitchFamily="34" charset="-122"/>
-                <a:ea typeface="微软雅黑" panose="020B0503020204020204" pitchFamily="34" charset="-122"/>
-                <a:cs typeface="Courier New" pitchFamily="49" charset="0"/>
-              </a:rPr>
-              <a:t>子集</a:t>
-            </a:r>
-            <a:endParaRPr lang="zh-CN" altLang="en-US" sz="3600" b="1" dirty="0">
-              <a:solidFill>
-                <a:schemeClr val="accent1">
-                  <a:lumMod val="50000"/>
-                </a:schemeClr>
-              </a:solidFill>
-              <a:latin typeface="微软雅黑" panose="020B0503020204020204" pitchFamily="34" charset="-122"/>
-              <a:ea typeface="微软雅黑" panose="020B0503020204020204" pitchFamily="34" charset="-122"/>
-              <a:cs typeface="Courier New" pitchFamily="49" charset="0"/>
-            </a:endParaRPr>
+              <a:t>的子集</a:t>
+            </a:r>
           </a:p>
         </p:txBody>
       </p:sp>
@@ -19657,13 +18783,6 @@
   <p:clrMapOvr>
     <a:masterClrMapping/>
   </p:clrMapOvr>
-  <p:timing>
-    <p:tnLst>
-      <p:par>
-        <p:cTn id="1" dur="indefinite" restart="never" nodeType="tmRoot"/>
-      </p:par>
-    </p:tnLst>
-  </p:timing>
 </p:sld>
 </file>
 
@@ -19907,13 +19026,6 @@
   <p:clrMapOvr>
     <a:masterClrMapping/>
   </p:clrMapOvr>
-  <p:timing>
-    <p:tnLst>
-      <p:par>
-        <p:cTn id="1" dur="indefinite" restart="never" nodeType="tmRoot"/>
-      </p:par>
-    </p:tnLst>
-  </p:timing>
 </p:sld>
 </file>
 
@@ -20195,18 +19307,7 @@
                   </a:schemeClr>
                 </a:solidFill>
               </a:rPr>
-              <a:t>与面向过程对立</a:t>
-            </a:r>
-            <a:r>
-              <a:rPr lang="zh-CN" altLang="en-US" sz="3500" b="1" smtClean="0">
-                <a:solidFill>
-                  <a:schemeClr val="tx1">
-                    <a:lumMod val="75000"/>
-                    <a:lumOff val="25000"/>
-                  </a:schemeClr>
-                </a:solidFill>
-              </a:rPr>
-              <a:t>起来</a:t>
+              <a:t>与面向过程对立起来</a:t>
             </a:r>
             <a:endParaRPr lang="zh-CN" altLang="en-US">
               <a:solidFill>
@@ -20229,13 +19330,6 @@
   <p:clrMapOvr>
     <a:masterClrMapping/>
   </p:clrMapOvr>
-  <p:timing>
-    <p:tnLst>
-      <p:par>
-        <p:cTn id="1" dur="indefinite" restart="never" nodeType="tmRoot"/>
-      </p:par>
-    </p:tnLst>
-  </p:timing>
 </p:sld>
 </file>
 
@@ -20306,7 +19400,7 @@
             <a:lstStyle/>
             <a:p>
               <a:r>
-                <a:rPr lang="en-US" altLang="zh-CN" sz="2400" b="1" kern="0" smtClean="0">
+                <a:rPr lang="en-US" altLang="zh-CN" sz="2400" b="1" kern="0">
                   <a:solidFill>
                     <a:schemeClr val="tx1">
                       <a:lumMod val="65000"/>
@@ -20319,7 +19413,7 @@
                 <a:t>          C</a:t>
               </a:r>
               <a:r>
-                <a:rPr lang="zh-CN" altLang="en-US" sz="2400" b="1" kern="0" smtClean="0">
+                <a:rPr lang="zh-CN" altLang="en-US" sz="2400" b="1" kern="0">
                   <a:solidFill>
                     <a:schemeClr val="tx1">
                       <a:lumMod val="65000"/>
@@ -20332,7 +19426,7 @@
                 <a:t>与</a:t>
               </a:r>
               <a:r>
-                <a:rPr lang="en-US" altLang="zh-CN" sz="2400" b="1" kern="0" smtClean="0">
+                <a:rPr lang="en-US" altLang="zh-CN" sz="2400" b="1" kern="0">
                   <a:solidFill>
                     <a:schemeClr val="tx1">
                       <a:lumMod val="65000"/>
@@ -20345,7 +19439,7 @@
                 <a:t>C++</a:t>
               </a:r>
               <a:r>
-                <a:rPr lang="zh-CN" altLang="en-US" sz="2400" b="1" kern="0" smtClean="0">
+                <a:rPr lang="zh-CN" altLang="en-US" sz="2400" b="1" kern="0">
                   <a:solidFill>
                     <a:schemeClr val="tx1">
                       <a:lumMod val="65000"/>
@@ -20357,16 +19451,6 @@
                 </a:rPr>
                 <a:t>的关系</a:t>
               </a:r>
-              <a:endParaRPr lang="zh-CN" altLang="en-US" sz="2400" b="1" kern="0">
-                <a:solidFill>
-                  <a:schemeClr val="tx1">
-                    <a:lumMod val="65000"/>
-                    <a:lumOff val="35000"/>
-                  </a:schemeClr>
-                </a:solidFill>
-                <a:latin typeface="微软雅黑" panose="020B0503020204020204" pitchFamily="34" charset="-122"/>
-                <a:ea typeface="微软雅黑" panose="020B0503020204020204" pitchFamily="34" charset="-122"/>
-              </a:endParaRPr>
             </a:p>
           </p:txBody>
         </p:sp>
@@ -20594,7 +19678,7 @@
             <a:lstStyle/>
             <a:p>
               <a:r>
-                <a:rPr lang="zh-CN" altLang="en-US" sz="2400" b="1" kern="0" smtClean="0">
+                <a:rPr lang="zh-CN" altLang="en-US" sz="2400" b="1" kern="0">
                   <a:solidFill>
                     <a:schemeClr val="bg1"/>
                   </a:solidFill>
@@ -20603,13 +19687,6 @@
                 </a:rPr>
                 <a:t>          面向对象程序设计</a:t>
               </a:r>
-              <a:endParaRPr lang="zh-CN" altLang="en-US" sz="2400" b="1" kern="0">
-                <a:solidFill>
-                  <a:schemeClr val="bg1"/>
-                </a:solidFill>
-                <a:latin typeface="微软雅黑" panose="020B0503020204020204" pitchFamily="34" charset="-122"/>
-                <a:ea typeface="微软雅黑" panose="020B0503020204020204" pitchFamily="34" charset="-122"/>
-              </a:endParaRPr>
             </a:p>
           </p:txBody>
         </p:sp>
@@ -20833,19 +19910,6 @@
             <a:lstStyle/>
             <a:p>
               <a:r>
-                <a:rPr lang="en-US" altLang="zh-CN" sz="2400" b="1" kern="0" smtClean="0">
-                  <a:solidFill>
-                    <a:schemeClr val="tx1">
-                      <a:lumMod val="65000"/>
-                      <a:lumOff val="35000"/>
-                    </a:schemeClr>
-                  </a:solidFill>
-                  <a:latin typeface="微软雅黑" panose="020B0503020204020204" pitchFamily="34" charset="-122"/>
-                  <a:ea typeface="微软雅黑" panose="020B0503020204020204" pitchFamily="34" charset="-122"/>
-                </a:rPr>
-                <a:t>          C</a:t>
-              </a:r>
-              <a:r>
                 <a:rPr lang="en-US" altLang="zh-CN" sz="2400" b="1" kern="0">
                   <a:solidFill>
                     <a:schemeClr val="tx1">
@@ -20856,7 +19920,7 @@
                   <a:latin typeface="微软雅黑" panose="020B0503020204020204" pitchFamily="34" charset="-122"/>
                   <a:ea typeface="微软雅黑" panose="020B0503020204020204" pitchFamily="34" charset="-122"/>
                 </a:rPr>
-                <a:t>++</a:t>
+                <a:t>          C++</a:t>
               </a:r>
               <a:r>
                 <a:rPr lang="zh-CN" altLang="en-US" sz="2400" b="1" kern="0">
@@ -21100,7 +20164,7 @@
             <a:lstStyle/>
             <a:p>
               <a:r>
-                <a:rPr lang="en-US" altLang="zh-CN" sz="2400" b="1" kern="0" smtClean="0">
+                <a:rPr lang="en-US" altLang="zh-CN" sz="2400" b="1" kern="0">
                   <a:solidFill>
                     <a:schemeClr val="tx1">
                       <a:lumMod val="65000"/>
@@ -21113,7 +20177,7 @@
                 <a:t>          </a:t>
               </a:r>
               <a:r>
-                <a:rPr lang="zh-CN" altLang="en-US" sz="2400" b="1" kern="0" smtClean="0">
+                <a:rPr lang="zh-CN" altLang="en-US" sz="2400" b="1" kern="0">
                   <a:solidFill>
                     <a:schemeClr val="tx1">
                       <a:lumMod val="65000"/>
@@ -21125,16 +20189,6 @@
                 </a:rPr>
                 <a:t>课程简介</a:t>
               </a:r>
-              <a:endParaRPr lang="zh-CN" altLang="en-US" sz="2400" b="1" kern="0">
-                <a:solidFill>
-                  <a:schemeClr val="tx1">
-                    <a:lumMod val="65000"/>
-                    <a:lumOff val="35000"/>
-                  </a:schemeClr>
-                </a:solidFill>
-                <a:latin typeface="微软雅黑" panose="020B0503020204020204" pitchFamily="34" charset="-122"/>
-                <a:ea typeface="微软雅黑" panose="020B0503020204020204" pitchFamily="34" charset="-122"/>
-              </a:endParaRPr>
             </a:p>
           </p:txBody>
         </p:sp>
@@ -21364,7 +20418,7 @@
             <a:lstStyle/>
             <a:p>
               <a:r>
-                <a:rPr lang="en-US" altLang="zh-CN" sz="2400" b="1" kern="0" smtClean="0">
+                <a:rPr lang="en-US" altLang="zh-CN" sz="2400" b="1" kern="0">
                   <a:solidFill>
                     <a:schemeClr val="tx1">
                       <a:lumMod val="65000"/>
@@ -21377,7 +20431,7 @@
                 <a:t>          </a:t>
               </a:r>
               <a:r>
-                <a:rPr lang="zh-CN" altLang="en-US" sz="2400" b="1" kern="0" smtClean="0">
+                <a:rPr lang="zh-CN" altLang="en-US" sz="2400" b="1" kern="0">
                   <a:solidFill>
                     <a:schemeClr val="tx1">
                       <a:lumMod val="65000"/>
@@ -21390,7 +20444,7 @@
                 <a:t>第一个</a:t>
               </a:r>
               <a:r>
-                <a:rPr lang="en-US" altLang="zh-CN" sz="2400" b="1" kern="0" smtClean="0">
+                <a:rPr lang="en-US" altLang="zh-CN" sz="2400" b="1" kern="0">
                   <a:solidFill>
                     <a:schemeClr val="tx1">
                       <a:lumMod val="65000"/>
@@ -21403,7 +20457,7 @@
                 <a:t>C++</a:t>
               </a:r>
               <a:r>
-                <a:rPr lang="zh-CN" altLang="en-US" sz="2400" b="1" kern="0" smtClean="0">
+                <a:rPr lang="zh-CN" altLang="en-US" sz="2400" b="1" kern="0">
                   <a:solidFill>
                     <a:schemeClr val="tx1">
                       <a:lumMod val="65000"/>
@@ -21415,16 +20469,6 @@
                 </a:rPr>
                 <a:t>程序</a:t>
               </a:r>
-              <a:endParaRPr lang="zh-CN" altLang="en-US" sz="2400" b="1" kern="0">
-                <a:solidFill>
-                  <a:schemeClr val="tx1">
-                    <a:lumMod val="65000"/>
-                    <a:lumOff val="35000"/>
-                  </a:schemeClr>
-                </a:solidFill>
-                <a:latin typeface="微软雅黑" panose="020B0503020204020204" pitchFamily="34" charset="-122"/>
-                <a:ea typeface="微软雅黑" panose="020B0503020204020204" pitchFamily="34" charset="-122"/>
-              </a:endParaRPr>
             </a:p>
           </p:txBody>
         </p:sp>
@@ -21614,13 +20658,6 @@
   <p:clrMapOvr>
     <a:masterClrMapping/>
   </p:clrMapOvr>
-  <p:timing>
-    <p:tnLst>
-      <p:par>
-        <p:cTn id="1" dur="indefinite" restart="never" nodeType="tmRoot"/>
-      </p:par>
-    </p:tnLst>
-  </p:timing>
 </p:sld>
 </file>
 
@@ -21659,10 +20696,9 @@
           <a:lstStyle/>
           <a:p>
             <a:r>
-              <a:rPr lang="zh-CN" altLang="en-US" smtClean="0"/>
+              <a:rPr lang="zh-CN" altLang="en-US"/>
               <a:t>面向对象程序设计：类与对象</a:t>
             </a:r>
-            <a:endParaRPr lang="zh-CN" altLang="en-US"/>
           </a:p>
         </p:txBody>
       </p:sp>
@@ -21730,10 +20766,18 @@
                   </a:schemeClr>
                 </a:solidFill>
               </a:rPr>
-              <a:t>，</a:t>
-            </a:r>
-            <a:r>
-              <a:rPr lang="zh-CN" altLang="en-US" smtClean="0">
+              <a:t>，每个对象都包含特定的</a:t>
+            </a:r>
+            <a:r>
+              <a:rPr lang="zh-CN" altLang="en-US" b="1">
+                <a:solidFill>
+                  <a:srgbClr val="C00000"/>
+                </a:solidFill>
+              </a:rPr>
+              <a:t>属性</a:t>
+            </a:r>
+            <a:r>
+              <a:rPr lang="zh-CN" altLang="en-US">
                 <a:solidFill>
                   <a:schemeClr val="tx1">
                     <a:lumMod val="75000"/>
@@ -21741,7 +20785,15 @@
                   </a:schemeClr>
                 </a:solidFill>
               </a:rPr>
-              <a:t>每个</a:t>
+              <a:t>和</a:t>
+            </a:r>
+            <a:r>
+              <a:rPr lang="zh-CN" altLang="en-US" b="1">
+                <a:solidFill>
+                  <a:srgbClr val="C00000"/>
+                </a:solidFill>
+              </a:rPr>
+              <a:t>行为</a:t>
             </a:r>
             <a:r>
               <a:rPr lang="zh-CN" altLang="en-US">
@@ -21752,54 +20804,8 @@
                   </a:schemeClr>
                 </a:solidFill>
               </a:rPr>
-              <a:t>对象都包含特定的</a:t>
-            </a:r>
-            <a:r>
-              <a:rPr lang="zh-CN" altLang="en-US" b="1">
-                <a:solidFill>
-                  <a:srgbClr val="C00000"/>
-                </a:solidFill>
-              </a:rPr>
-              <a:t>属性</a:t>
-            </a:r>
-            <a:r>
-              <a:rPr lang="zh-CN" altLang="en-US">
-                <a:solidFill>
-                  <a:schemeClr val="tx1">
-                    <a:lumMod val="75000"/>
-                    <a:lumOff val="25000"/>
-                  </a:schemeClr>
-                </a:solidFill>
-              </a:rPr>
-              <a:t>和</a:t>
-            </a:r>
-            <a:r>
-              <a:rPr lang="zh-CN" altLang="en-US" b="1" smtClean="0">
-                <a:solidFill>
-                  <a:srgbClr val="C00000"/>
-                </a:solidFill>
-              </a:rPr>
-              <a:t>行为</a:t>
-            </a:r>
-            <a:r>
-              <a:rPr lang="zh-CN" altLang="en-US" smtClean="0">
-                <a:solidFill>
-                  <a:schemeClr val="tx1">
-                    <a:lumMod val="75000"/>
-                    <a:lumOff val="25000"/>
-                  </a:schemeClr>
-                </a:solidFill>
-              </a:rPr>
               <a:t>。</a:t>
             </a:r>
-            <a:endParaRPr lang="zh-CN" altLang="en-US">
-              <a:solidFill>
-                <a:schemeClr val="tx1">
-                  <a:lumMod val="75000"/>
-                  <a:lumOff val="25000"/>
-                </a:schemeClr>
-              </a:solidFill>
-            </a:endParaRPr>
           </a:p>
           <a:p>
             <a:pPr>
@@ -21827,49 +20833,8 @@
                   </a:schemeClr>
                 </a:solidFill>
               </a:rPr>
-              <a:t>：现实世界中具有相同属性和行为的</a:t>
-            </a:r>
-            <a:r>
-              <a:rPr lang="zh-CN" altLang="en-US" smtClean="0">
-                <a:solidFill>
-                  <a:schemeClr val="tx1">
-                    <a:lumMod val="75000"/>
-                    <a:lumOff val="25000"/>
-                  </a:schemeClr>
-                </a:solidFill>
-              </a:rPr>
-              <a:t>物理实体</a:t>
-            </a:r>
-            <a:r>
-              <a:rPr lang="zh-CN" altLang="en-US">
-                <a:solidFill>
-                  <a:schemeClr val="tx1">
-                    <a:lumMod val="75000"/>
-                    <a:lumOff val="25000"/>
-                  </a:schemeClr>
-                </a:solidFill>
-              </a:rPr>
-              <a:t>的抽象</a:t>
-            </a:r>
-            <a:r>
-              <a:rPr lang="zh-CN" altLang="en-US" smtClean="0">
-                <a:solidFill>
-                  <a:schemeClr val="tx1">
-                    <a:lumMod val="75000"/>
-                    <a:lumOff val="25000"/>
-                  </a:schemeClr>
-                </a:solidFill>
-              </a:rPr>
-              <a:t>。</a:t>
-            </a:r>
-            <a:endParaRPr lang="zh-CN" altLang="en-US">
-              <a:solidFill>
-                <a:schemeClr val="tx1">
-                  <a:lumMod val="75000"/>
-                  <a:lumOff val="25000"/>
-                </a:schemeClr>
-              </a:solidFill>
-            </a:endParaRPr>
+              <a:t>：现实世界中具有相同属性和行为的物理实体的抽象。</a:t>
+            </a:r>
           </a:p>
         </p:txBody>
       </p:sp>
@@ -21921,7 +20886,7 @@
           <a:lstStyle/>
           <a:p>
             <a:r>
-              <a:rPr lang="zh-CN" altLang="en-US" sz="3200" b="1" dirty="0" smtClean="0">
+              <a:rPr lang="zh-CN" altLang="en-US" sz="3200" b="1" dirty="0">
                 <a:solidFill>
                   <a:schemeClr val="accent1">
                     <a:lumMod val="50000"/>
@@ -22019,7 +20984,7 @@
           <a:lstStyle/>
           <a:p>
             <a:r>
-              <a:rPr lang="en-US" altLang="zh-CN" sz="3200" b="1" dirty="0" smtClean="0">
+              <a:rPr lang="en-US" altLang="zh-CN" sz="3200" b="1" dirty="0">
                 <a:solidFill>
                   <a:schemeClr val="accent1">
                     <a:lumMod val="50000"/>
@@ -22067,7 +21032,7 @@
           <a:lstStyle/>
           <a:p>
             <a:r>
-              <a:rPr lang="en-US" altLang="zh-CN" sz="3200" b="1" dirty="0" smtClean="0">
+              <a:rPr lang="en-US" altLang="zh-CN" sz="3200" b="1" dirty="0">
                 <a:solidFill>
                   <a:schemeClr val="accent1">
                     <a:lumMod val="50000"/>
@@ -22115,7 +21080,7 @@
           <a:lstStyle/>
           <a:p>
             <a:r>
-              <a:rPr lang="en-US" sz="3200" b="1" dirty="0" smtClean="0">
+              <a:rPr lang="en-US" sz="3200" b="1" dirty="0">
                 <a:solidFill>
                   <a:schemeClr val="accent1">
                     <a:lumMod val="50000"/>
@@ -22245,13 +21210,6 @@
   <p:clrMapOvr>
     <a:masterClrMapping/>
   </p:clrMapOvr>
-  <p:timing>
-    <p:tnLst>
-      <p:par>
-        <p:cTn id="1" dur="indefinite" restart="never" nodeType="tmRoot"/>
-      </p:par>
-    </p:tnLst>
-  </p:timing>
 </p:sld>
 </file>
 
@@ -22290,10 +21248,9 @@
           <a:lstStyle/>
           <a:p>
             <a:r>
-              <a:rPr lang="zh-CN" altLang="en-US" smtClean="0"/>
+              <a:rPr lang="zh-CN" altLang="en-US"/>
               <a:t>面向对象程序设计：类与对象</a:t>
             </a:r>
-            <a:endParaRPr lang="zh-CN" altLang="en-US"/>
           </a:p>
         </p:txBody>
       </p:sp>
@@ -23299,13 +22256,6 @@
   <p:clrMapOvr>
     <a:masterClrMapping/>
   </p:clrMapOvr>
-  <p:timing>
-    <p:tnLst>
-      <p:par>
-        <p:cTn id="1" dur="indefinite" restart="never" nodeType="tmRoot"/>
-      </p:par>
-    </p:tnLst>
-  </p:timing>
 </p:sld>
 </file>
 
@@ -23344,10 +22294,9 @@
           <a:lstStyle/>
           <a:p>
             <a:r>
-              <a:rPr lang="zh-CN" altLang="en-US" smtClean="0"/>
+              <a:rPr lang="zh-CN" altLang="en-US"/>
               <a:t>面向对象程序设计：类与对象</a:t>
             </a:r>
-            <a:endParaRPr lang="zh-CN" altLang="en-US"/>
           </a:p>
         </p:txBody>
       </p:sp>
@@ -23404,7 +22353,7 @@
               <a:t>通常即包含数据成员和成员函数的</a:t>
             </a:r>
             <a:r>
-              <a:rPr lang="zh-CN" altLang="en-US" sz="3200" b="1" smtClean="0">
+              <a:rPr lang="zh-CN" altLang="en-US" sz="3200" b="1">
                 <a:solidFill>
                   <a:srgbClr val="FF0000"/>
                 </a:solidFill>
@@ -23420,18 +22369,7 @@
                   </a:schemeClr>
                 </a:solidFill>
               </a:rPr>
-              <a:t>，如</a:t>
-            </a:r>
-            <a:r>
-              <a:rPr lang="zh-CN" altLang="en-US" sz="3200" b="1" smtClean="0">
-                <a:solidFill>
-                  <a:schemeClr val="tx1">
-                    <a:lumMod val="75000"/>
-                    <a:lumOff val="25000"/>
-                  </a:schemeClr>
-                </a:solidFill>
-              </a:rPr>
-              <a:t>结构体。</a:t>
+              <a:t>，如结构体。</a:t>
             </a:r>
             <a:endParaRPr lang="zh-CN" altLang="en-US" sz="3200" b="1" dirty="0">
               <a:solidFill>
@@ -23517,10 +22455,12 @@
                 <a:ea typeface="华文楷体" pitchFamily="2" charset="-122"/>
                 <a:cs typeface="Courier New" pitchFamily="49" charset="0"/>
               </a:rPr>
-              <a:t> </a:t>
-            </a:r>
-            <a:r>
-              <a:rPr lang="en-US" altLang="zh-CN" sz="2800" b="1" dirty="0" smtClean="0">
+              <a:t> Student</a:t>
+            </a:r>
+          </a:p>
+          <a:p>
+            <a:r>
+              <a:rPr lang="en-US" altLang="zh-CN" sz="2800" b="1" dirty="0">
                 <a:solidFill>
                   <a:schemeClr val="tx1">
                     <a:lumMod val="75000"/>
@@ -23531,19 +22471,8 @@
                 <a:ea typeface="华文楷体" pitchFamily="2" charset="-122"/>
                 <a:cs typeface="Courier New" pitchFamily="49" charset="0"/>
               </a:rPr>
-              <a:t>Student</a:t>
-            </a:r>
-            <a:endParaRPr lang="en-US" altLang="zh-CN" sz="2800" b="1" dirty="0">
-              <a:solidFill>
-                <a:schemeClr val="tx1">
-                  <a:lumMod val="75000"/>
-                  <a:lumOff val="25000"/>
-                </a:schemeClr>
-              </a:solidFill>
-              <a:latin typeface="Consolas" panose="020B0609020204030204" pitchFamily="49" charset="0"/>
-              <a:ea typeface="华文楷体" pitchFamily="2" charset="-122"/>
-              <a:cs typeface="Courier New" pitchFamily="49" charset="0"/>
-            </a:endParaRPr>
+              <a:t>{</a:t>
+            </a:r>
           </a:p>
           <a:p>
             <a:r>
@@ -23558,12 +22487,10 @@
                 <a:ea typeface="华文楷体" pitchFamily="2" charset="-122"/>
                 <a:cs typeface="Courier New" pitchFamily="49" charset="0"/>
               </a:rPr>
-              <a:t>{</a:t>
-            </a:r>
-          </a:p>
-          <a:p>
-            <a:r>
-              <a:rPr lang="en-US" altLang="zh-CN" sz="2800" b="1" dirty="0">
+              <a:t>   </a:t>
+            </a:r>
+            <a:r>
+              <a:rPr lang="en-US" altLang="zh-CN" sz="2800" b="1" dirty="0" err="1">
                 <a:solidFill>
                   <a:schemeClr val="tx1">
                     <a:lumMod val="75000"/>
@@ -23574,10 +22501,10 @@
                 <a:ea typeface="华文楷体" pitchFamily="2" charset="-122"/>
                 <a:cs typeface="Courier New" pitchFamily="49" charset="0"/>
               </a:rPr>
-              <a:t>   </a:t>
-            </a:r>
-            <a:r>
-              <a:rPr lang="en-US" altLang="zh-CN" sz="2800" b="1" dirty="0" err="1">
+              <a:t>int</a:t>
+            </a:r>
+            <a:r>
+              <a:rPr lang="en-US" altLang="zh-CN" sz="2800" b="1" dirty="0">
                 <a:solidFill>
                   <a:schemeClr val="tx1">
                     <a:lumMod val="75000"/>
@@ -23588,10 +22515,10 @@
                 <a:ea typeface="华文楷体" pitchFamily="2" charset="-122"/>
                 <a:cs typeface="Courier New" pitchFamily="49" charset="0"/>
               </a:rPr>
-              <a:t>int</a:t>
-            </a:r>
-            <a:r>
-              <a:rPr lang="en-US" altLang="zh-CN" sz="2800" b="1" dirty="0">
+              <a:t> </a:t>
+            </a:r>
+            <a:r>
+              <a:rPr lang="en-US" altLang="zh-CN" sz="2800" b="1" dirty="0" err="1">
                 <a:solidFill>
                   <a:schemeClr val="tx1">
                     <a:lumMod val="75000"/>
@@ -23602,10 +22529,10 @@
                 <a:ea typeface="华文楷体" pitchFamily="2" charset="-122"/>
                 <a:cs typeface="Courier New" pitchFamily="49" charset="0"/>
               </a:rPr>
-              <a:t> </a:t>
-            </a:r>
-            <a:r>
-              <a:rPr lang="en-US" altLang="zh-CN" sz="2800" b="1" dirty="0" err="1">
+              <a:t>num</a:t>
+            </a:r>
+            <a:r>
+              <a:rPr lang="en-US" altLang="zh-CN" sz="2800" b="1" dirty="0">
                 <a:solidFill>
                   <a:schemeClr val="tx1">
                     <a:lumMod val="75000"/>
@@ -23616,8 +22543,10 @@
                 <a:ea typeface="华文楷体" pitchFamily="2" charset="-122"/>
                 <a:cs typeface="Courier New" pitchFamily="49" charset="0"/>
               </a:rPr>
-              <a:t>num</a:t>
-            </a:r>
+              <a:t>;</a:t>
+            </a:r>
+          </a:p>
+          <a:p>
             <a:r>
               <a:rPr lang="en-US" altLang="zh-CN" sz="2800" b="1" dirty="0">
                 <a:solidFill>
@@ -23630,12 +22559,10 @@
                 <a:ea typeface="华文楷体" pitchFamily="2" charset="-122"/>
                 <a:cs typeface="Courier New" pitchFamily="49" charset="0"/>
               </a:rPr>
-              <a:t>;</a:t>
-            </a:r>
-          </a:p>
-          <a:p>
-            <a:r>
-              <a:rPr lang="en-US" altLang="zh-CN" sz="2800" b="1" dirty="0">
+              <a:t>   </a:t>
+            </a:r>
+            <a:r>
+              <a:rPr lang="en-US" altLang="zh-CN" sz="2800" b="1">
                 <a:solidFill>
                   <a:schemeClr val="tx1">
                     <a:lumMod val="75000"/>
@@ -23646,77 +22573,21 @@
                 <a:ea typeface="华文楷体" pitchFamily="2" charset="-122"/>
                 <a:cs typeface="Courier New" pitchFamily="49" charset="0"/>
               </a:rPr>
-              <a:t>   </a:t>
+              <a:t>char * name;  </a:t>
             </a:r>
             <a:r>
               <a:rPr lang="en-US" altLang="zh-CN" sz="2800" b="1">
                 <a:solidFill>
-                  <a:schemeClr val="tx1">
-                    <a:lumMod val="75000"/>
-                    <a:lumOff val="25000"/>
-                  </a:schemeClr>
+                  <a:srgbClr val="00B050"/>
                 </a:solidFill>
                 <a:latin typeface="Consolas" panose="020B0609020204030204" pitchFamily="49" charset="0"/>
                 <a:ea typeface="华文楷体" pitchFamily="2" charset="-122"/>
                 <a:cs typeface="Courier New" pitchFamily="49" charset="0"/>
               </a:rPr>
-              <a:t>char </a:t>
-            </a:r>
-            <a:r>
-              <a:rPr lang="en-US" altLang="zh-CN" sz="2800" b="1" smtClean="0">
-                <a:solidFill>
-                  <a:schemeClr val="tx1">
-                    <a:lumMod val="75000"/>
-                    <a:lumOff val="25000"/>
-                  </a:schemeClr>
-                </a:solidFill>
-                <a:latin typeface="Consolas" panose="020B0609020204030204" pitchFamily="49" charset="0"/>
-                <a:ea typeface="华文楷体" pitchFamily="2" charset="-122"/>
-                <a:cs typeface="Courier New" pitchFamily="49" charset="0"/>
-              </a:rPr>
-              <a:t>* name</a:t>
-            </a:r>
-            <a:r>
-              <a:rPr lang="en-US" altLang="zh-CN" sz="2800" b="1">
-                <a:solidFill>
-                  <a:schemeClr val="tx1">
-                    <a:lumMod val="75000"/>
-                    <a:lumOff val="25000"/>
-                  </a:schemeClr>
-                </a:solidFill>
-                <a:latin typeface="Consolas" panose="020B0609020204030204" pitchFamily="49" charset="0"/>
-                <a:ea typeface="华文楷体" pitchFamily="2" charset="-122"/>
-                <a:cs typeface="Courier New" pitchFamily="49" charset="0"/>
-              </a:rPr>
-              <a:t>; </a:t>
-            </a:r>
-            <a:r>
-              <a:rPr lang="en-US" altLang="zh-CN" sz="2800" b="1" smtClean="0">
-                <a:solidFill>
-                  <a:schemeClr val="tx1">
-                    <a:lumMod val="75000"/>
-                    <a:lumOff val="25000"/>
-                  </a:schemeClr>
-                </a:solidFill>
-                <a:latin typeface="Consolas" panose="020B0609020204030204" pitchFamily="49" charset="0"/>
-                <a:ea typeface="华文楷体" pitchFamily="2" charset="-122"/>
-                <a:cs typeface="Courier New" pitchFamily="49" charset="0"/>
-              </a:rPr>
-              <a:t> </a:t>
-            </a:r>
-            <a:r>
-              <a:rPr lang="en-US" altLang="zh-CN" sz="2800" b="1" smtClean="0">
-                <a:solidFill>
-                  <a:srgbClr val="00B050"/>
-                </a:solidFill>
-                <a:latin typeface="Consolas" panose="020B0609020204030204" pitchFamily="49" charset="0"/>
-                <a:ea typeface="华文楷体" pitchFamily="2" charset="-122"/>
-                <a:cs typeface="Courier New" pitchFamily="49" charset="0"/>
-              </a:rPr>
               <a:t>// </a:t>
             </a:r>
             <a:r>
-              <a:rPr lang="zh-CN" altLang="en-US" sz="2800" b="1" smtClean="0">
+              <a:rPr lang="zh-CN" altLang="en-US" sz="2800" b="1">
                 <a:solidFill>
                   <a:srgbClr val="00B050"/>
                 </a:solidFill>
@@ -23794,7 +22665,7 @@
               <a:t>(); </a:t>
             </a:r>
             <a:r>
-              <a:rPr lang="en-US" altLang="zh-CN" sz="2800" b="1" smtClean="0">
+              <a:rPr lang="en-US" altLang="zh-CN" sz="2800" b="1">
                 <a:solidFill>
                   <a:srgbClr val="00B050"/>
                 </a:solidFill>
@@ -23805,7 +22676,7 @@
               <a:t>// </a:t>
             </a:r>
             <a:r>
-              <a:rPr lang="zh-CN" altLang="en-US" sz="2800" b="1" smtClean="0">
+              <a:rPr lang="zh-CN" altLang="en-US" sz="2800" b="1">
                 <a:solidFill>
                   <a:srgbClr val="00B050"/>
                 </a:solidFill>
@@ -23874,13 +22745,6 @@
   <p:clrMapOvr>
     <a:masterClrMapping/>
   </p:clrMapOvr>
-  <p:timing>
-    <p:tnLst>
-      <p:par>
-        <p:cTn id="1" dur="indefinite" restart="never" nodeType="tmRoot"/>
-      </p:par>
-    </p:tnLst>
-  </p:timing>
 </p:sld>
 </file>
 
@@ -23919,10 +22783,9 @@
           <a:lstStyle/>
           <a:p>
             <a:r>
-              <a:rPr lang="zh-CN" altLang="en-US" smtClean="0"/>
+              <a:rPr lang="zh-CN" altLang="en-US"/>
               <a:t>面向对象程序设计：类与对象</a:t>
             </a:r>
-            <a:endParaRPr lang="zh-CN" altLang="en-US"/>
           </a:p>
         </p:txBody>
       </p:sp>
@@ -23954,20 +22817,12 @@
               </a:lnSpc>
             </a:pPr>
             <a:r>
-              <a:rPr lang="zh-CN" altLang="en-US" sz="3200" b="1" smtClean="0">
+              <a:rPr lang="zh-CN" altLang="en-US" sz="3200" b="1">
                 <a:solidFill>
                   <a:srgbClr val="C00000"/>
                 </a:solidFill>
               </a:rPr>
-              <a:t>对象是</a:t>
-            </a:r>
-            <a:r>
-              <a:rPr lang="zh-CN" altLang="en-US" sz="3200" b="1">
-                <a:solidFill>
-                  <a:srgbClr val="C00000"/>
-                </a:solidFill>
-              </a:rPr>
-              <a:t>类的实例</a:t>
+              <a:t>对象是类的实例</a:t>
             </a:r>
           </a:p>
         </p:txBody>
@@ -24061,7 +22916,7 @@
           </a:p>
           <a:p>
             <a:r>
-              <a:rPr lang="zh-CN" altLang="en-US" sz="2800" b="1" smtClean="0">
+              <a:rPr lang="zh-CN" altLang="en-US" sz="2800" b="1">
                 <a:solidFill>
                   <a:schemeClr val="tx1">
                     <a:lumMod val="75000"/>
@@ -24071,20 +22926,7 @@
                 <a:latin typeface="微软雅黑" panose="020B0503020204020204" pitchFamily="34" charset="-122"/>
                 <a:ea typeface="微软雅黑" panose="020B0503020204020204" pitchFamily="34" charset="-122"/>
               </a:rPr>
-              <a:t>属性</a:t>
-            </a:r>
-            <a:r>
-              <a:rPr lang="zh-CN" altLang="en-US" sz="2800" b="1">
-                <a:solidFill>
-                  <a:schemeClr val="tx1">
-                    <a:lumMod val="75000"/>
-                    <a:lumOff val="25000"/>
-                  </a:schemeClr>
-                </a:solidFill>
-                <a:latin typeface="微软雅黑" panose="020B0503020204020204" pitchFamily="34" charset="-122"/>
-                <a:ea typeface="微软雅黑" panose="020B0503020204020204" pitchFamily="34" charset="-122"/>
-              </a:rPr>
-              <a:t>：</a:t>
+              <a:t>属性：</a:t>
             </a:r>
             <a:endParaRPr lang="en-US" altLang="zh-CN" sz="2800" b="1">
               <a:solidFill>
@@ -24132,7 +22974,7 @@
               <a:t>姓名</a:t>
             </a:r>
             <a:r>
-              <a:rPr lang="en-US" altLang="zh-CN" sz="2800" smtClean="0">
+              <a:rPr lang="en-US" altLang="zh-CN" sz="2800">
                 <a:solidFill>
                   <a:schemeClr val="tx1">
                     <a:lumMod val="75000"/>
@@ -24145,7 +22987,7 @@
               <a:t>: </a:t>
             </a:r>
             <a:r>
-              <a:rPr lang="zh-CN" altLang="en-US" sz="2800" smtClean="0">
+              <a:rPr lang="zh-CN" altLang="en-US" sz="2800">
                 <a:solidFill>
                   <a:schemeClr val="tx1">
                     <a:lumMod val="75000"/>
@@ -24203,7 +23045,7 @@
               <a:t>年龄</a:t>
             </a:r>
             <a:r>
-              <a:rPr lang="en-US" altLang="zh-CN" sz="2800" smtClean="0">
+              <a:rPr lang="en-US" altLang="zh-CN" sz="2800">
                 <a:solidFill>
                   <a:schemeClr val="tx1">
                     <a:lumMod val="75000"/>
@@ -24274,7 +23116,7 @@
               <a:t>性别</a:t>
             </a:r>
             <a:r>
-              <a:rPr lang="en-US" altLang="zh-CN" sz="2800" smtClean="0">
+              <a:rPr lang="en-US" altLang="zh-CN" sz="2800">
                 <a:solidFill>
                   <a:schemeClr val="tx1">
                     <a:lumMod val="75000"/>
@@ -24287,7 +23129,7 @@
               <a:t>: </a:t>
             </a:r>
             <a:r>
-              <a:rPr lang="zh-CN" altLang="en-US" sz="2800" smtClean="0">
+              <a:rPr lang="zh-CN" altLang="en-US" sz="2800">
                 <a:solidFill>
                   <a:schemeClr val="tx1">
                     <a:lumMod val="75000"/>
@@ -24345,7 +23187,7 @@
               <a:t>年级</a:t>
             </a:r>
             <a:r>
-              <a:rPr lang="en-US" altLang="zh-CN" sz="2800" smtClean="0">
+              <a:rPr lang="en-US" altLang="zh-CN" sz="2800">
                 <a:solidFill>
                   <a:schemeClr val="tx1">
                     <a:lumMod val="75000"/>
@@ -24358,7 +23200,7 @@
               <a:t>: </a:t>
             </a:r>
             <a:r>
-              <a:rPr lang="zh-CN" altLang="en-US" sz="2800" smtClean="0">
+              <a:rPr lang="zh-CN" altLang="en-US" sz="2800">
                 <a:solidFill>
                   <a:schemeClr val="tx1">
                     <a:lumMod val="75000"/>
@@ -24370,7 +23212,7 @@
               </a:rPr>
               <a:t>学前班</a:t>
             </a:r>
-            <a:endParaRPr lang="en-US" altLang="zh-CN" sz="2800" smtClean="0">
+            <a:endParaRPr lang="en-US" altLang="zh-CN" sz="2800">
               <a:solidFill>
                 <a:schemeClr val="tx1">
                   <a:lumMod val="75000"/>
@@ -24389,7 +23231,7 @@
           </a:p>
           <a:p>
             <a:r>
-              <a:rPr lang="zh-CN" altLang="en-US" sz="2800" b="1" smtClean="0">
+              <a:rPr lang="zh-CN" altLang="en-US" sz="2800" b="1">
                 <a:solidFill>
                   <a:schemeClr val="tx1">
                     <a:lumMod val="75000"/>
@@ -24399,20 +23241,7 @@
                 <a:latin typeface="微软雅黑" panose="020B0503020204020204" pitchFamily="34" charset="-122"/>
                 <a:ea typeface="微软雅黑" panose="020B0503020204020204" pitchFamily="34" charset="-122"/>
               </a:rPr>
-              <a:t>行为</a:t>
-            </a:r>
-            <a:r>
-              <a:rPr lang="zh-CN" altLang="en-US" sz="2800" b="1">
-                <a:solidFill>
-                  <a:schemeClr val="tx1">
-                    <a:lumMod val="75000"/>
-                    <a:lumOff val="25000"/>
-                  </a:schemeClr>
-                </a:solidFill>
-                <a:latin typeface="微软雅黑" panose="020B0503020204020204" pitchFamily="34" charset="-122"/>
-                <a:ea typeface="微软雅黑" panose="020B0503020204020204" pitchFamily="34" charset="-122"/>
-              </a:rPr>
-              <a:t>：</a:t>
+              <a:t>行为：</a:t>
             </a:r>
             <a:endParaRPr lang="en-US" altLang="zh-CN" sz="2800" b="1">
               <a:solidFill>
@@ -24561,7 +23390,7 @@
           </a:p>
           <a:p>
             <a:r>
-              <a:rPr lang="zh-CN" altLang="en-US" sz="2800" b="1" smtClean="0">
+              <a:rPr lang="zh-CN" altLang="en-US" sz="2800" b="1">
                 <a:solidFill>
                   <a:schemeClr val="tx1">
                     <a:lumMod val="75000"/>
@@ -24571,20 +23400,7 @@
                 <a:latin typeface="微软雅黑" panose="020B0503020204020204" pitchFamily="34" charset="-122"/>
                 <a:ea typeface="微软雅黑" panose="020B0503020204020204" pitchFamily="34" charset="-122"/>
               </a:rPr>
-              <a:t>属性</a:t>
-            </a:r>
-            <a:r>
-              <a:rPr lang="zh-CN" altLang="en-US" sz="2800" b="1">
-                <a:solidFill>
-                  <a:schemeClr val="tx1">
-                    <a:lumMod val="75000"/>
-                    <a:lumOff val="25000"/>
-                  </a:schemeClr>
-                </a:solidFill>
-                <a:latin typeface="微软雅黑" panose="020B0503020204020204" pitchFamily="34" charset="-122"/>
-                <a:ea typeface="微软雅黑" panose="020B0503020204020204" pitchFamily="34" charset="-122"/>
-              </a:rPr>
-              <a:t>：</a:t>
+              <a:t>属性：</a:t>
             </a:r>
             <a:endParaRPr lang="en-US" altLang="zh-CN" sz="2800" b="1">
               <a:solidFill>
@@ -24622,7 +23438,7 @@
               <a:t>名字</a:t>
             </a:r>
             <a:r>
-              <a:rPr lang="en-US" altLang="zh-CN" sz="2800" smtClean="0">
+              <a:rPr lang="en-US" altLang="zh-CN" sz="2800">
                 <a:solidFill>
                   <a:schemeClr val="tx1">
                     <a:lumMod val="75000"/>
@@ -24633,6 +23449,57 @@
                 <a:ea typeface="微软雅黑" panose="020B0503020204020204" pitchFamily="34" charset="-122"/>
               </a:rPr>
               <a:t>: Tom</a:t>
+            </a:r>
+          </a:p>
+          <a:p>
+            <a:r>
+              <a:rPr lang="en-US" altLang="zh-CN" sz="2800">
+                <a:solidFill>
+                  <a:srgbClr val="0000CC"/>
+                </a:solidFill>
+                <a:latin typeface="微软雅黑" panose="020B0503020204020204" pitchFamily="34" charset="-122"/>
+                <a:ea typeface="微软雅黑" panose="020B0503020204020204" pitchFamily="34" charset="-122"/>
+              </a:rPr>
+              <a:t>Tom.</a:t>
+            </a:r>
+            <a:r>
+              <a:rPr lang="zh-CN" altLang="en-US" sz="2800">
+                <a:solidFill>
+                  <a:schemeClr val="tx1">
+                    <a:lumMod val="75000"/>
+                    <a:lumOff val="25000"/>
+                  </a:schemeClr>
+                </a:solidFill>
+                <a:latin typeface="微软雅黑" panose="020B0503020204020204" pitchFamily="34" charset="-122"/>
+                <a:ea typeface="微软雅黑" panose="020B0503020204020204" pitchFamily="34" charset="-122"/>
+              </a:rPr>
+              <a:t>颜色</a:t>
+            </a:r>
+            <a:r>
+              <a:rPr lang="en-US" altLang="zh-CN" sz="2800">
+                <a:solidFill>
+                  <a:schemeClr val="tx1">
+                    <a:lumMod val="75000"/>
+                    <a:lumOff val="25000"/>
+                  </a:schemeClr>
+                </a:solidFill>
+                <a:latin typeface="微软雅黑" panose="020B0503020204020204" pitchFamily="34" charset="-122"/>
+                <a:ea typeface="微软雅黑" panose="020B0503020204020204" pitchFamily="34" charset="-122"/>
+              </a:rPr>
+              <a:t>: </a:t>
+            </a:r>
+            <a:r>
+              <a:rPr lang="zh-CN" altLang="en-US" sz="2800">
+                <a:solidFill>
+                  <a:schemeClr val="tx1">
+                    <a:lumMod val="75000"/>
+                    <a:lumOff val="25000"/>
+                  </a:schemeClr>
+                </a:solidFill>
+                <a:latin typeface="微软雅黑" panose="020B0503020204020204" pitchFamily="34" charset="-122"/>
+                <a:ea typeface="微软雅黑" panose="020B0503020204020204" pitchFamily="34" charset="-122"/>
+              </a:rPr>
+              <a:t>黑色</a:t>
             </a:r>
             <a:endParaRPr lang="en-US" altLang="zh-CN" sz="2800">
               <a:solidFill>
@@ -24667,10 +23534,10 @@
                 <a:latin typeface="微软雅黑" panose="020B0503020204020204" pitchFamily="34" charset="-122"/>
                 <a:ea typeface="微软雅黑" panose="020B0503020204020204" pitchFamily="34" charset="-122"/>
               </a:rPr>
-              <a:t>颜色</a:t>
-            </a:r>
-            <a:r>
-              <a:rPr lang="en-US" altLang="zh-CN" sz="2800" smtClean="0">
+              <a:t>品种</a:t>
+            </a:r>
+            <a:r>
+              <a:rPr lang="en-US" altLang="zh-CN" sz="2800">
                 <a:solidFill>
                   <a:schemeClr val="tx1">
                     <a:lumMod val="75000"/>
@@ -24683,7 +23550,7 @@
               <a:t>: </a:t>
             </a:r>
             <a:r>
-              <a:rPr lang="zh-CN" altLang="en-US" sz="2800" smtClean="0">
+              <a:rPr lang="zh-CN" altLang="en-US" sz="2800">
                 <a:solidFill>
                   <a:schemeClr val="tx1">
                     <a:lumMod val="75000"/>
@@ -24693,70 +23560,9 @@
                 <a:latin typeface="微软雅黑" panose="020B0503020204020204" pitchFamily="34" charset="-122"/>
                 <a:ea typeface="微软雅黑" panose="020B0503020204020204" pitchFamily="34" charset="-122"/>
               </a:rPr>
-              <a:t>黑色</a:t>
+              <a:t>波斯猫</a:t>
             </a:r>
             <a:endParaRPr lang="en-US" altLang="zh-CN" sz="2800">
-              <a:solidFill>
-                <a:schemeClr val="tx1">
-                  <a:lumMod val="75000"/>
-                  <a:lumOff val="25000"/>
-                </a:schemeClr>
-              </a:solidFill>
-              <a:latin typeface="微软雅黑" panose="020B0503020204020204" pitchFamily="34" charset="-122"/>
-              <a:ea typeface="微软雅黑" panose="020B0503020204020204" pitchFamily="34" charset="-122"/>
-            </a:endParaRPr>
-          </a:p>
-          <a:p>
-            <a:r>
-              <a:rPr lang="en-US" altLang="zh-CN" sz="2800">
-                <a:solidFill>
-                  <a:srgbClr val="0000CC"/>
-                </a:solidFill>
-                <a:latin typeface="微软雅黑" panose="020B0503020204020204" pitchFamily="34" charset="-122"/>
-                <a:ea typeface="微软雅黑" panose="020B0503020204020204" pitchFamily="34" charset="-122"/>
-              </a:rPr>
-              <a:t>Tom.</a:t>
-            </a:r>
-            <a:r>
-              <a:rPr lang="zh-CN" altLang="en-US" sz="2800">
-                <a:solidFill>
-                  <a:schemeClr val="tx1">
-                    <a:lumMod val="75000"/>
-                    <a:lumOff val="25000"/>
-                  </a:schemeClr>
-                </a:solidFill>
-                <a:latin typeface="微软雅黑" panose="020B0503020204020204" pitchFamily="34" charset="-122"/>
-                <a:ea typeface="微软雅黑" panose="020B0503020204020204" pitchFamily="34" charset="-122"/>
-              </a:rPr>
-              <a:t>品种</a:t>
-            </a:r>
-            <a:r>
-              <a:rPr lang="en-US" altLang="zh-CN" sz="2800" smtClean="0">
-                <a:solidFill>
-                  <a:schemeClr val="tx1">
-                    <a:lumMod val="75000"/>
-                    <a:lumOff val="25000"/>
-                  </a:schemeClr>
-                </a:solidFill>
-                <a:latin typeface="微软雅黑" panose="020B0503020204020204" pitchFamily="34" charset="-122"/>
-                <a:ea typeface="微软雅黑" panose="020B0503020204020204" pitchFamily="34" charset="-122"/>
-              </a:rPr>
-              <a:t>: </a:t>
-            </a:r>
-            <a:r>
-              <a:rPr lang="zh-CN" altLang="en-US" sz="2800" smtClean="0">
-                <a:solidFill>
-                  <a:schemeClr val="tx1">
-                    <a:lumMod val="75000"/>
-                    <a:lumOff val="25000"/>
-                  </a:schemeClr>
-                </a:solidFill>
-                <a:latin typeface="微软雅黑" panose="020B0503020204020204" pitchFamily="34" charset="-122"/>
-                <a:ea typeface="微软雅黑" panose="020B0503020204020204" pitchFamily="34" charset="-122"/>
-              </a:rPr>
-              <a:t>波斯猫</a:t>
-            </a:r>
-            <a:endParaRPr lang="en-US" altLang="zh-CN" sz="2800" smtClean="0">
               <a:solidFill>
                 <a:schemeClr val="tx1">
                   <a:lumMod val="75000"/>
@@ -24775,7 +23581,7 @@
           </a:p>
           <a:p>
             <a:r>
-              <a:rPr lang="zh-CN" altLang="en-US" sz="2800" b="1" smtClean="0">
+              <a:rPr lang="zh-CN" altLang="en-US" sz="2800" b="1">
                 <a:solidFill>
                   <a:schemeClr val="tx1">
                     <a:lumMod val="75000"/>
@@ -24785,20 +23591,7 @@
                 <a:latin typeface="微软雅黑" panose="020B0503020204020204" pitchFamily="34" charset="-122"/>
                 <a:ea typeface="微软雅黑" panose="020B0503020204020204" pitchFamily="34" charset="-122"/>
               </a:rPr>
-              <a:t>行为</a:t>
-            </a:r>
-            <a:r>
-              <a:rPr lang="zh-CN" altLang="en-US" sz="2800" b="1">
-                <a:solidFill>
-                  <a:schemeClr val="tx1">
-                    <a:lumMod val="75000"/>
-                    <a:lumOff val="25000"/>
-                  </a:schemeClr>
-                </a:solidFill>
-                <a:latin typeface="微软雅黑" panose="020B0503020204020204" pitchFamily="34" charset="-122"/>
-                <a:ea typeface="微软雅黑" panose="020B0503020204020204" pitchFamily="34" charset="-122"/>
-              </a:rPr>
-              <a:t>：</a:t>
+              <a:t>行为：</a:t>
             </a:r>
             <a:endParaRPr lang="en-US" altLang="zh-CN" sz="2800" b="1">
               <a:solidFill>
@@ -24813,7 +23606,7 @@
           </a:p>
           <a:p>
             <a:r>
-              <a:rPr lang="en-US" altLang="zh-CN" sz="2800" smtClean="0">
+              <a:rPr lang="en-US" altLang="zh-CN" sz="2800">
                 <a:solidFill>
                   <a:srgbClr val="0000CC"/>
                 </a:solidFill>
@@ -24823,7 +23616,7 @@
               <a:t>Tom.</a:t>
             </a:r>
             <a:r>
-              <a:rPr lang="zh-CN" altLang="en-US" sz="2800" smtClean="0">
+              <a:rPr lang="zh-CN" altLang="en-US" sz="2800">
                 <a:solidFill>
                   <a:schemeClr val="tx1">
                     <a:lumMod val="75000"/>
@@ -24893,13 +23686,6 @@
   <p:clrMapOvr>
     <a:masterClrMapping/>
   </p:clrMapOvr>
-  <p:timing>
-    <p:tnLst>
-      <p:par>
-        <p:cTn id="1" dur="indefinite" restart="never" nodeType="tmRoot"/>
-      </p:par>
-    </p:tnLst>
-  </p:timing>
 </p:sld>
 </file>
 
@@ -24938,10 +23724,9 @@
           <a:lstStyle/>
           <a:p>
             <a:r>
-              <a:rPr lang="zh-CN" altLang="en-US" smtClean="0"/>
+              <a:rPr lang="zh-CN" altLang="en-US"/>
               <a:t>面向对象程序设计：类与对象</a:t>
             </a:r>
-            <a:endParaRPr lang="zh-CN" altLang="en-US"/>
           </a:p>
         </p:txBody>
       </p:sp>
@@ -25062,10 +23847,12 @@
                 <a:ea typeface="华文楷体" pitchFamily="2" charset="-122"/>
                 <a:cs typeface="Courier New" pitchFamily="49" charset="0"/>
               </a:rPr>
-              <a:t> </a:t>
-            </a:r>
-            <a:r>
-              <a:rPr lang="en-US" altLang="zh-CN" sz="2800" b="1" dirty="0" smtClean="0">
+              <a:t> Student</a:t>
+            </a:r>
+          </a:p>
+          <a:p>
+            <a:r>
+              <a:rPr lang="en-US" altLang="zh-CN" sz="2800" b="1" dirty="0">
                 <a:solidFill>
                   <a:schemeClr val="tx1">
                     <a:lumMod val="75000"/>
@@ -25076,19 +23863,8 @@
                 <a:ea typeface="华文楷体" pitchFamily="2" charset="-122"/>
                 <a:cs typeface="Courier New" pitchFamily="49" charset="0"/>
               </a:rPr>
-              <a:t>Student</a:t>
-            </a:r>
-            <a:endParaRPr lang="en-US" altLang="zh-CN" sz="2800" b="1" dirty="0">
-              <a:solidFill>
-                <a:schemeClr val="tx1">
-                  <a:lumMod val="75000"/>
-                  <a:lumOff val="25000"/>
-                </a:schemeClr>
-              </a:solidFill>
-              <a:latin typeface="Consolas" panose="020B0609020204030204" pitchFamily="49" charset="0"/>
-              <a:ea typeface="华文楷体" pitchFamily="2" charset="-122"/>
-              <a:cs typeface="Courier New" pitchFamily="49" charset="0"/>
-            </a:endParaRPr>
+              <a:t>{</a:t>
+            </a:r>
           </a:p>
           <a:p>
             <a:r>
@@ -25103,12 +23879,10 @@
                 <a:ea typeface="华文楷体" pitchFamily="2" charset="-122"/>
                 <a:cs typeface="Courier New" pitchFamily="49" charset="0"/>
               </a:rPr>
-              <a:t>{</a:t>
-            </a:r>
-          </a:p>
-          <a:p>
-            <a:r>
-              <a:rPr lang="en-US" altLang="zh-CN" sz="2800" b="1" dirty="0">
+              <a:t>   </a:t>
+            </a:r>
+            <a:r>
+              <a:rPr lang="en-US" altLang="zh-CN" sz="2800" b="1" dirty="0" err="1">
                 <a:solidFill>
                   <a:schemeClr val="tx1">
                     <a:lumMod val="75000"/>
@@ -25119,10 +23893,10 @@
                 <a:ea typeface="华文楷体" pitchFamily="2" charset="-122"/>
                 <a:cs typeface="Courier New" pitchFamily="49" charset="0"/>
               </a:rPr>
-              <a:t>   </a:t>
-            </a:r>
-            <a:r>
-              <a:rPr lang="en-US" altLang="zh-CN" sz="2800" b="1" dirty="0" err="1">
+              <a:t>int</a:t>
+            </a:r>
+            <a:r>
+              <a:rPr lang="en-US" altLang="zh-CN" sz="2800" b="1" dirty="0">
                 <a:solidFill>
                   <a:schemeClr val="tx1">
                     <a:lumMod val="75000"/>
@@ -25133,10 +23907,10 @@
                 <a:ea typeface="华文楷体" pitchFamily="2" charset="-122"/>
                 <a:cs typeface="Courier New" pitchFamily="49" charset="0"/>
               </a:rPr>
-              <a:t>int</a:t>
-            </a:r>
-            <a:r>
-              <a:rPr lang="en-US" altLang="zh-CN" sz="2800" b="1" dirty="0">
+              <a:t> </a:t>
+            </a:r>
+            <a:r>
+              <a:rPr lang="en-US" altLang="zh-CN" sz="2800" b="1" dirty="0" err="1">
                 <a:solidFill>
                   <a:schemeClr val="tx1">
                     <a:lumMod val="75000"/>
@@ -25147,10 +23921,10 @@
                 <a:ea typeface="华文楷体" pitchFamily="2" charset="-122"/>
                 <a:cs typeface="Courier New" pitchFamily="49" charset="0"/>
               </a:rPr>
-              <a:t> </a:t>
-            </a:r>
-            <a:r>
-              <a:rPr lang="en-US" altLang="zh-CN" sz="2800" b="1" dirty="0" err="1">
+              <a:t>num</a:t>
+            </a:r>
+            <a:r>
+              <a:rPr lang="en-US" altLang="zh-CN" sz="2800" b="1" dirty="0">
                 <a:solidFill>
                   <a:schemeClr val="tx1">
                     <a:lumMod val="75000"/>
@@ -25161,8 +23935,10 @@
                 <a:ea typeface="华文楷体" pitchFamily="2" charset="-122"/>
                 <a:cs typeface="Courier New" pitchFamily="49" charset="0"/>
               </a:rPr>
-              <a:t>num</a:t>
-            </a:r>
+              <a:t>;</a:t>
+            </a:r>
+          </a:p>
+          <a:p>
             <a:r>
               <a:rPr lang="en-US" altLang="zh-CN" sz="2800" b="1" dirty="0">
                 <a:solidFill>
@@ -25175,12 +23951,10 @@
                 <a:ea typeface="华文楷体" pitchFamily="2" charset="-122"/>
                 <a:cs typeface="Courier New" pitchFamily="49" charset="0"/>
               </a:rPr>
-              <a:t>;</a:t>
-            </a:r>
-          </a:p>
-          <a:p>
-            <a:r>
-              <a:rPr lang="en-US" altLang="zh-CN" sz="2800" b="1" dirty="0">
+              <a:t>   </a:t>
+            </a:r>
+            <a:r>
+              <a:rPr lang="en-US" altLang="zh-CN" sz="2800" b="1">
                 <a:solidFill>
                   <a:schemeClr val="tx1">
                     <a:lumMod val="75000"/>
@@ -25191,77 +23965,21 @@
                 <a:ea typeface="华文楷体" pitchFamily="2" charset="-122"/>
                 <a:cs typeface="Courier New" pitchFamily="49" charset="0"/>
               </a:rPr>
-              <a:t>   </a:t>
+              <a:t>char * name;  </a:t>
             </a:r>
             <a:r>
               <a:rPr lang="en-US" altLang="zh-CN" sz="2800" b="1">
                 <a:solidFill>
-                  <a:schemeClr val="tx1">
-                    <a:lumMod val="75000"/>
-                    <a:lumOff val="25000"/>
-                  </a:schemeClr>
+                  <a:srgbClr val="00B050"/>
                 </a:solidFill>
                 <a:latin typeface="Consolas" panose="020B0609020204030204" pitchFamily="49" charset="0"/>
                 <a:ea typeface="华文楷体" pitchFamily="2" charset="-122"/>
                 <a:cs typeface="Courier New" pitchFamily="49" charset="0"/>
               </a:rPr>
-              <a:t>char </a:t>
-            </a:r>
-            <a:r>
-              <a:rPr lang="en-US" altLang="zh-CN" sz="2800" b="1" smtClean="0">
-                <a:solidFill>
-                  <a:schemeClr val="tx1">
-                    <a:lumMod val="75000"/>
-                    <a:lumOff val="25000"/>
-                  </a:schemeClr>
-                </a:solidFill>
-                <a:latin typeface="Consolas" panose="020B0609020204030204" pitchFamily="49" charset="0"/>
-                <a:ea typeface="华文楷体" pitchFamily="2" charset="-122"/>
-                <a:cs typeface="Courier New" pitchFamily="49" charset="0"/>
-              </a:rPr>
-              <a:t>* name</a:t>
-            </a:r>
-            <a:r>
-              <a:rPr lang="en-US" altLang="zh-CN" sz="2800" b="1">
-                <a:solidFill>
-                  <a:schemeClr val="tx1">
-                    <a:lumMod val="75000"/>
-                    <a:lumOff val="25000"/>
-                  </a:schemeClr>
-                </a:solidFill>
-                <a:latin typeface="Consolas" panose="020B0609020204030204" pitchFamily="49" charset="0"/>
-                <a:ea typeface="华文楷体" pitchFamily="2" charset="-122"/>
-                <a:cs typeface="Courier New" pitchFamily="49" charset="0"/>
-              </a:rPr>
-              <a:t>; </a:t>
-            </a:r>
-            <a:r>
-              <a:rPr lang="en-US" altLang="zh-CN" sz="2800" b="1" smtClean="0">
-                <a:solidFill>
-                  <a:schemeClr val="tx1">
-                    <a:lumMod val="75000"/>
-                    <a:lumOff val="25000"/>
-                  </a:schemeClr>
-                </a:solidFill>
-                <a:latin typeface="Consolas" panose="020B0609020204030204" pitchFamily="49" charset="0"/>
-                <a:ea typeface="华文楷体" pitchFamily="2" charset="-122"/>
-                <a:cs typeface="Courier New" pitchFamily="49" charset="0"/>
-              </a:rPr>
-              <a:t> </a:t>
-            </a:r>
-            <a:r>
-              <a:rPr lang="en-US" altLang="zh-CN" sz="2800" b="1" smtClean="0">
-                <a:solidFill>
-                  <a:srgbClr val="00B050"/>
-                </a:solidFill>
-                <a:latin typeface="Consolas" panose="020B0609020204030204" pitchFamily="49" charset="0"/>
-                <a:ea typeface="华文楷体" pitchFamily="2" charset="-122"/>
-                <a:cs typeface="Courier New" pitchFamily="49" charset="0"/>
-              </a:rPr>
               <a:t>// </a:t>
             </a:r>
             <a:r>
-              <a:rPr lang="zh-CN" altLang="en-US" sz="2800" b="1" smtClean="0">
+              <a:rPr lang="zh-CN" altLang="en-US" sz="2800" b="1">
                 <a:solidFill>
                   <a:srgbClr val="00B050"/>
                 </a:solidFill>
@@ -25339,7 +24057,7 @@
               <a:t>(); </a:t>
             </a:r>
             <a:r>
-              <a:rPr lang="en-US" altLang="zh-CN" sz="2800" b="1" smtClean="0">
+              <a:rPr lang="en-US" altLang="zh-CN" sz="2800" b="1">
                 <a:solidFill>
                   <a:srgbClr val="00B050"/>
                 </a:solidFill>
@@ -25350,7 +24068,7 @@
               <a:t>// </a:t>
             </a:r>
             <a:r>
-              <a:rPr lang="zh-CN" altLang="en-US" sz="2800" b="1" smtClean="0">
+              <a:rPr lang="zh-CN" altLang="en-US" sz="2800" b="1">
                 <a:solidFill>
                   <a:srgbClr val="00B050"/>
                 </a:solidFill>
@@ -25382,7 +24100,7 @@
           </a:p>
           <a:p>
             <a:r>
-              <a:rPr lang="en-US" altLang="zh-CN" sz="2800" b="1" smtClean="0">
+              <a:rPr lang="en-US" altLang="zh-CN" sz="2800" b="1">
                 <a:solidFill>
                   <a:schemeClr val="tx1">
                     <a:lumMod val="75000"/>
@@ -25409,10 +24127,34 @@
                 <a:ea typeface="华文楷体" pitchFamily="2" charset="-122"/>
                 <a:cs typeface="Courier New" pitchFamily="49" charset="0"/>
               </a:rPr>
-              <a:t>struct Student test</a:t>
-            </a:r>
-            <a:r>
-              <a:rPr lang="en-US" altLang="zh-CN" sz="2800" b="1" smtClean="0">
+              <a:t>struct Student test; </a:t>
+            </a:r>
+            <a:r>
+              <a:rPr lang="en-US" altLang="zh-CN" sz="2800" b="1">
+                <a:solidFill>
+                  <a:srgbClr val="00B050"/>
+                </a:solidFill>
+                <a:latin typeface="Consolas" panose="020B0609020204030204" pitchFamily="49" charset="0"/>
+                <a:ea typeface="华文楷体" pitchFamily="2" charset="-122"/>
+                <a:cs typeface="Courier New" pitchFamily="49" charset="0"/>
+              </a:rPr>
+              <a:t>// </a:t>
+            </a:r>
+            <a:r>
+              <a:rPr lang="zh-CN" altLang="en-US" sz="2800" b="1">
+                <a:solidFill>
+                  <a:srgbClr val="00B050"/>
+                </a:solidFill>
+                <a:latin typeface="Consolas" panose="020B0609020204030204" pitchFamily="49" charset="0"/>
+                <a:ea typeface="华文楷体" pitchFamily="2" charset="-122"/>
+                <a:cs typeface="Courier New" pitchFamily="49" charset="0"/>
+              </a:rPr>
+              <a:t>对象</a:t>
+            </a:r>
+          </a:p>
+          <a:p>
+            <a:r>
+              <a:rPr lang="en-US" altLang="zh-CN" sz="2800" b="1">
                 <a:solidFill>
                   <a:schemeClr val="tx1">
                     <a:lumMod val="75000"/>
@@ -25423,65 +24165,8 @@
                 <a:ea typeface="华文楷体" pitchFamily="2" charset="-122"/>
                 <a:cs typeface="Courier New" pitchFamily="49" charset="0"/>
               </a:rPr>
-              <a:t>; </a:t>
-            </a:r>
-            <a:r>
-              <a:rPr lang="en-US" altLang="zh-CN" sz="2800" b="1" smtClean="0">
-                <a:solidFill>
-                  <a:srgbClr val="00B050"/>
-                </a:solidFill>
-                <a:latin typeface="Consolas" panose="020B0609020204030204" pitchFamily="49" charset="0"/>
-                <a:ea typeface="华文楷体" pitchFamily="2" charset="-122"/>
-                <a:cs typeface="Courier New" pitchFamily="49" charset="0"/>
-              </a:rPr>
-              <a:t>// </a:t>
-            </a:r>
-            <a:r>
-              <a:rPr lang="zh-CN" altLang="en-US" sz="2800" b="1" smtClean="0">
-                <a:solidFill>
-                  <a:srgbClr val="00B050"/>
-                </a:solidFill>
-                <a:latin typeface="Consolas" panose="020B0609020204030204" pitchFamily="49" charset="0"/>
-                <a:ea typeface="华文楷体" pitchFamily="2" charset="-122"/>
-                <a:cs typeface="Courier New" pitchFamily="49" charset="0"/>
-              </a:rPr>
-              <a:t>对象</a:t>
-            </a:r>
-            <a:endParaRPr lang="zh-CN" altLang="en-US" sz="2800" b="1">
-              <a:solidFill>
-                <a:srgbClr val="00B050"/>
-              </a:solidFill>
-              <a:latin typeface="Consolas" panose="020B0609020204030204" pitchFamily="49" charset="0"/>
-              <a:ea typeface="华文楷体" pitchFamily="2" charset="-122"/>
-              <a:cs typeface="Courier New" pitchFamily="49" charset="0"/>
-            </a:endParaRPr>
-          </a:p>
-          <a:p>
-            <a:r>
-              <a:rPr lang="en-US" altLang="zh-CN" sz="2800" b="1" smtClean="0">
-                <a:solidFill>
-                  <a:schemeClr val="tx1">
-                    <a:lumMod val="75000"/>
-                    <a:lumOff val="25000"/>
-                  </a:schemeClr>
-                </a:solidFill>
-                <a:latin typeface="Consolas" panose="020B0609020204030204" pitchFamily="49" charset="0"/>
-                <a:ea typeface="华文楷体" pitchFamily="2" charset="-122"/>
-                <a:cs typeface="Courier New" pitchFamily="49" charset="0"/>
-              </a:rPr>
               <a:t>.....</a:t>
             </a:r>
-            <a:endParaRPr lang="en-US" altLang="zh-CN" sz="2800" b="1">
-              <a:solidFill>
-                <a:schemeClr val="tx1">
-                  <a:lumMod val="75000"/>
-                  <a:lumOff val="25000"/>
-                </a:schemeClr>
-              </a:solidFill>
-              <a:latin typeface="Consolas" panose="020B0609020204030204" pitchFamily="49" charset="0"/>
-              <a:ea typeface="华文楷体" pitchFamily="2" charset="-122"/>
-              <a:cs typeface="Courier New" pitchFamily="49" charset="0"/>
-            </a:endParaRPr>
           </a:p>
         </p:txBody>
       </p:sp>
@@ -25495,13 +24180,6 @@
   <p:clrMapOvr>
     <a:masterClrMapping/>
   </p:clrMapOvr>
-  <p:timing>
-    <p:tnLst>
-      <p:par>
-        <p:cTn id="1" dur="indefinite" restart="never" nodeType="tmRoot"/>
-      </p:par>
-    </p:tnLst>
-  </p:timing>
 </p:sld>
 </file>
 
@@ -25540,10 +24218,9 @@
           <a:lstStyle/>
           <a:p>
             <a:r>
-              <a:rPr lang="zh-CN" altLang="en-US" smtClean="0"/>
+              <a:rPr lang="zh-CN" altLang="en-US"/>
               <a:t>面向对象程序设计：类与对象</a:t>
             </a:r>
-            <a:endParaRPr lang="zh-CN" altLang="en-US"/>
           </a:p>
         </p:txBody>
       </p:sp>
@@ -25612,20 +24289,9 @@
                   </a:schemeClr>
                 </a:solidFill>
               </a:rPr>
-              <a:t>在计算机逻辑中的映射和体现</a:t>
-            </a:r>
-            <a:r>
-              <a:rPr lang="zh-CN" altLang="en-US" sz="3200" b="1" smtClean="0">
-                <a:solidFill>
-                  <a:schemeClr val="tx1">
-                    <a:lumMod val="75000"/>
-                    <a:lumOff val="25000"/>
-                  </a:schemeClr>
-                </a:solidFill>
-              </a:rPr>
-              <a:t>。</a:t>
-            </a:r>
-            <a:endParaRPr lang="en-US" altLang="zh-CN" sz="3200" b="1" smtClean="0">
+              <a:t>在计算机逻辑中的映射和体现。</a:t>
+            </a:r>
+            <a:endParaRPr lang="en-US" altLang="zh-CN" sz="3200" b="1">
               <a:solidFill>
                 <a:schemeClr val="tx1">
                   <a:lumMod val="75000"/>
@@ -25659,27 +24325,8 @@
                   </a:schemeClr>
                 </a:solidFill>
               </a:rPr>
-              <a:t>：是一种抽象的数据类型，是同种对象的集合与抽象，是具有共同行为和属性的若干对象的统一描述体</a:t>
-            </a:r>
-            <a:r>
-              <a:rPr lang="zh-CN" altLang="en-US" sz="3200" b="1" smtClean="0">
-                <a:solidFill>
-                  <a:schemeClr val="tx1">
-                    <a:lumMod val="75000"/>
-                    <a:lumOff val="25000"/>
-                  </a:schemeClr>
-                </a:solidFill>
-              </a:rPr>
-              <a:t>。</a:t>
-            </a:r>
-            <a:endParaRPr lang="zh-CN" altLang="en-US" sz="3200" b="1">
-              <a:solidFill>
-                <a:schemeClr val="tx1">
-                  <a:lumMod val="75000"/>
-                  <a:lumOff val="25000"/>
-                </a:schemeClr>
-              </a:solidFill>
-            </a:endParaRPr>
+              <a:t>：是一种抽象的数据类型，是同种对象的集合与抽象，是具有共同行为和属性的若干对象的统一描述体。</a:t>
+            </a:r>
           </a:p>
         </p:txBody>
       </p:sp>
@@ -25693,13 +24340,6 @@
   <p:clrMapOvr>
     <a:masterClrMapping/>
   </p:clrMapOvr>
-  <p:timing>
-    <p:tnLst>
-      <p:par>
-        <p:cTn id="1" dur="indefinite" restart="never" nodeType="tmRoot"/>
-      </p:par>
-    </p:tnLst>
-  </p:timing>
 </p:sld>
 </file>
 
@@ -25738,10 +24378,9 @@
           <a:lstStyle/>
           <a:p>
             <a:r>
-              <a:rPr lang="zh-CN" altLang="en-US" smtClean="0"/>
+              <a:rPr lang="zh-CN" altLang="en-US"/>
               <a:t>面向对象程序设计：类与对象</a:t>
             </a:r>
-            <a:endParaRPr lang="zh-CN" altLang="en-US"/>
           </a:p>
         </p:txBody>
       </p:sp>
@@ -26369,13 +25008,6 @@
   <p:clrMapOvr>
     <a:masterClrMapping/>
   </p:clrMapOvr>
-  <p:timing>
-    <p:tnLst>
-      <p:par>
-        <p:cTn id="1" dur="indefinite" restart="never" nodeType="tmRoot"/>
-      </p:par>
-    </p:tnLst>
-  </p:timing>
 </p:sld>
 </file>
 
@@ -26415,21 +25047,16 @@
           <a:p>
             <a:r>
               <a:rPr lang="zh-CN" altLang="en-US"/>
-              <a:t>面向对象程序设计：三大</a:t>
-            </a:r>
-            <a:r>
-              <a:rPr lang="zh-CN" altLang="en-US" smtClean="0"/>
-              <a:t>特性</a:t>
-            </a:r>
-            <a:r>
-              <a:rPr lang="en-US" altLang="zh-CN" smtClean="0"/>
+              <a:t>面向对象程序设计：三大特性</a:t>
+            </a:r>
+            <a:r>
+              <a:rPr lang="en-US" altLang="zh-CN"/>
               <a:t> </a:t>
             </a:r>
             <a:r>
-              <a:rPr lang="zh-CN" altLang="en-US" smtClean="0"/>
+              <a:rPr lang="zh-CN" altLang="en-US"/>
               <a:t>封装</a:t>
             </a:r>
-            <a:endParaRPr lang="zh-CN" altLang="en-US"/>
           </a:p>
         </p:txBody>
       </p:sp>
@@ -26461,7 +25088,7 @@
               </a:lnSpc>
             </a:pPr>
             <a:r>
-              <a:rPr lang="en-US" altLang="zh-CN" sz="3200" b="1">
+              <a:rPr lang="en-US" altLang="zh-CN" sz="3200" b="1" dirty="0">
                 <a:solidFill>
                   <a:schemeClr val="tx1">
                     <a:lumMod val="75000"/>
@@ -26472,7 +25099,7 @@
               <a:t>C</a:t>
             </a:r>
             <a:r>
-              <a:rPr lang="zh-CN" altLang="en-US" sz="3200" b="1">
+              <a:rPr lang="zh-CN" altLang="en-US" sz="3200" b="1" dirty="0">
                 <a:solidFill>
                   <a:schemeClr val="tx1">
                     <a:lumMod val="75000"/>
@@ -26480,27 +25107,8 @@
                   </a:schemeClr>
                 </a:solidFill>
               </a:rPr>
-              <a:t>中的</a:t>
-            </a:r>
-            <a:r>
-              <a:rPr lang="zh-CN" altLang="en-US" sz="3200" b="1" smtClean="0">
-                <a:solidFill>
-                  <a:schemeClr val="tx1">
-                    <a:lumMod val="75000"/>
-                    <a:lumOff val="25000"/>
-                  </a:schemeClr>
-                </a:solidFill>
-              </a:rPr>
-              <a:t>封装</a:t>
-            </a:r>
-            <a:endParaRPr lang="zh-CN" altLang="en-US" sz="3200" b="1">
-              <a:solidFill>
-                <a:schemeClr val="tx1">
-                  <a:lumMod val="75000"/>
-                  <a:lumOff val="25000"/>
-                </a:schemeClr>
-              </a:solidFill>
-            </a:endParaRPr>
+              <a:t>中的封装</a:t>
+            </a:r>
           </a:p>
           <a:p>
             <a:pPr>
@@ -26509,7 +25117,7 @@
               </a:lnSpc>
             </a:pPr>
             <a:r>
-              <a:rPr lang="zh-CN" altLang="en-US" sz="3200" b="1">
+              <a:rPr lang="zh-CN" altLang="en-US" sz="3200" b="1" dirty="0">
                 <a:solidFill>
                   <a:schemeClr val="tx1">
                     <a:lumMod val="75000"/>
@@ -26517,27 +25125,8 @@
                   </a:schemeClr>
                 </a:solidFill>
               </a:rPr>
-              <a:t>现实生活中的</a:t>
-            </a:r>
-            <a:r>
-              <a:rPr lang="zh-CN" altLang="en-US" sz="3200" b="1" smtClean="0">
-                <a:solidFill>
-                  <a:schemeClr val="tx1">
-                    <a:lumMod val="75000"/>
-                    <a:lumOff val="25000"/>
-                  </a:schemeClr>
-                </a:solidFill>
-              </a:rPr>
-              <a:t>封装</a:t>
-            </a:r>
-            <a:endParaRPr lang="zh-CN" altLang="en-US" sz="3200" b="1">
-              <a:solidFill>
-                <a:schemeClr val="tx1">
-                  <a:lumMod val="75000"/>
-                  <a:lumOff val="25000"/>
-                </a:schemeClr>
-              </a:solidFill>
-            </a:endParaRPr>
+              <a:t>现实生活中的封装</a:t>
+            </a:r>
           </a:p>
           <a:p>
             <a:pPr lvl="1">
@@ -26546,7 +25135,7 @@
               </a:lnSpc>
             </a:pPr>
             <a:r>
-              <a:rPr lang="zh-CN" altLang="en-US" sz="2800" b="1">
+              <a:rPr lang="zh-CN" altLang="en-US" sz="2800" b="1" dirty="0">
                 <a:solidFill>
                   <a:schemeClr val="tx1">
                     <a:lumMod val="75000"/>
@@ -26564,7 +25153,7 @@
               </a:lnSpc>
             </a:pPr>
             <a:r>
-              <a:rPr lang="en-US" altLang="zh-CN" sz="3200" b="1">
+              <a:rPr lang="en-US" altLang="zh-CN" sz="3200" b="1" dirty="0">
                 <a:solidFill>
                   <a:schemeClr val="tx1">
                     <a:lumMod val="75000"/>
@@ -26575,7 +25164,7 @@
               <a:t>C++</a:t>
             </a:r>
             <a:r>
-              <a:rPr lang="zh-CN" altLang="en-US" sz="3200" b="1">
+              <a:rPr lang="zh-CN" altLang="en-US" sz="3200" b="1" dirty="0">
                 <a:solidFill>
                   <a:schemeClr val="tx1">
                     <a:lumMod val="75000"/>
@@ -26583,27 +25172,8 @@
                   </a:schemeClr>
                 </a:solidFill>
               </a:rPr>
-              <a:t>中的</a:t>
-            </a:r>
-            <a:r>
-              <a:rPr lang="zh-CN" altLang="en-US" sz="3200" b="1" smtClean="0">
-                <a:solidFill>
-                  <a:schemeClr val="tx1">
-                    <a:lumMod val="75000"/>
-                    <a:lumOff val="25000"/>
-                  </a:schemeClr>
-                </a:solidFill>
-              </a:rPr>
-              <a:t>封装</a:t>
-            </a:r>
-            <a:endParaRPr lang="zh-CN" altLang="en-US" sz="3200" b="1">
-              <a:solidFill>
-                <a:schemeClr val="tx1">
-                  <a:lumMod val="75000"/>
-                  <a:lumOff val="25000"/>
-                </a:schemeClr>
-              </a:solidFill>
-            </a:endParaRPr>
+              <a:t>中的封装</a:t>
+            </a:r>
           </a:p>
           <a:p>
             <a:pPr lvl="1">
@@ -26612,7 +25182,7 @@
               </a:lnSpc>
             </a:pPr>
             <a:r>
-              <a:rPr lang="en-US" altLang="zh-CN" sz="2800" b="1">
+              <a:rPr lang="en-US" altLang="zh-CN" sz="2800" b="1" dirty="0">
                 <a:solidFill>
                   <a:schemeClr val="tx1">
                     <a:lumMod val="75000"/>
@@ -26620,10 +25190,10 @@
                   </a:schemeClr>
                 </a:solidFill>
               </a:rPr>
-              <a:t>Step1</a:t>
-            </a:r>
-            <a:r>
-              <a:rPr lang="en-US" altLang="zh-CN" sz="2800" b="1" smtClean="0">
+              <a:t>Step1: </a:t>
+            </a:r>
+            <a:r>
+              <a:rPr lang="zh-CN" altLang="en-US" sz="2800" b="1" dirty="0">
                 <a:solidFill>
                   <a:schemeClr val="tx1">
                     <a:lumMod val="75000"/>
@@ -26631,10 +25201,20 @@
                   </a:schemeClr>
                 </a:solidFill>
               </a:rPr>
-              <a:t>: </a:t>
-            </a:r>
-            <a:r>
-              <a:rPr lang="zh-CN" altLang="en-US" sz="2800" b="1" smtClean="0">
+              <a:t>将</a:t>
+            </a:r>
+            <a:r>
+              <a:rPr lang="zh-CN" altLang="en-US" sz="2800" b="1" dirty="0">
+                <a:solidFill>
+                  <a:schemeClr val="accent1">
+                    <a:lumMod val="50000"/>
+                  </a:schemeClr>
+                </a:solidFill>
+              </a:rPr>
+              <a:t>数据</a:t>
+            </a:r>
+            <a:r>
+              <a:rPr lang="zh-CN" altLang="en-US" sz="2800" b="1" dirty="0">
                 <a:solidFill>
                   <a:schemeClr val="tx1">
                     <a:lumMod val="75000"/>
@@ -26642,20 +25222,20 @@
                   </a:schemeClr>
                 </a:solidFill>
               </a:rPr>
-              <a:t>将</a:t>
-            </a:r>
-            <a:r>
-              <a:rPr lang="zh-CN" altLang="en-US" sz="2800" b="1">
+              <a:t>和处理数据的</a:t>
+            </a:r>
+            <a:r>
+              <a:rPr lang="zh-CN" altLang="en-US" sz="2800" b="1" dirty="0">
                 <a:solidFill>
                   <a:schemeClr val="accent1">
                     <a:lumMod val="50000"/>
                   </a:schemeClr>
                 </a:solidFill>
               </a:rPr>
-              <a:t>数据</a:t>
-            </a:r>
-            <a:r>
-              <a:rPr lang="zh-CN" altLang="en-US" sz="2800" b="1">
+              <a:t>函数</a:t>
+            </a:r>
+            <a:r>
+              <a:rPr lang="zh-CN" altLang="en-US" sz="2800" b="1" dirty="0">
                 <a:solidFill>
                   <a:schemeClr val="tx1">
                     <a:lumMod val="75000"/>
@@ -26663,28 +25243,7 @@
                   </a:schemeClr>
                 </a:solidFill>
               </a:rPr>
-              <a:t>和处理数据的</a:t>
-            </a:r>
-            <a:r>
-              <a:rPr lang="zh-CN" altLang="en-US" sz="2800" b="1">
-                <a:solidFill>
-                  <a:schemeClr val="accent1">
-                    <a:lumMod val="50000"/>
-                  </a:schemeClr>
-                </a:solidFill>
-              </a:rPr>
-              <a:t>函数</a:t>
-            </a:r>
-            <a:r>
-              <a:rPr lang="zh-CN" altLang="en-US" sz="2800" b="1">
-                <a:solidFill>
-                  <a:schemeClr val="tx1">
-                    <a:lumMod val="75000"/>
-                    <a:lumOff val="25000"/>
-                  </a:schemeClr>
-                </a:solidFill>
-              </a:rPr>
-              <a:t>封装为类</a:t>
+              <a:t>封装为类；</a:t>
             </a:r>
           </a:p>
           <a:p>
@@ -26694,7 +25253,7 @@
               </a:lnSpc>
             </a:pPr>
             <a:r>
-              <a:rPr lang="en-US" altLang="zh-CN" sz="2800" b="1">
+              <a:rPr lang="en-US" altLang="zh-CN" sz="2800" b="1" dirty="0">
                 <a:solidFill>
                   <a:schemeClr val="tx1">
                     <a:lumMod val="75000"/>
@@ -26702,10 +25261,10 @@
                   </a:schemeClr>
                 </a:solidFill>
               </a:rPr>
-              <a:t>Step2</a:t>
-            </a:r>
-            <a:r>
-              <a:rPr lang="en-US" altLang="zh-CN" sz="2800" b="1" smtClean="0">
+              <a:t>Step2: </a:t>
+            </a:r>
+            <a:r>
+              <a:rPr lang="zh-CN" altLang="en-US" sz="2800" b="1" dirty="0">
                 <a:solidFill>
                   <a:schemeClr val="tx1">
                     <a:lumMod val="75000"/>
@@ -26713,10 +25272,10 @@
                   </a:schemeClr>
                 </a:solidFill>
               </a:rPr>
-              <a:t>: </a:t>
-            </a:r>
-            <a:r>
-              <a:rPr lang="zh-CN" altLang="en-US" sz="2800" b="1" smtClean="0">
+              <a:t>可以将某些成员声明为</a:t>
+            </a:r>
+            <a:r>
+              <a:rPr lang="en-US" altLang="zh-CN" sz="2800" b="1" dirty="0">
                 <a:solidFill>
                   <a:schemeClr val="tx1">
                     <a:lumMod val="75000"/>
@@ -26724,10 +25283,10 @@
                   </a:schemeClr>
                 </a:solidFill>
               </a:rPr>
-              <a:t>可以</a:t>
-            </a:r>
-            <a:r>
-              <a:rPr lang="zh-CN" altLang="en-US" sz="2800" b="1">
+              <a:t>private</a:t>
+            </a:r>
+            <a:r>
+              <a:rPr lang="zh-CN" altLang="en-US" sz="2800" b="1" dirty="0">
                 <a:solidFill>
                   <a:schemeClr val="tx1">
                     <a:lumMod val="75000"/>
@@ -26735,29 +25294,7 @@
                   </a:schemeClr>
                 </a:solidFill>
               </a:rPr>
-              <a:t>将某些成员声明为</a:t>
-            </a:r>
-            <a:r>
-              <a:rPr lang="en-US" altLang="zh-CN" sz="2800" b="1">
-                <a:solidFill>
-                  <a:schemeClr val="tx1">
-                    <a:lumMod val="75000"/>
-                    <a:lumOff val="25000"/>
-                  </a:schemeClr>
-                </a:solidFill>
-              </a:rPr>
-              <a:t>private</a:t>
-            </a:r>
-            <a:r>
-              <a:rPr lang="zh-CN" altLang="en-US" sz="2800" b="1">
-                <a:solidFill>
-                  <a:schemeClr val="tx1">
-                    <a:lumMod val="75000"/>
-                    <a:lumOff val="25000"/>
-                  </a:schemeClr>
-                </a:solidFill>
-              </a:rPr>
-              <a:t>从而达到信息隐藏的目的</a:t>
+              <a:t>从而达到信息隐藏的目的。</a:t>
             </a:r>
           </a:p>
           <a:p>
@@ -26766,7 +25303,7 @@
                 <a:spcPct val="150000"/>
               </a:lnSpc>
             </a:pPr>
-            <a:endParaRPr lang="zh-CN" altLang="en-US" sz="3200" b="1">
+            <a:endParaRPr lang="zh-CN" altLang="en-US" sz="3200" b="1" dirty="0">
               <a:solidFill>
                 <a:schemeClr val="tx1">
                   <a:lumMod val="75000"/>
@@ -26787,13 +25324,6 @@
   <p:clrMapOvr>
     <a:masterClrMapping/>
   </p:clrMapOvr>
-  <p:timing>
-    <p:tnLst>
-      <p:par>
-        <p:cTn id="1" dur="indefinite" restart="never" nodeType="tmRoot"/>
-      </p:par>
-    </p:tnLst>
-  </p:timing>
 </p:sld>
 </file>
 
@@ -26864,7 +25394,7 @@
             <a:lstStyle/>
             <a:p>
               <a:r>
-                <a:rPr lang="en-US" altLang="zh-CN" sz="2400" b="1" kern="0" smtClean="0">
+                <a:rPr lang="en-US" altLang="zh-CN" sz="2400" b="1" kern="0">
                   <a:solidFill>
                     <a:schemeClr val="tx1">
                       <a:lumMod val="65000"/>
@@ -26877,7 +25407,7 @@
                 <a:t>          </a:t>
               </a:r>
               <a:r>
-                <a:rPr lang="zh-CN" altLang="en-US" sz="2400" b="1" kern="0" smtClean="0">
+                <a:rPr lang="zh-CN" altLang="en-US" sz="2400" b="1" kern="0">
                   <a:solidFill>
                     <a:schemeClr val="tx1">
                       <a:lumMod val="65000"/>
@@ -26890,7 +25420,7 @@
                 <a:t>第一个</a:t>
               </a:r>
               <a:r>
-                <a:rPr lang="en-US" altLang="zh-CN" sz="2400" b="1" kern="0" smtClean="0">
+                <a:rPr lang="en-US" altLang="zh-CN" sz="2400" b="1" kern="0">
                   <a:solidFill>
                     <a:schemeClr val="tx1">
                       <a:lumMod val="65000"/>
@@ -26903,7 +25433,7 @@
                 <a:t>C++</a:t>
               </a:r>
               <a:r>
-                <a:rPr lang="zh-CN" altLang="en-US" sz="2400" b="1" kern="0" smtClean="0">
+                <a:rPr lang="zh-CN" altLang="en-US" sz="2400" b="1" kern="0">
                   <a:solidFill>
                     <a:schemeClr val="tx1">
                       <a:lumMod val="65000"/>
@@ -26915,16 +25445,6 @@
                 </a:rPr>
                 <a:t>程序</a:t>
               </a:r>
-              <a:endParaRPr lang="zh-CN" altLang="en-US" sz="2400" b="1" kern="0">
-                <a:solidFill>
-                  <a:schemeClr val="tx1">
-                    <a:lumMod val="65000"/>
-                    <a:lumOff val="35000"/>
-                  </a:schemeClr>
-                </a:solidFill>
-                <a:latin typeface="微软雅黑" panose="020B0503020204020204" pitchFamily="34" charset="-122"/>
-                <a:ea typeface="微软雅黑" panose="020B0503020204020204" pitchFamily="34" charset="-122"/>
-              </a:endParaRPr>
             </a:p>
           </p:txBody>
         </p:sp>
@@ -27152,7 +25672,7 @@
             <a:lstStyle/>
             <a:p>
               <a:r>
-                <a:rPr lang="en-US" altLang="zh-CN" sz="2400" b="1" kern="0" smtClean="0">
+                <a:rPr lang="en-US" altLang="zh-CN" sz="2400" b="1" kern="0">
                   <a:solidFill>
                     <a:schemeClr val="bg1"/>
                   </a:solidFill>
@@ -27162,7 +25682,7 @@
                 <a:t>          </a:t>
               </a:r>
               <a:r>
-                <a:rPr lang="zh-CN" altLang="en-US" sz="2400" b="1" kern="0" smtClean="0">
+                <a:rPr lang="zh-CN" altLang="en-US" sz="2400" b="1" kern="0">
                   <a:solidFill>
                     <a:schemeClr val="bg1"/>
                   </a:solidFill>
@@ -27171,13 +25691,6 @@
                 </a:rPr>
                 <a:t>课程简介</a:t>
               </a:r>
-              <a:endParaRPr lang="zh-CN" altLang="en-US" sz="2400" b="1" kern="0">
-                <a:solidFill>
-                  <a:schemeClr val="bg1"/>
-                </a:solidFill>
-                <a:latin typeface="微软雅黑" panose="020B0503020204020204" pitchFamily="34" charset="-122"/>
-                <a:ea typeface="微软雅黑" panose="020B0503020204020204" pitchFamily="34" charset="-122"/>
-              </a:endParaRPr>
             </a:p>
           </p:txBody>
         </p:sp>
@@ -27401,7 +25914,7 @@
             <a:lstStyle/>
             <a:p>
               <a:r>
-                <a:rPr lang="en-US" altLang="zh-CN" sz="2400" b="1" kern="0" smtClean="0">
+                <a:rPr lang="en-US" altLang="zh-CN" sz="2400" b="1" kern="0">
                   <a:solidFill>
                     <a:schemeClr val="tx1">
                       <a:lumMod val="65000"/>
@@ -27655,7 +26168,7 @@
             <a:lstStyle/>
             <a:p>
               <a:r>
-                <a:rPr lang="en-US" altLang="zh-CN" sz="2400" b="1" kern="0" smtClean="0">
+                <a:rPr lang="en-US" altLang="zh-CN" sz="2400" b="1" kern="0">
                   <a:solidFill>
                     <a:schemeClr val="tx1">
                       <a:lumMod val="65000"/>
@@ -27668,7 +26181,7 @@
                 <a:t>          C</a:t>
               </a:r>
               <a:r>
-                <a:rPr lang="zh-CN" altLang="en-US" sz="2400" b="1" kern="0" smtClean="0">
+                <a:rPr lang="zh-CN" altLang="en-US" sz="2400" b="1" kern="0">
                   <a:solidFill>
                     <a:schemeClr val="tx1">
                       <a:lumMod val="65000"/>
@@ -27681,7 +26194,7 @@
                 <a:t>与</a:t>
               </a:r>
               <a:r>
-                <a:rPr lang="en-US" altLang="zh-CN" sz="2400" b="1" kern="0" smtClean="0">
+                <a:rPr lang="en-US" altLang="zh-CN" sz="2400" b="1" kern="0">
                   <a:solidFill>
                     <a:schemeClr val="tx1">
                       <a:lumMod val="65000"/>
@@ -27694,7 +26207,7 @@
                 <a:t>C++</a:t>
               </a:r>
               <a:r>
-                <a:rPr lang="zh-CN" altLang="en-US" sz="2400" b="1" kern="0" smtClean="0">
+                <a:rPr lang="zh-CN" altLang="en-US" sz="2400" b="1" kern="0">
                   <a:solidFill>
                     <a:schemeClr val="tx1">
                       <a:lumMod val="65000"/>
@@ -27706,16 +26219,6 @@
                 </a:rPr>
                 <a:t>的关系</a:t>
               </a:r>
-              <a:endParaRPr lang="zh-CN" altLang="en-US" sz="2400" b="1" kern="0">
-                <a:solidFill>
-                  <a:schemeClr val="tx1">
-                    <a:lumMod val="65000"/>
-                    <a:lumOff val="35000"/>
-                  </a:schemeClr>
-                </a:solidFill>
-                <a:latin typeface="微软雅黑" panose="020B0503020204020204" pitchFamily="34" charset="-122"/>
-                <a:ea typeface="微软雅黑" panose="020B0503020204020204" pitchFamily="34" charset="-122"/>
-              </a:endParaRPr>
             </a:p>
           </p:txBody>
         </p:sp>
@@ -27945,7 +26448,7 @@
             <a:lstStyle/>
             <a:p>
               <a:r>
-                <a:rPr lang="en-US" altLang="zh-CN" sz="2400" b="1" kern="0" smtClean="0">
+                <a:rPr lang="en-US" altLang="zh-CN" sz="2400" b="1" kern="0">
                   <a:solidFill>
                     <a:schemeClr val="tx1">
                       <a:lumMod val="65000"/>
@@ -27958,7 +26461,7 @@
                 <a:t>          </a:t>
               </a:r>
               <a:r>
-                <a:rPr lang="zh-CN" altLang="en-US" sz="2400" b="1" kern="0" smtClean="0">
+                <a:rPr lang="zh-CN" altLang="en-US" sz="2400" b="1" kern="0">
                   <a:solidFill>
                     <a:schemeClr val="tx1">
                       <a:lumMod val="65000"/>
@@ -27970,16 +26473,6 @@
                 </a:rPr>
                 <a:t>面向对象程序设计</a:t>
               </a:r>
-              <a:endParaRPr lang="zh-CN" altLang="en-US" sz="2400" b="1" kern="0">
-                <a:solidFill>
-                  <a:schemeClr val="tx1">
-                    <a:lumMod val="65000"/>
-                    <a:lumOff val="35000"/>
-                  </a:schemeClr>
-                </a:solidFill>
-                <a:latin typeface="微软雅黑" panose="020B0503020204020204" pitchFamily="34" charset="-122"/>
-                <a:ea typeface="微软雅黑" panose="020B0503020204020204" pitchFamily="34" charset="-122"/>
-              </a:endParaRPr>
             </a:p>
           </p:txBody>
         </p:sp>
@@ -28169,13 +26662,6 @@
   <p:clrMapOvr>
     <a:masterClrMapping/>
   </p:clrMapOvr>
-  <p:timing>
-    <p:tnLst>
-      <p:par>
-        <p:cTn id="1" dur="indefinite" restart="never" nodeType="tmRoot"/>
-      </p:par>
-    </p:tnLst>
-  </p:timing>
 </p:sld>
 </file>
 
@@ -28215,21 +26701,16 @@
           <a:p>
             <a:r>
               <a:rPr lang="zh-CN" altLang="en-US"/>
-              <a:t>面向对象程序设计：三大</a:t>
-            </a:r>
-            <a:r>
-              <a:rPr lang="zh-CN" altLang="en-US" smtClean="0"/>
-              <a:t>特性</a:t>
-            </a:r>
-            <a:r>
-              <a:rPr lang="en-US" altLang="zh-CN" smtClean="0"/>
+              <a:t>面向对象程序设计：三大特性</a:t>
+            </a:r>
+            <a:r>
+              <a:rPr lang="en-US" altLang="zh-CN"/>
               <a:t> </a:t>
             </a:r>
             <a:r>
-              <a:rPr lang="zh-CN" altLang="en-US" smtClean="0"/>
+              <a:rPr lang="zh-CN" altLang="en-US"/>
               <a:t>封装</a:t>
             </a:r>
-            <a:endParaRPr lang="zh-CN" altLang="en-US"/>
           </a:p>
         </p:txBody>
       </p:sp>
@@ -28438,20 +26919,9 @@
                   </a:schemeClr>
                 </a:solidFill>
               </a:rPr>
-              <a:t>的目的</a:t>
-            </a:r>
-            <a:r>
-              <a:rPr lang="zh-CN" altLang="en-US" sz="2800" b="1" smtClean="0">
-                <a:solidFill>
-                  <a:schemeClr val="tx1">
-                    <a:lumMod val="75000"/>
-                    <a:lumOff val="25000"/>
-                  </a:schemeClr>
-                </a:solidFill>
-              </a:rPr>
-              <a:t>。</a:t>
-            </a:r>
-            <a:endParaRPr lang="en-US" altLang="zh-CN" sz="2800" b="1" smtClean="0">
+              <a:t>的目的。</a:t>
+            </a:r>
+            <a:endParaRPr lang="en-US" altLang="zh-CN" sz="2800" b="1">
               <a:solidFill>
                 <a:schemeClr val="tx1">
                   <a:lumMod val="75000"/>
@@ -28543,18 +27013,7 @@
                   </a:schemeClr>
                 </a:solidFill>
               </a:rPr>
-              <a:t>封装隐藏了具体的实现细节，使某些成员设为私有从而提高了安全性和可靠性</a:t>
-            </a:r>
-            <a:r>
-              <a:rPr lang="zh-CN" altLang="en-US" sz="2800" smtClean="0">
-                <a:solidFill>
-                  <a:schemeClr val="tx1">
-                    <a:lumMod val="75000"/>
-                    <a:lumOff val="25000"/>
-                  </a:schemeClr>
-                </a:solidFill>
-              </a:rPr>
-              <a:t>。</a:t>
+              <a:t>封装隐藏了具体的实现细节，使某些成员设为私有从而提高了安全性和可靠性。</a:t>
             </a:r>
             <a:endParaRPr lang="en-US" altLang="zh-CN" sz="2800">
               <a:solidFill>
@@ -28577,13 +27036,6 @@
   <p:clrMapOvr>
     <a:masterClrMapping/>
   </p:clrMapOvr>
-  <p:timing>
-    <p:tnLst>
-      <p:par>
-        <p:cTn id="1" dur="indefinite" restart="never" nodeType="tmRoot"/>
-      </p:par>
-    </p:tnLst>
-  </p:timing>
 </p:sld>
 </file>
 
@@ -28623,21 +27075,16 @@
           <a:p>
             <a:r>
               <a:rPr lang="zh-CN" altLang="en-US"/>
-              <a:t>面向对象程序设计：三大</a:t>
-            </a:r>
-            <a:r>
-              <a:rPr lang="zh-CN" altLang="en-US" smtClean="0"/>
-              <a:t>特性</a:t>
-            </a:r>
-            <a:r>
-              <a:rPr lang="en-US" altLang="zh-CN" smtClean="0"/>
+              <a:t>面向对象程序设计：三大特性</a:t>
+            </a:r>
+            <a:r>
+              <a:rPr lang="en-US" altLang="zh-CN"/>
               <a:t> </a:t>
             </a:r>
             <a:r>
-              <a:rPr lang="zh-CN" altLang="en-US" smtClean="0"/>
+              <a:rPr lang="zh-CN" altLang="en-US"/>
               <a:t>继承</a:t>
             </a:r>
-            <a:endParaRPr lang="zh-CN" altLang="en-US"/>
           </a:p>
         </p:txBody>
       </p:sp>
@@ -28754,7 +27201,7 @@
               </a:rPr>
               <a:t>中的继承：        </a:t>
             </a:r>
-            <a:endParaRPr lang="en-US" altLang="zh-CN" sz="2800" b="1" smtClean="0">
+            <a:endParaRPr lang="en-US" altLang="zh-CN" sz="2800" b="1">
               <a:solidFill>
                 <a:schemeClr val="tx1">
                   <a:lumMod val="75000"/>
@@ -28781,7 +27228,7 @@
               <a:t>在软件开发中，若已有类</a:t>
             </a:r>
             <a:r>
-              <a:rPr lang="en-US" altLang="zh-CN" sz="2800" b="1" smtClean="0">
+              <a:rPr lang="en-US" altLang="zh-CN" sz="2800" b="1">
                 <a:solidFill>
                   <a:schemeClr val="tx1">
                     <a:lumMod val="75000"/>
@@ -28793,7 +27240,7 @@
               <a:t>A</a:t>
             </a:r>
             <a:r>
-              <a:rPr lang="zh-CN" altLang="en-US" sz="2800" b="1" smtClean="0">
+              <a:rPr lang="zh-CN" altLang="en-US" sz="2800" b="1">
                 <a:solidFill>
                   <a:schemeClr val="tx1">
                     <a:lumMod val="75000"/>
@@ -28802,10 +27249,10 @@
                 </a:solidFill>
                 <a:cs typeface="Courier New" pitchFamily="49" charset="0"/>
               </a:rPr>
-              <a:t>，要</a:t>
-            </a:r>
-            <a:r>
-              <a:rPr lang="zh-CN" altLang="en-US" sz="2800" b="1">
+              <a:t>，要创建类</a:t>
+            </a:r>
+            <a:r>
+              <a:rPr lang="en-US" altLang="zh-CN" sz="2800" b="1">
                 <a:solidFill>
                   <a:schemeClr val="tx1">
                     <a:lumMod val="75000"/>
@@ -28814,10 +27261,10 @@
                 </a:solidFill>
                 <a:cs typeface="Courier New" pitchFamily="49" charset="0"/>
               </a:rPr>
-              <a:t>创建</a:t>
-            </a:r>
-            <a:r>
-              <a:rPr lang="zh-CN" altLang="en-US" sz="2800" b="1" smtClean="0">
+              <a:t>B</a:t>
+            </a:r>
+            <a:r>
+              <a:rPr lang="zh-CN" altLang="en-US" sz="2800" b="1">
                 <a:solidFill>
                   <a:schemeClr val="tx1">
                     <a:lumMod val="75000"/>
@@ -28826,10 +27273,10 @@
                 </a:solidFill>
                 <a:cs typeface="Courier New" pitchFamily="49" charset="0"/>
               </a:rPr>
-              <a:t>类</a:t>
-            </a:r>
-            <a:r>
-              <a:rPr lang="en-US" altLang="zh-CN" sz="2800" b="1" smtClean="0">
+              <a:t>，而类</a:t>
+            </a:r>
+            <a:r>
+              <a:rPr lang="en-US" altLang="zh-CN" sz="2800" b="1">
                 <a:solidFill>
                   <a:schemeClr val="tx1">
                     <a:lumMod val="75000"/>
@@ -28838,10 +27285,10 @@
                 </a:solidFill>
                 <a:cs typeface="Courier New" pitchFamily="49" charset="0"/>
               </a:rPr>
-              <a:t>B</a:t>
-            </a:r>
-            <a:r>
-              <a:rPr lang="zh-CN" altLang="en-US" sz="2800" b="1" smtClean="0">
+              <a:t>A</a:t>
+            </a:r>
+            <a:r>
+              <a:rPr lang="zh-CN" altLang="en-US" sz="2800" b="1">
                 <a:solidFill>
                   <a:schemeClr val="tx1">
                     <a:lumMod val="75000"/>
@@ -28850,10 +27297,10 @@
                 </a:solidFill>
                 <a:cs typeface="Courier New" pitchFamily="49" charset="0"/>
               </a:rPr>
-              <a:t>，而</a:t>
-            </a:r>
-            <a:r>
-              <a:rPr lang="zh-CN" altLang="en-US" sz="2800" b="1">
+              <a:t>和类</a:t>
+            </a:r>
+            <a:r>
+              <a:rPr lang="en-US" altLang="zh-CN" sz="2800" b="1">
                 <a:solidFill>
                   <a:schemeClr val="tx1">
                     <a:lumMod val="75000"/>
@@ -28862,10 +27309,10 @@
                 </a:solidFill>
                 <a:cs typeface="Courier New" pitchFamily="49" charset="0"/>
               </a:rPr>
-              <a:t>类</a:t>
-            </a:r>
-            <a:r>
-              <a:rPr lang="en-US" altLang="zh-CN" sz="2800" b="1">
+              <a:t>B</a:t>
+            </a:r>
+            <a:r>
+              <a:rPr lang="zh-CN" altLang="en-US" sz="2800" b="1">
                 <a:solidFill>
                   <a:schemeClr val="tx1">
                     <a:lumMod val="75000"/>
@@ -28874,10 +27321,10 @@
                 </a:solidFill>
                 <a:cs typeface="Courier New" pitchFamily="49" charset="0"/>
               </a:rPr>
-              <a:t>A</a:t>
-            </a:r>
-            <a:r>
-              <a:rPr lang="zh-CN" altLang="en-US" sz="2800" b="1">
+              <a:t>属性和行为基本相同，则只需在</a:t>
+            </a:r>
+            <a:r>
+              <a:rPr lang="en-US" altLang="zh-CN" sz="2800" b="1">
                 <a:solidFill>
                   <a:schemeClr val="tx1">
                     <a:lumMod val="75000"/>
@@ -28886,10 +27333,10 @@
                 </a:solidFill>
                 <a:cs typeface="Courier New" pitchFamily="49" charset="0"/>
               </a:rPr>
-              <a:t>和类</a:t>
-            </a:r>
-            <a:r>
-              <a:rPr lang="en-US" altLang="zh-CN" sz="2800" b="1">
+              <a:t>A</a:t>
+            </a:r>
+            <a:r>
+              <a:rPr lang="zh-CN" altLang="en-US" sz="2800" b="1">
                 <a:solidFill>
                   <a:schemeClr val="tx1">
                     <a:lumMod val="75000"/>
@@ -28898,65 +27345,8 @@
                 </a:solidFill>
                 <a:cs typeface="Courier New" pitchFamily="49" charset="0"/>
               </a:rPr>
-              <a:t>B</a:t>
-            </a:r>
-            <a:r>
-              <a:rPr lang="zh-CN" altLang="en-US" sz="2800" b="1">
-                <a:solidFill>
-                  <a:schemeClr val="tx1">
-                    <a:lumMod val="75000"/>
-                    <a:lumOff val="25000"/>
-                  </a:schemeClr>
-                </a:solidFill>
-                <a:cs typeface="Courier New" pitchFamily="49" charset="0"/>
-              </a:rPr>
-              <a:t>属性和行为基本相同，则只需在</a:t>
-            </a:r>
-            <a:r>
-              <a:rPr lang="en-US" altLang="zh-CN" sz="2800" b="1">
-                <a:solidFill>
-                  <a:schemeClr val="tx1">
-                    <a:lumMod val="75000"/>
-                    <a:lumOff val="25000"/>
-                  </a:schemeClr>
-                </a:solidFill>
-                <a:cs typeface="Courier New" pitchFamily="49" charset="0"/>
-              </a:rPr>
-              <a:t>A</a:t>
-            </a:r>
-            <a:r>
-              <a:rPr lang="zh-CN" altLang="en-US" sz="2800" b="1">
-                <a:solidFill>
-                  <a:schemeClr val="tx1">
-                    <a:lumMod val="75000"/>
-                    <a:lumOff val="25000"/>
-                  </a:schemeClr>
-                </a:solidFill>
-                <a:cs typeface="Courier New" pitchFamily="49" charset="0"/>
-              </a:rPr>
-              <a:t>的基础上增加些新的内容即可</a:t>
-            </a:r>
-            <a:r>
-              <a:rPr lang="zh-CN" altLang="en-US" sz="2800" b="1" smtClean="0">
-                <a:solidFill>
-                  <a:schemeClr val="tx1">
-                    <a:lumMod val="75000"/>
-                    <a:lumOff val="25000"/>
-                  </a:schemeClr>
-                </a:solidFill>
-                <a:cs typeface="Courier New" pitchFamily="49" charset="0"/>
-              </a:rPr>
-              <a:t>！</a:t>
-            </a:r>
-            <a:endParaRPr lang="zh-CN" altLang="en-US" sz="2800" b="1">
-              <a:solidFill>
-                <a:schemeClr val="tx1">
-                  <a:lumMod val="75000"/>
-                  <a:lumOff val="25000"/>
-                </a:schemeClr>
-              </a:solidFill>
-              <a:cs typeface="Courier New" pitchFamily="49" charset="0"/>
-            </a:endParaRPr>
+              <a:t>的基础上增加些新的内容即可！</a:t>
+            </a:r>
           </a:p>
         </p:txBody>
       </p:sp>
@@ -29283,13 +27673,6 @@
   <p:clrMapOvr>
     <a:masterClrMapping/>
   </p:clrMapOvr>
-  <p:timing>
-    <p:tnLst>
-      <p:par>
-        <p:cTn id="1" dur="indefinite" restart="never" nodeType="tmRoot"/>
-      </p:par>
-    </p:tnLst>
-  </p:timing>
 </p:sld>
 </file>
 
@@ -29329,21 +27712,16 @@
           <a:p>
             <a:r>
               <a:rPr lang="zh-CN" altLang="en-US"/>
-              <a:t>面向对象程序设计：三大</a:t>
-            </a:r>
-            <a:r>
-              <a:rPr lang="zh-CN" altLang="en-US" smtClean="0"/>
-              <a:t>特性</a:t>
-            </a:r>
-            <a:r>
-              <a:rPr lang="en-US" altLang="zh-CN" smtClean="0"/>
+              <a:t>面向对象程序设计：三大特性</a:t>
+            </a:r>
+            <a:r>
+              <a:rPr lang="en-US" altLang="zh-CN"/>
               <a:t> </a:t>
             </a:r>
             <a:r>
-              <a:rPr lang="zh-CN" altLang="en-US" smtClean="0"/>
+              <a:rPr lang="zh-CN" altLang="en-US"/>
               <a:t>继承</a:t>
             </a:r>
-            <a:endParaRPr lang="zh-CN" altLang="en-US"/>
           </a:p>
         </p:txBody>
       </p:sp>
@@ -29375,7 +27753,7 @@
               </a:lnSpc>
             </a:pPr>
             <a:r>
-              <a:rPr lang="zh-CN" altLang="en-US" sz="3200" b="1">
+              <a:rPr lang="zh-CN" altLang="en-US" sz="3200" b="1" dirty="0">
                 <a:solidFill>
                   <a:schemeClr val="tx1">
                     <a:lumMod val="75000"/>
@@ -29387,7 +27765,7 @@
               <a:t>继承</a:t>
             </a:r>
             <a:r>
-              <a:rPr lang="zh-CN" altLang="en-US" sz="3200">
+              <a:rPr lang="zh-CN" altLang="en-US" sz="3200" dirty="0">
                 <a:solidFill>
                   <a:schemeClr val="tx1">
                     <a:lumMod val="75000"/>
@@ -29399,7 +27777,7 @@
               <a:t>（</a:t>
             </a:r>
             <a:r>
-              <a:rPr lang="en-US" altLang="zh-CN" sz="3200">
+              <a:rPr lang="en-US" altLang="zh-CN" sz="3200" dirty="0">
                 <a:solidFill>
                   <a:schemeClr val="tx1">
                     <a:lumMod val="75000"/>
@@ -29411,7 +27789,7 @@
               <a:t>inheritance</a:t>
             </a:r>
             <a:r>
-              <a:rPr lang="zh-CN" altLang="en-US" sz="3200">
+              <a:rPr lang="zh-CN" altLang="en-US" sz="3200" dirty="0">
                 <a:solidFill>
                   <a:schemeClr val="tx1">
                     <a:lumMod val="75000"/>
@@ -29423,7 +27801,7 @@
               <a:t>）是指子类（</a:t>
             </a:r>
             <a:r>
-              <a:rPr lang="en-US" altLang="zh-CN" sz="3200">
+              <a:rPr lang="en-US" altLang="zh-CN" sz="3200" dirty="0">
                 <a:solidFill>
                   <a:schemeClr val="tx1">
                     <a:lumMod val="75000"/>
@@ -29435,7 +27813,7 @@
               <a:t>subclass</a:t>
             </a:r>
             <a:r>
-              <a:rPr lang="zh-CN" altLang="en-US" sz="3200">
+              <a:rPr lang="zh-CN" altLang="en-US" sz="3200" dirty="0">
                 <a:solidFill>
                   <a:schemeClr val="tx1">
                     <a:lumMod val="75000"/>
@@ -29447,7 +27825,7 @@
               <a:t>）继承父类（</a:t>
             </a:r>
             <a:r>
-              <a:rPr lang="en-US" altLang="zh-CN" sz="3200">
+              <a:rPr lang="en-US" altLang="zh-CN" sz="3200" dirty="0">
                 <a:solidFill>
                   <a:schemeClr val="tx1">
                     <a:lumMod val="75000"/>
@@ -29459,7 +27837,7 @@
               <a:t>superclass</a:t>
             </a:r>
             <a:r>
-              <a:rPr lang="zh-CN" altLang="en-US" sz="3200">
+              <a:rPr lang="zh-CN" altLang="en-US" sz="3200" dirty="0">
                 <a:solidFill>
                   <a:schemeClr val="tx1">
                     <a:lumMod val="75000"/>
@@ -29471,7 +27849,7 @@
               <a:t>），会自动取得父类除私有成员外的全部成员</a:t>
             </a:r>
             <a:r>
-              <a:rPr lang="en-US" altLang="zh-CN" sz="3200">
+              <a:rPr lang="en-US" altLang="zh-CN" sz="3200" dirty="0">
                 <a:solidFill>
                   <a:schemeClr val="tx1">
                     <a:lumMod val="75000"/>
@@ -29483,7 +27861,7 @@
               <a:t>,</a:t>
             </a:r>
             <a:r>
-              <a:rPr lang="zh-CN" altLang="en-US" sz="3200">
+              <a:rPr lang="zh-CN" altLang="en-US" sz="3200" dirty="0">
                 <a:solidFill>
                   <a:schemeClr val="tx1">
                     <a:lumMod val="75000"/>
@@ -29492,10 +27870,19 @@
                 </a:solidFill>
                 <a:cs typeface="Courier New" pitchFamily="49" charset="0"/>
               </a:rPr>
-              <a:t>同一类的所有实体都会自动有该类的全部成员</a:t>
-            </a:r>
-            <a:r>
-              <a:rPr lang="en-US" altLang="zh-CN" sz="3200">
+              <a:t>或者对父类某些成员进行</a:t>
+            </a:r>
+            <a:r>
+              <a:rPr lang="zh-CN" altLang="en-US" sz="3200" dirty="0">
+                <a:solidFill>
+                  <a:srgbClr val="FF0000"/>
+                </a:solidFill>
+                <a:cs typeface="Courier New" pitchFamily="49" charset="0"/>
+              </a:rPr>
+              <a:t>改造</a:t>
+            </a:r>
+            <a:r>
+              <a:rPr lang="zh-CN" altLang="en-US" sz="3200" dirty="0">
                 <a:solidFill>
                   <a:schemeClr val="tx1">
                     <a:lumMod val="75000"/>
@@ -29504,10 +27891,10 @@
                 </a:solidFill>
                 <a:cs typeface="Courier New" pitchFamily="49" charset="0"/>
               </a:rPr>
-              <a:t>,</a:t>
-            </a:r>
-            <a:r>
-              <a:rPr lang="zh-CN" altLang="en-US" sz="3200">
+              <a:t>，从而做到代码重用（</a:t>
+            </a:r>
+            <a:r>
+              <a:rPr lang="en-US" altLang="zh-CN" sz="3200" dirty="0">
                 <a:solidFill>
                   <a:schemeClr val="tx1">
                     <a:lumMod val="75000"/>
@@ -29516,10 +27903,10 @@
                 </a:solidFill>
                 <a:cs typeface="Courier New" pitchFamily="49" charset="0"/>
               </a:rPr>
-              <a:t>做到代码重用（</a:t>
-            </a:r>
-            <a:r>
-              <a:rPr lang="en-US" altLang="zh-CN" sz="3200">
+              <a:t>reuse</a:t>
+            </a:r>
+            <a:r>
+              <a:rPr lang="zh-CN" altLang="en-US" sz="3200" dirty="0">
                 <a:solidFill>
                   <a:schemeClr val="tx1">
                     <a:lumMod val="75000"/>
@@ -29528,33 +27915,9 @@
                 </a:solidFill>
                 <a:cs typeface="Courier New" pitchFamily="49" charset="0"/>
               </a:rPr>
-              <a:t>reuse</a:t>
-            </a:r>
-            <a:r>
-              <a:rPr lang="zh-CN" altLang="en-US" sz="3200">
-                <a:solidFill>
-                  <a:schemeClr val="tx1">
-                    <a:lumMod val="75000"/>
-                    <a:lumOff val="25000"/>
-                  </a:schemeClr>
-                </a:solidFill>
-                <a:cs typeface="Courier New" pitchFamily="49" charset="0"/>
-              </a:rPr>
-              <a:t>）</a:t>
-            </a:r>
-            <a:r>
-              <a:rPr lang="zh-CN" altLang="en-US" sz="3200" smtClean="0">
-                <a:solidFill>
-                  <a:schemeClr val="tx1">
-                    <a:lumMod val="75000"/>
-                    <a:lumOff val="25000"/>
-                  </a:schemeClr>
-                </a:solidFill>
-                <a:cs typeface="Courier New" pitchFamily="49" charset="0"/>
-              </a:rPr>
-              <a:t>。</a:t>
-            </a:r>
-            <a:endParaRPr lang="en-US" altLang="zh-CN" sz="3200" smtClean="0">
+              <a:t>）。</a:t>
+            </a:r>
+            <a:endParaRPr lang="en-US" altLang="zh-CN" sz="3200" dirty="0">
               <a:solidFill>
                 <a:schemeClr val="tx1">
                   <a:lumMod val="75000"/>
@@ -29571,7 +27934,7 @@
               </a:lnSpc>
               <a:buNone/>
             </a:pPr>
-            <a:endParaRPr lang="en-US" altLang="zh-CN" sz="3200">
+            <a:endParaRPr lang="en-US" altLang="zh-CN" sz="3200" dirty="0">
               <a:solidFill>
                 <a:schemeClr val="tx1">
                   <a:lumMod val="75000"/>
@@ -29588,7 +27951,7 @@
               </a:lnSpc>
             </a:pPr>
             <a:r>
-              <a:rPr lang="zh-CN" altLang="en-US" sz="3200" b="1">
+              <a:rPr lang="zh-CN" altLang="en-US" sz="3200" b="1" dirty="0">
                 <a:solidFill>
                   <a:schemeClr val="tx1">
                     <a:lumMod val="75000"/>
@@ -29596,20 +27959,9 @@
                   </a:schemeClr>
                 </a:solidFill>
               </a:rPr>
-              <a:t>继承的</a:t>
-            </a:r>
-            <a:r>
-              <a:rPr lang="zh-CN" altLang="en-US" sz="3200" b="1" smtClean="0">
-                <a:solidFill>
-                  <a:schemeClr val="tx1">
-                    <a:lumMod val="75000"/>
-                    <a:lumOff val="25000"/>
-                  </a:schemeClr>
-                </a:solidFill>
-              </a:rPr>
-              <a:t>优势</a:t>
-            </a:r>
-            <a:endParaRPr lang="en-US" altLang="zh-CN" sz="3200">
+              <a:t>继承的优势</a:t>
+            </a:r>
+            <a:endParaRPr lang="en-US" altLang="zh-CN" sz="3200" dirty="0">
               <a:solidFill>
                 <a:schemeClr val="tx1">
                   <a:lumMod val="75000"/>
@@ -29625,7 +27977,7 @@
               </a:lnSpc>
             </a:pPr>
             <a:r>
-              <a:rPr lang="zh-CN" altLang="en-US" sz="2800">
+              <a:rPr lang="zh-CN" altLang="en-US" sz="2800" dirty="0">
                 <a:solidFill>
                   <a:schemeClr val="tx1">
                     <a:lumMod val="75000"/>
@@ -29634,9 +27986,9 @@
                 </a:solidFill>
                 <a:cs typeface="Courier New" pitchFamily="49" charset="0"/>
               </a:rPr>
-              <a:t>提高了代码的重用率，提高了编程效率</a:t>
-            </a:r>
-            <a:endParaRPr lang="en-US" altLang="zh-CN" sz="2800">
+              <a:t>提高了代码的重用率，提高了编程效率。</a:t>
+            </a:r>
+            <a:endParaRPr lang="en-US" altLang="zh-CN" sz="2800" dirty="0">
               <a:solidFill>
                 <a:schemeClr val="tx1">
                   <a:lumMod val="75000"/>
@@ -29673,13 +28025,6 @@
   <p:clrMapOvr>
     <a:masterClrMapping/>
   </p:clrMapOvr>
-  <p:timing>
-    <p:tnLst>
-      <p:par>
-        <p:cTn id="1" dur="indefinite" restart="never" nodeType="tmRoot"/>
-      </p:par>
-    </p:tnLst>
-  </p:timing>
 </p:sld>
 </file>
 
@@ -29719,21 +28064,16 @@
           <a:p>
             <a:r>
               <a:rPr lang="zh-CN" altLang="en-US"/>
-              <a:t>面向对象程序设计：三大</a:t>
-            </a:r>
-            <a:r>
-              <a:rPr lang="zh-CN" altLang="en-US" smtClean="0"/>
-              <a:t>特性</a:t>
-            </a:r>
-            <a:r>
-              <a:rPr lang="en-US" altLang="zh-CN" smtClean="0"/>
+              <a:t>面向对象程序设计：三大特性</a:t>
+            </a:r>
+            <a:r>
+              <a:rPr lang="en-US" altLang="zh-CN"/>
               <a:t> </a:t>
             </a:r>
             <a:r>
-              <a:rPr lang="zh-CN" altLang="en-US" smtClean="0"/>
+              <a:rPr lang="zh-CN" altLang="en-US"/>
               <a:t>多态</a:t>
             </a:r>
-            <a:endParaRPr lang="zh-CN" altLang="en-US"/>
           </a:p>
         </p:txBody>
       </p:sp>
@@ -29786,13 +28126,6 @@
   <p:clrMapOvr>
     <a:masterClrMapping/>
   </p:clrMapOvr>
-  <p:timing>
-    <p:tnLst>
-      <p:par>
-        <p:cTn id="1" dur="indefinite" restart="never" nodeType="tmRoot"/>
-      </p:par>
-    </p:tnLst>
-  </p:timing>
 </p:sld>
 </file>
 
@@ -29832,21 +28165,16 @@
           <a:p>
             <a:r>
               <a:rPr lang="zh-CN" altLang="en-US"/>
-              <a:t>面向对象程序设计：三大</a:t>
-            </a:r>
-            <a:r>
-              <a:rPr lang="zh-CN" altLang="en-US" smtClean="0"/>
-              <a:t>特性</a:t>
-            </a:r>
-            <a:r>
-              <a:rPr lang="en-US" altLang="zh-CN" smtClean="0"/>
+              <a:t>面向对象程序设计：三大特性</a:t>
+            </a:r>
+            <a:r>
+              <a:rPr lang="en-US" altLang="zh-CN"/>
               <a:t> </a:t>
             </a:r>
             <a:r>
-              <a:rPr lang="zh-CN" altLang="en-US" smtClean="0"/>
+              <a:rPr lang="zh-CN" altLang="en-US"/>
               <a:t>多态</a:t>
             </a:r>
-            <a:endParaRPr lang="zh-CN" altLang="en-US"/>
           </a:p>
         </p:txBody>
       </p:sp>
@@ -29878,7 +28206,7 @@
               </a:lnSpc>
             </a:pPr>
             <a:r>
-              <a:rPr lang="zh-CN" altLang="en-US" sz="3200">
+              <a:rPr lang="zh-CN" altLang="en-US" sz="3200" dirty="0">
                 <a:solidFill>
                   <a:schemeClr val="tx1">
                     <a:lumMod val="75000"/>
@@ -29897,7 +28225,7 @@
               </a:lnSpc>
             </a:pPr>
             <a:r>
-              <a:rPr lang="zh-CN" altLang="en-US" sz="3200">
+              <a:rPr lang="zh-CN" altLang="en-US" sz="3200" dirty="0">
                 <a:solidFill>
                   <a:schemeClr val="tx1">
                     <a:lumMod val="75000"/>
@@ -29909,7 +28237,7 @@
               <a:t>在面向对象理论中，多态性的定义是：</a:t>
             </a:r>
             <a:r>
-              <a:rPr lang="zh-CN" altLang="en-US" sz="3200" b="1">
+              <a:rPr lang="zh-CN" altLang="en-US" sz="3200" b="1" dirty="0">
                 <a:solidFill>
                   <a:schemeClr val="accent1">
                     <a:lumMod val="50000"/>
@@ -29920,7 +28248,7 @@
               <a:t>同一操作作用于不同的类的对象，将产生不同的执行结果 </a:t>
             </a:r>
             <a:r>
-              <a:rPr lang="zh-CN" altLang="en-US" sz="3200">
+              <a:rPr lang="zh-CN" altLang="en-US" sz="3200" dirty="0">
                 <a:solidFill>
                   <a:schemeClr val="accent1">
                     <a:lumMod val="50000"/>
@@ -29938,7 +28266,7 @@
               </a:lnSpc>
             </a:pPr>
             <a:r>
-              <a:rPr lang="zh-CN" altLang="en-US" sz="3200">
+              <a:rPr lang="zh-CN" altLang="en-US" sz="3200" dirty="0">
                 <a:solidFill>
                   <a:schemeClr val="tx1">
                     <a:lumMod val="75000"/>
@@ -29948,7 +28276,7 @@
               </a:rPr>
               <a:t>多态的优势：</a:t>
             </a:r>
-            <a:endParaRPr lang="en-US" altLang="zh-CN" sz="3200">
+            <a:endParaRPr lang="en-US" altLang="zh-CN" sz="3200" dirty="0">
               <a:solidFill>
                 <a:schemeClr val="tx1">
                   <a:lumMod val="75000"/>
@@ -29964,7 +28292,7 @@
               </a:lnSpc>
             </a:pPr>
             <a:r>
-              <a:rPr lang="zh-CN" altLang="en-US" sz="2800">
+              <a:rPr lang="zh-CN" altLang="en-US" sz="2800" dirty="0">
                 <a:solidFill>
                   <a:schemeClr val="tx1">
                     <a:lumMod val="75000"/>
@@ -29972,16 +28300,8 @@
                   </a:schemeClr>
                 </a:solidFill>
               </a:rPr>
-              <a:t>增强了程序的灵活性</a:t>
-            </a:r>
-            <a:endParaRPr lang="zh-CN" altLang="en-US" sz="2800" dirty="0">
-              <a:solidFill>
-                <a:schemeClr val="tx1">
-                  <a:lumMod val="75000"/>
-                  <a:lumOff val="25000"/>
-                </a:schemeClr>
-              </a:solidFill>
-            </a:endParaRPr>
+              <a:t>增强了程序的灵活性。</a:t>
+            </a:r>
           </a:p>
         </p:txBody>
       </p:sp>
@@ -29995,13 +28315,6 @@
   <p:clrMapOvr>
     <a:masterClrMapping/>
   </p:clrMapOvr>
-  <p:timing>
-    <p:tnLst>
-      <p:par>
-        <p:cTn id="1" dur="indefinite" restart="never" nodeType="tmRoot"/>
-      </p:par>
-    </p:tnLst>
-  </p:timing>
 </p:sld>
 </file>
 
@@ -30041,13 +28354,8 @@
           <a:p>
             <a:r>
               <a:rPr lang="zh-CN" altLang="en-US"/>
-              <a:t>面向对象程序设计</a:t>
-            </a:r>
-            <a:r>
-              <a:rPr lang="zh-CN" altLang="en-US" smtClean="0"/>
-              <a:t>：面向过程</a:t>
-            </a:r>
-            <a:endParaRPr lang="zh-CN" altLang="en-US"/>
+              <a:t>面向对象程序设计：面向过程</a:t>
+            </a:r>
           </a:p>
         </p:txBody>
       </p:sp>
@@ -30077,7 +28385,7 @@
               <a:buNone/>
             </a:pPr>
             <a:r>
-              <a:rPr lang="zh-CN" altLang="en-US" sz="3200" smtClean="0">
+              <a:rPr lang="zh-CN" altLang="en-US" sz="3200">
                 <a:solidFill>
                   <a:schemeClr val="tx1">
                     <a:lumMod val="75000"/>
@@ -30085,18 +28393,7 @@
                   </a:schemeClr>
                 </a:solidFill>
               </a:rPr>
-              <a:t>概念</a:t>
-            </a:r>
-            <a:r>
-              <a:rPr lang="zh-CN" altLang="en-US" sz="3200">
-                <a:solidFill>
-                  <a:schemeClr val="tx1">
-                    <a:lumMod val="75000"/>
-                    <a:lumOff val="25000"/>
-                  </a:schemeClr>
-                </a:solidFill>
-              </a:rPr>
-              <a:t>：以功能为基础，采用</a:t>
+              <a:t>概念：以功能为基础，采用</a:t>
             </a:r>
             <a:r>
               <a:rPr lang="zh-CN" altLang="en-US" sz="3200">
@@ -30947,23 +29244,10 @@
                 <a:latin typeface="微软雅黑" panose="020B0503020204020204" pitchFamily="34" charset="-122"/>
                 <a:ea typeface="微软雅黑" panose="020B0503020204020204" pitchFamily="34" charset="-122"/>
               </a:rPr>
-              <a:t>进一步细化每个</a:t>
-            </a:r>
-            <a:r>
-              <a:rPr lang="zh-CN" altLang="en-US" sz="2400" b="1" dirty="0" smtClean="0">
-                <a:solidFill>
-                  <a:schemeClr val="tx1">
-                    <a:lumMod val="75000"/>
-                    <a:lumOff val="25000"/>
-                  </a:schemeClr>
-                </a:solidFill>
-                <a:latin typeface="微软雅黑" panose="020B0503020204020204" pitchFamily="34" charset="-122"/>
-                <a:ea typeface="微软雅黑" panose="020B0503020204020204" pitchFamily="34" charset="-122"/>
-              </a:rPr>
-              <a:t>功能</a:t>
-            </a:r>
-            <a:r>
-              <a:rPr lang="en-US" altLang="zh-CN" sz="2400" b="1" dirty="0" smtClean="0">
+              <a:t>进一步细化每个功能</a:t>
+            </a:r>
+            <a:r>
+              <a:rPr lang="en-US" altLang="zh-CN" sz="2400" b="1" dirty="0">
                 <a:solidFill>
                   <a:schemeClr val="tx1">
                     <a:lumMod val="75000"/>
@@ -31752,13 +30036,8 @@
           <a:p>
             <a:r>
               <a:rPr lang="zh-CN" altLang="en-US"/>
-              <a:t>面向对象程序设计</a:t>
-            </a:r>
-            <a:r>
-              <a:rPr lang="zh-CN" altLang="en-US" smtClean="0"/>
-              <a:t>：面向过程</a:t>
-            </a:r>
-            <a:endParaRPr lang="zh-CN" altLang="en-US"/>
+              <a:t>面向对象程序设计：面向过程</a:t>
+            </a:r>
           </a:p>
         </p:txBody>
       </p:sp>
@@ -31812,14 +30091,7 @@
                 <a:latin typeface="Consolas" panose="020B0609020204030204" pitchFamily="49" charset="0"/>
                 <a:ea typeface="华文楷体" pitchFamily="2" charset="-122"/>
               </a:rPr>
-              <a:t>main</a:t>
-            </a:r>
-            <a:r>
-              <a:rPr lang="en-US" altLang="zh-CN" sz="2800" b="1" smtClean="0">
-                <a:latin typeface="Consolas" panose="020B0609020204030204" pitchFamily="49" charset="0"/>
-                <a:ea typeface="华文楷体" pitchFamily="2" charset="-122"/>
-              </a:rPr>
-              <a:t>()</a:t>
+              <a:t>main()</a:t>
             </a:r>
             <a:endParaRPr lang="zh-CN" altLang="en-US" sz="2800" b="1" dirty="0">
               <a:latin typeface="Consolas" panose="020B0609020204030204" pitchFamily="49" charset="0"/>
@@ -32006,7 +30278,7 @@
               <a:defRPr/>
             </a:pPr>
             <a:r>
-              <a:rPr lang="en-US" altLang="zh-CN" sz="2800" b="1" dirty="0" smtClean="0">
+              <a:rPr lang="en-US" altLang="zh-CN" sz="2800" b="1" dirty="0">
                 <a:latin typeface="Consolas" panose="020B0609020204030204" pitchFamily="49" charset="0"/>
                 <a:ea typeface="华文楷体" pitchFamily="2" charset="-122"/>
               </a:rPr>
@@ -32655,13 +30927,8 @@
           <a:p>
             <a:r>
               <a:rPr lang="zh-CN" altLang="en-US"/>
-              <a:t>面向对象程序设计</a:t>
-            </a:r>
-            <a:r>
-              <a:rPr lang="zh-CN" altLang="en-US" smtClean="0"/>
-              <a:t>：面向过程</a:t>
-            </a:r>
-            <a:endParaRPr lang="zh-CN" altLang="en-US"/>
+              <a:t>面向对象程序设计：面向过程</a:t>
+            </a:r>
           </a:p>
         </p:txBody>
       </p:sp>
@@ -32794,21 +31061,8 @@
                   <a:srgbClr val="C00000"/>
                 </a:solidFill>
               </a:rPr>
-              <a:t>数据安全不能</a:t>
-            </a:r>
-            <a:r>
-              <a:rPr lang="zh-CN" altLang="en-US" sz="3200" smtClean="0">
-                <a:solidFill>
-                  <a:srgbClr val="C00000"/>
-                </a:solidFill>
-              </a:rPr>
-              <a:t>保证</a:t>
-            </a:r>
-            <a:endParaRPr lang="zh-CN" altLang="en-US" sz="3200">
-              <a:solidFill>
-                <a:srgbClr val="C00000"/>
-              </a:solidFill>
-            </a:endParaRPr>
+              <a:t>数据安全不能保证</a:t>
+            </a:r>
           </a:p>
         </p:txBody>
       </p:sp>
@@ -32822,13 +31076,6 @@
   <p:clrMapOvr>
     <a:masterClrMapping/>
   </p:clrMapOvr>
-  <p:timing>
-    <p:tnLst>
-      <p:par>
-        <p:cTn id="1" dur="indefinite" restart="never" nodeType="tmRoot"/>
-      </p:par>
-    </p:tnLst>
-  </p:timing>
 </p:sld>
 </file>
 
@@ -32868,13 +31115,8 @@
           <a:p>
             <a:r>
               <a:rPr lang="zh-CN" altLang="en-US"/>
-              <a:t>面向对象程序设计</a:t>
-            </a:r>
-            <a:r>
-              <a:rPr lang="zh-CN" altLang="en-US" smtClean="0"/>
-              <a:t>：面向对象</a:t>
-            </a:r>
-            <a:endParaRPr lang="zh-CN" altLang="en-US"/>
+              <a:t>面向对象程序设计：面向对象</a:t>
+            </a:r>
           </a:p>
         </p:txBody>
       </p:sp>
@@ -32926,20 +31168,9 @@
                   </a:schemeClr>
                 </a:solidFill>
               </a:rPr>
-              <a:t>、概念</a:t>
-            </a:r>
-            <a:r>
-              <a:rPr lang="zh-CN" altLang="en-US" sz="3600" smtClean="0">
-                <a:solidFill>
-                  <a:schemeClr val="tx1">
-                    <a:lumMod val="75000"/>
-                    <a:lumOff val="25000"/>
-                  </a:schemeClr>
-                </a:solidFill>
-              </a:rPr>
-              <a:t>：</a:t>
-            </a:r>
-            <a:endParaRPr lang="en-US" altLang="zh-CN" sz="3600" smtClean="0">
+              <a:t>、概念：</a:t>
+            </a:r>
+            <a:endParaRPr lang="en-US" altLang="zh-CN" sz="3600">
               <a:solidFill>
                 <a:schemeClr val="tx1">
                   <a:lumMod val="75000"/>
@@ -32964,10 +31195,10 @@
                   </a:schemeClr>
                 </a:solidFill>
               </a:rPr>
-              <a:t> </a:t>
-            </a:r>
-            <a:r>
-              <a:rPr lang="en-US" altLang="zh-CN" sz="3600" smtClean="0">
+              <a:t>    </a:t>
+            </a:r>
+            <a:r>
+              <a:rPr lang="zh-CN" altLang="en-US" sz="3600">
                 <a:solidFill>
                   <a:schemeClr val="tx1">
                     <a:lumMod val="75000"/>
@@ -32975,10 +31206,18 @@
                   </a:schemeClr>
                 </a:solidFill>
               </a:rPr>
-              <a:t>   </a:t>
-            </a:r>
-            <a:r>
-              <a:rPr lang="zh-CN" altLang="en-US" sz="3600" smtClean="0">
+              <a:t>将数据及其操作</a:t>
+            </a:r>
+            <a:r>
+              <a:rPr lang="zh-CN" altLang="en-US" sz="3600">
+                <a:solidFill>
+                  <a:srgbClr val="C00000"/>
+                </a:solidFill>
+              </a:rPr>
+              <a:t>封装为类</a:t>
+            </a:r>
+            <a:r>
+              <a:rPr lang="zh-CN" altLang="en-US" sz="3600">
                 <a:solidFill>
                   <a:schemeClr val="tx1">
                     <a:lumMod val="75000"/>
@@ -32986,7 +31225,15 @@
                   </a:schemeClr>
                 </a:solidFill>
               </a:rPr>
-              <a:t>将</a:t>
+              <a:t>，以类的</a:t>
+            </a:r>
+            <a:r>
+              <a:rPr lang="zh-CN" altLang="en-US" sz="3600">
+                <a:solidFill>
+                  <a:srgbClr val="C00000"/>
+                </a:solidFill>
+              </a:rPr>
+              <a:t>对象</a:t>
             </a:r>
             <a:r>
               <a:rPr lang="zh-CN" altLang="en-US" sz="3600">
@@ -32997,7 +31244,7 @@
                   </a:schemeClr>
                 </a:solidFill>
               </a:rPr>
-              <a:t>数据及其操作</a:t>
+              <a:t>作为程序的</a:t>
             </a:r>
             <a:r>
               <a:rPr lang="zh-CN" altLang="en-US" sz="3600">
@@ -33005,7 +31252,7 @@
                   <a:srgbClr val="C00000"/>
                 </a:solidFill>
               </a:rPr>
-              <a:t>封装为类</a:t>
+              <a:t>基本元素</a:t>
             </a:r>
             <a:r>
               <a:rPr lang="zh-CN" altLang="en-US" sz="3600">
@@ -33016,7 +31263,7 @@
                   </a:schemeClr>
                 </a:solidFill>
               </a:rPr>
-              <a:t>，以类的</a:t>
+              <a:t>，通过对象发送</a:t>
             </a:r>
             <a:r>
               <a:rPr lang="zh-CN" altLang="en-US" sz="3600">
@@ -33024,7 +31271,7 @@
                   <a:srgbClr val="C00000"/>
                 </a:solidFill>
               </a:rPr>
-              <a:t>对象</a:t>
+              <a:t>消息</a:t>
             </a:r>
             <a:r>
               <a:rPr lang="zh-CN" altLang="en-US" sz="3600">
@@ -33035,65 +31282,8 @@
                   </a:schemeClr>
                 </a:solidFill>
               </a:rPr>
-              <a:t>作为程序的</a:t>
-            </a:r>
-            <a:r>
-              <a:rPr lang="zh-CN" altLang="en-US" sz="3600">
-                <a:solidFill>
-                  <a:srgbClr val="C00000"/>
-                </a:solidFill>
-              </a:rPr>
-              <a:t>基本元素</a:t>
-            </a:r>
-            <a:r>
-              <a:rPr lang="zh-CN" altLang="en-US" sz="3600">
-                <a:solidFill>
-                  <a:schemeClr val="tx1">
-                    <a:lumMod val="75000"/>
-                    <a:lumOff val="25000"/>
-                  </a:schemeClr>
-                </a:solidFill>
-              </a:rPr>
-              <a:t>，通过对象发送</a:t>
-            </a:r>
-            <a:r>
-              <a:rPr lang="zh-CN" altLang="en-US" sz="3600">
-                <a:solidFill>
-                  <a:srgbClr val="C00000"/>
-                </a:solidFill>
-              </a:rPr>
-              <a:t>消息</a:t>
-            </a:r>
-            <a:r>
-              <a:rPr lang="zh-CN" altLang="en-US" sz="3600">
-                <a:solidFill>
-                  <a:schemeClr val="tx1">
-                    <a:lumMod val="75000"/>
-                    <a:lumOff val="25000"/>
-                  </a:schemeClr>
-                </a:solidFill>
-              </a:rPr>
-              <a:t>，从而调用相应方法完成各种</a:t>
-            </a:r>
-            <a:r>
-              <a:rPr lang="zh-CN" altLang="en-US" sz="3600" smtClean="0">
-                <a:solidFill>
-                  <a:schemeClr val="tx1">
-                    <a:lumMod val="75000"/>
-                    <a:lumOff val="25000"/>
-                  </a:schemeClr>
-                </a:solidFill>
-              </a:rPr>
-              <a:t>功能</a:t>
-            </a:r>
-            <a:endParaRPr lang="zh-CN" altLang="en-US" sz="3600">
-              <a:solidFill>
-                <a:schemeClr val="tx1">
-                  <a:lumMod val="75000"/>
-                  <a:lumOff val="25000"/>
-                </a:schemeClr>
-              </a:solidFill>
-            </a:endParaRPr>
+              <a:t>，从而调用相应方法完成各种功能</a:t>
+            </a:r>
           </a:p>
         </p:txBody>
       </p:sp>
@@ -33107,13 +31297,6 @@
   <p:clrMapOvr>
     <a:masterClrMapping/>
   </p:clrMapOvr>
-  <p:timing>
-    <p:tnLst>
-      <p:par>
-        <p:cTn id="1" dur="indefinite" restart="never" nodeType="tmRoot"/>
-      </p:par>
-    </p:tnLst>
-  </p:timing>
 </p:sld>
 </file>
 
@@ -33153,13 +31336,8 @@
           <a:p>
             <a:r>
               <a:rPr lang="zh-CN" altLang="en-US"/>
-              <a:t>面向对象程序设计</a:t>
-            </a:r>
-            <a:r>
-              <a:rPr lang="zh-CN" altLang="en-US" smtClean="0"/>
-              <a:t>：面向对象</a:t>
-            </a:r>
-            <a:endParaRPr lang="zh-CN" altLang="en-US"/>
+              <a:t>面向对象程序设计：面向对象</a:t>
+            </a:r>
           </a:p>
         </p:txBody>
       </p:sp>
@@ -33443,7 +31621,7 @@
               <a:t>+ </a:t>
             </a:r>
             <a:r>
-              <a:rPr lang="zh-CN" altLang="en-US" sz="3600" smtClean="0">
+              <a:rPr lang="zh-CN" altLang="en-US" sz="3600">
                 <a:solidFill>
                   <a:schemeClr val="tx1">
                     <a:lumMod val="75000"/>
@@ -33454,7 +31632,7 @@
               <a:t>对象 </a:t>
             </a:r>
             <a:r>
-              <a:rPr lang="en-US" altLang="zh-CN" sz="3600" smtClean="0">
+              <a:rPr lang="en-US" altLang="zh-CN" sz="3600">
                 <a:solidFill>
                   <a:schemeClr val="tx1">
                     <a:lumMod val="75000"/>
@@ -33462,18 +31640,7 @@
                   </a:schemeClr>
                 </a:solidFill>
               </a:rPr>
-              <a:t>+ ... </a:t>
-            </a:r>
-            <a:r>
-              <a:rPr lang="en-US" altLang="zh-CN" sz="3600">
-                <a:solidFill>
-                  <a:schemeClr val="tx1">
-                    <a:lumMod val="75000"/>
-                    <a:lumOff val="25000"/>
-                  </a:schemeClr>
-                </a:solidFill>
-              </a:rPr>
-              <a:t>...</a:t>
+              <a:t>+ ... ...</a:t>
             </a:r>
             <a:endParaRPr lang="zh-CN" altLang="en-US" sz="3600" dirty="0">
               <a:solidFill>
@@ -33496,13 +31663,6 @@
   <p:clrMapOvr>
     <a:masterClrMapping/>
   </p:clrMapOvr>
-  <p:timing>
-    <p:tnLst>
-      <p:par>
-        <p:cTn id="1" dur="indefinite" restart="never" nodeType="tmRoot"/>
-      </p:par>
-    </p:tnLst>
-  </p:timing>
 </p:sld>
 </file>
 
@@ -33541,10 +31701,9 @@
           <a:lstStyle/>
           <a:p>
             <a:r>
-              <a:rPr lang="zh-CN" altLang="en-US" b="1" smtClean="0"/>
+              <a:rPr lang="zh-CN" altLang="en-US" b="1"/>
               <a:t>课程简介：课程地位</a:t>
             </a:r>
-            <a:endParaRPr lang="zh-CN" altLang="en-US" b="1"/>
           </a:p>
         </p:txBody>
       </p:sp>
@@ -35186,13 +33345,6 @@
   <p:clrMapOvr>
     <a:masterClrMapping/>
   </p:clrMapOvr>
-  <p:timing>
-    <p:tnLst>
-      <p:par>
-        <p:cTn id="1" dur="indefinite" restart="never" nodeType="tmRoot"/>
-      </p:par>
-    </p:tnLst>
-  </p:timing>
 </p:sld>
 </file>
 
@@ -35263,7 +33415,7 @@
             <a:lstStyle/>
             <a:p>
               <a:r>
-                <a:rPr lang="en-US" altLang="zh-CN" sz="2400" b="1" kern="0" smtClean="0">
+                <a:rPr lang="en-US" altLang="zh-CN" sz="2400" b="1" kern="0">
                   <a:solidFill>
                     <a:schemeClr val="tx1">
                       <a:lumMod val="65000"/>
@@ -35276,7 +33428,7 @@
                 <a:t>          </a:t>
               </a:r>
               <a:r>
-                <a:rPr lang="zh-CN" altLang="en-US" sz="2400" b="1" kern="0" smtClean="0">
+                <a:rPr lang="zh-CN" altLang="en-US" sz="2400" b="1" kern="0">
                   <a:solidFill>
                     <a:schemeClr val="tx1">
                       <a:lumMod val="65000"/>
@@ -35288,16 +33440,6 @@
                 </a:rPr>
                 <a:t>面向对象程序设计</a:t>
               </a:r>
-              <a:endParaRPr lang="zh-CN" altLang="en-US" sz="2400" b="1" kern="0">
-                <a:solidFill>
-                  <a:schemeClr val="tx1">
-                    <a:lumMod val="65000"/>
-                    <a:lumOff val="35000"/>
-                  </a:schemeClr>
-                </a:solidFill>
-                <a:latin typeface="微软雅黑" panose="020B0503020204020204" pitchFamily="34" charset="-122"/>
-                <a:ea typeface="微软雅黑" panose="020B0503020204020204" pitchFamily="34" charset="-122"/>
-              </a:endParaRPr>
             </a:p>
           </p:txBody>
         </p:sp>
@@ -35525,14 +33667,24 @@
             <a:lstStyle/>
             <a:p>
               <a:r>
-                <a:rPr lang="zh-CN" altLang="en-US" sz="2400" b="1" kern="0" smtClean="0">
+                <a:rPr lang="zh-CN" altLang="en-US" sz="2400" b="1" kern="0">
                   <a:solidFill>
                     <a:schemeClr val="bg1"/>
                   </a:solidFill>
                   <a:latin typeface="微软雅黑" panose="020B0503020204020204" pitchFamily="34" charset="-122"/>
                   <a:ea typeface="微软雅黑" panose="020B0503020204020204" pitchFamily="34" charset="-122"/>
                 </a:rPr>
-                <a:t>          </a:t>
+                <a:t>          第一个</a:t>
+              </a:r>
+              <a:r>
+                <a:rPr lang="en-US" altLang="zh-CN" sz="2400" b="1" kern="0">
+                  <a:solidFill>
+                    <a:schemeClr val="bg1"/>
+                  </a:solidFill>
+                  <a:latin typeface="微软雅黑" panose="020B0503020204020204" pitchFamily="34" charset="-122"/>
+                  <a:ea typeface="微软雅黑" panose="020B0503020204020204" pitchFamily="34" charset="-122"/>
+                </a:rPr>
+                <a:t>C++</a:t>
               </a:r>
               <a:r>
                 <a:rPr lang="zh-CN" altLang="en-US" sz="2400" b="1" kern="0">
@@ -35542,45 +33694,8 @@
                   <a:latin typeface="微软雅黑" panose="020B0503020204020204" pitchFamily="34" charset="-122"/>
                   <a:ea typeface="微软雅黑" panose="020B0503020204020204" pitchFamily="34" charset="-122"/>
                 </a:rPr>
-                <a:t>第一</a:t>
-              </a:r>
-              <a:r>
-                <a:rPr lang="zh-CN" altLang="en-US" sz="2400" b="1" kern="0" smtClean="0">
-                  <a:solidFill>
-                    <a:schemeClr val="bg1"/>
-                  </a:solidFill>
-                  <a:latin typeface="微软雅黑" panose="020B0503020204020204" pitchFamily="34" charset="-122"/>
-                  <a:ea typeface="微软雅黑" panose="020B0503020204020204" pitchFamily="34" charset="-122"/>
-                </a:rPr>
-                <a:t>个</a:t>
-              </a:r>
-              <a:r>
-                <a:rPr lang="en-US" altLang="zh-CN" sz="2400" b="1" kern="0" smtClean="0">
-                  <a:solidFill>
-                    <a:schemeClr val="bg1"/>
-                  </a:solidFill>
-                  <a:latin typeface="微软雅黑" panose="020B0503020204020204" pitchFamily="34" charset="-122"/>
-                  <a:ea typeface="微软雅黑" panose="020B0503020204020204" pitchFamily="34" charset="-122"/>
-                </a:rPr>
-                <a:t>C++</a:t>
-              </a:r>
-              <a:r>
-                <a:rPr lang="zh-CN" altLang="en-US" sz="2400" b="1" kern="0" smtClean="0">
-                  <a:solidFill>
-                    <a:schemeClr val="bg1"/>
-                  </a:solidFill>
-                  <a:latin typeface="微软雅黑" panose="020B0503020204020204" pitchFamily="34" charset="-122"/>
-                  <a:ea typeface="微软雅黑" panose="020B0503020204020204" pitchFamily="34" charset="-122"/>
-                </a:rPr>
                 <a:t>程序</a:t>
               </a:r>
-              <a:endParaRPr lang="zh-CN" altLang="en-US" sz="2400" b="1" kern="0">
-                <a:solidFill>
-                  <a:schemeClr val="bg1"/>
-                </a:solidFill>
-                <a:latin typeface="微软雅黑" panose="020B0503020204020204" pitchFamily="34" charset="-122"/>
-                <a:ea typeface="微软雅黑" panose="020B0503020204020204" pitchFamily="34" charset="-122"/>
-              </a:endParaRPr>
             </a:p>
           </p:txBody>
         </p:sp>
@@ -35804,7 +33919,7 @@
             <a:lstStyle/>
             <a:p>
               <a:r>
-                <a:rPr lang="en-US" altLang="zh-CN" sz="2400" b="1" kern="0" smtClean="0">
+                <a:rPr lang="en-US" altLang="zh-CN" sz="2400" b="1" kern="0">
                   <a:solidFill>
                     <a:schemeClr val="tx1">
                       <a:lumMod val="65000"/>
@@ -35817,7 +33932,7 @@
                 <a:t>          C</a:t>
               </a:r>
               <a:r>
-                <a:rPr lang="zh-CN" altLang="en-US" sz="2400" b="1" kern="0" smtClean="0">
+                <a:rPr lang="zh-CN" altLang="en-US" sz="2400" b="1" kern="0">
                   <a:solidFill>
                     <a:schemeClr val="tx1">
                       <a:lumMod val="65000"/>
@@ -35830,7 +33945,7 @@
                 <a:t>与</a:t>
               </a:r>
               <a:r>
-                <a:rPr lang="en-US" altLang="zh-CN" sz="2400" b="1" kern="0" smtClean="0">
+                <a:rPr lang="en-US" altLang="zh-CN" sz="2400" b="1" kern="0">
                   <a:solidFill>
                     <a:schemeClr val="tx1">
                       <a:lumMod val="65000"/>
@@ -35843,7 +33958,7 @@
                 <a:t>C++</a:t>
               </a:r>
               <a:r>
-                <a:rPr lang="zh-CN" altLang="en-US" sz="2400" b="1" kern="0" smtClean="0">
+                <a:rPr lang="zh-CN" altLang="en-US" sz="2400" b="1" kern="0">
                   <a:solidFill>
                     <a:schemeClr val="tx1">
                       <a:lumMod val="65000"/>
@@ -35855,16 +33970,6 @@
                 </a:rPr>
                 <a:t>的关系</a:t>
               </a:r>
-              <a:endParaRPr lang="zh-CN" altLang="en-US" sz="2400" b="1" kern="0">
-                <a:solidFill>
-                  <a:schemeClr val="tx1">
-                    <a:lumMod val="65000"/>
-                    <a:lumOff val="35000"/>
-                  </a:schemeClr>
-                </a:solidFill>
-                <a:latin typeface="微软雅黑" panose="020B0503020204020204" pitchFamily="34" charset="-122"/>
-                <a:ea typeface="微软雅黑" panose="020B0503020204020204" pitchFamily="34" charset="-122"/>
-              </a:endParaRPr>
             </a:p>
           </p:txBody>
         </p:sp>
@@ -36094,19 +34199,6 @@
             <a:lstStyle/>
             <a:p>
               <a:r>
-                <a:rPr lang="en-US" altLang="zh-CN" sz="2400" b="1" kern="0" smtClean="0">
-                  <a:solidFill>
-                    <a:schemeClr val="tx1">
-                      <a:lumMod val="65000"/>
-                      <a:lumOff val="35000"/>
-                    </a:schemeClr>
-                  </a:solidFill>
-                  <a:latin typeface="微软雅黑" panose="020B0503020204020204" pitchFamily="34" charset="-122"/>
-                  <a:ea typeface="微软雅黑" panose="020B0503020204020204" pitchFamily="34" charset="-122"/>
-                </a:rPr>
-                <a:t>          C</a:t>
-              </a:r>
-              <a:r>
                 <a:rPr lang="en-US" altLang="zh-CN" sz="2400" b="1" kern="0">
                   <a:solidFill>
                     <a:schemeClr val="tx1">
@@ -36117,7 +34209,7 @@
                   <a:latin typeface="微软雅黑" panose="020B0503020204020204" pitchFamily="34" charset="-122"/>
                   <a:ea typeface="微软雅黑" panose="020B0503020204020204" pitchFamily="34" charset="-122"/>
                 </a:rPr>
-                <a:t>++</a:t>
+                <a:t>          C++</a:t>
               </a:r>
               <a:r>
                 <a:rPr lang="zh-CN" altLang="en-US" sz="2400" b="1" kern="0">
@@ -36361,7 +34453,7 @@
             <a:lstStyle/>
             <a:p>
               <a:r>
-                <a:rPr lang="en-US" altLang="zh-CN" sz="2400" b="1" kern="0" smtClean="0">
+                <a:rPr lang="en-US" altLang="zh-CN" sz="2400" b="1" kern="0">
                   <a:solidFill>
                     <a:schemeClr val="tx1">
                       <a:lumMod val="65000"/>
@@ -36374,7 +34466,7 @@
                 <a:t>          </a:t>
               </a:r>
               <a:r>
-                <a:rPr lang="zh-CN" altLang="en-US" sz="2400" b="1" kern="0" smtClean="0">
+                <a:rPr lang="zh-CN" altLang="en-US" sz="2400" b="1" kern="0">
                   <a:solidFill>
                     <a:schemeClr val="tx1">
                       <a:lumMod val="65000"/>
@@ -36386,16 +34478,6 @@
                 </a:rPr>
                 <a:t>课程简介</a:t>
               </a:r>
-              <a:endParaRPr lang="zh-CN" altLang="en-US" sz="2400" b="1" kern="0">
-                <a:solidFill>
-                  <a:schemeClr val="tx1">
-                    <a:lumMod val="65000"/>
-                    <a:lumOff val="35000"/>
-                  </a:schemeClr>
-                </a:solidFill>
-                <a:latin typeface="微软雅黑" panose="020B0503020204020204" pitchFamily="34" charset="-122"/>
-                <a:ea typeface="微软雅黑" panose="020B0503020204020204" pitchFamily="34" charset="-122"/>
-              </a:endParaRPr>
             </a:p>
           </p:txBody>
         </p:sp>
@@ -36585,13 +34667,6 @@
   <p:clrMapOvr>
     <a:masterClrMapping/>
   </p:clrMapOvr>
-  <p:timing>
-    <p:tnLst>
-      <p:par>
-        <p:cTn id="1" dur="indefinite" restart="never" nodeType="tmRoot"/>
-      </p:par>
-    </p:tnLst>
-  </p:timing>
 </p:sld>
 </file>
 
@@ -36676,7 +34751,7 @@
               <a:buNone/>
             </a:pPr>
             <a:r>
-              <a:rPr lang="en-US" altLang="zh-CN" sz="2800" smtClean="0">
+              <a:rPr lang="en-US" altLang="zh-CN" sz="2800">
                 <a:solidFill>
                   <a:schemeClr val="tx1">
                     <a:lumMod val="75000"/>
@@ -36687,7 +34762,7 @@
               <a:t>C++IDE</a:t>
             </a:r>
             <a:r>
-              <a:rPr lang="zh-CN" altLang="en-US" sz="2800" smtClean="0">
+              <a:rPr lang="zh-CN" altLang="en-US" sz="2800">
                 <a:solidFill>
                   <a:schemeClr val="tx1">
                     <a:lumMod val="75000"/>
@@ -38079,7 +36154,7 @@
               <a:buNone/>
             </a:pPr>
             <a:r>
-              <a:rPr lang="en-US" altLang="zh-CN" sz="2800" smtClean="0">
+              <a:rPr lang="en-US" altLang="zh-CN" sz="2800">
                 <a:solidFill>
                   <a:schemeClr val="tx1">
                     <a:lumMod val="75000"/>
@@ -38090,7 +36165,7 @@
               <a:t>C++</a:t>
             </a:r>
             <a:r>
-              <a:rPr lang="zh-CN" altLang="en-US" sz="2800" smtClean="0">
+              <a:rPr lang="zh-CN" altLang="en-US" sz="2800">
                 <a:solidFill>
                   <a:schemeClr val="tx1">
                     <a:lumMod val="75000"/>
@@ -38118,13 +36193,6 @@
   <p:clrMapOvr>
     <a:masterClrMapping/>
   </p:clrMapOvr>
-  <p:timing>
-    <p:tnLst>
-      <p:par>
-        <p:cTn id="1" dur="indefinite" restart="never" nodeType="tmRoot"/>
-      </p:par>
-    </p:tnLst>
-  </p:timing>
 </p:sld>
 </file>
 
@@ -38279,7 +36347,7 @@
               <a:t>&gt;   </a:t>
             </a:r>
             <a:r>
-              <a:rPr lang="en-US" altLang="zh-CN" sz="2800" b="1" smtClean="0">
+              <a:rPr lang="en-US" altLang="zh-CN" sz="2800" b="1">
                 <a:solidFill>
                   <a:srgbClr val="00B050"/>
                 </a:solidFill>
@@ -38290,7 +36358,7 @@
               <a:t>// </a:t>
             </a:r>
             <a:r>
-              <a:rPr lang="zh-CN" altLang="en-US" sz="2800" b="1" smtClean="0">
+              <a:rPr lang="zh-CN" altLang="en-US" sz="2800" b="1">
                 <a:solidFill>
                   <a:srgbClr val="00B050"/>
                 </a:solidFill>
@@ -38353,7 +36421,7 @@
               <a:t>;  </a:t>
             </a:r>
             <a:r>
-              <a:rPr lang="en-US" altLang="zh-CN" sz="2800" b="1" smtClean="0">
+              <a:rPr lang="en-US" altLang="zh-CN" sz="2800" b="1">
                 <a:solidFill>
                   <a:srgbClr val="00B050"/>
                 </a:solidFill>
@@ -38364,7 +36432,7 @@
               <a:t>// </a:t>
             </a:r>
             <a:r>
-              <a:rPr lang="zh-CN" altLang="en-US" sz="2800" b="1" smtClean="0">
+              <a:rPr lang="zh-CN" altLang="en-US" sz="2800" b="1">
                 <a:solidFill>
                   <a:srgbClr val="00B050"/>
                 </a:solidFill>
@@ -38398,50 +36466,6 @@
             <a:pPr>
               <a:defRPr/>
             </a:pPr>
-            <a:endParaRPr lang="en-US" altLang="zh-CN" sz="2800" b="1" dirty="0" smtClean="0">
-              <a:solidFill>
-                <a:schemeClr val="tx1">
-                  <a:lumMod val="75000"/>
-                  <a:lumOff val="25000"/>
-                </a:schemeClr>
-              </a:solidFill>
-              <a:latin typeface="Consolas" panose="020B0609020204030204" pitchFamily="49" charset="0"/>
-              <a:ea typeface="华文楷体" pitchFamily="2" charset="-122"/>
-              <a:cs typeface="Courier New" pitchFamily="49" charset="0"/>
-            </a:endParaRPr>
-          </a:p>
-          <a:p>
-            <a:pPr>
-              <a:defRPr/>
-            </a:pPr>
-            <a:r>
-              <a:rPr lang="en-US" altLang="zh-CN" sz="2800" b="1" err="1" smtClean="0">
-                <a:solidFill>
-                  <a:schemeClr val="tx1">
-                    <a:lumMod val="75000"/>
-                    <a:lumOff val="25000"/>
-                  </a:schemeClr>
-                </a:solidFill>
-                <a:latin typeface="Consolas" panose="020B0609020204030204" pitchFamily="49" charset="0"/>
-                <a:ea typeface="华文楷体" pitchFamily="2" charset="-122"/>
-                <a:cs typeface="Courier New" pitchFamily="49" charset="0"/>
-              </a:rPr>
-              <a:t>int</a:t>
-            </a:r>
-            <a:r>
-              <a:rPr lang="en-US" altLang="zh-CN" sz="2800" b="1" smtClean="0">
-                <a:solidFill>
-                  <a:schemeClr val="tx1">
-                    <a:lumMod val="75000"/>
-                    <a:lumOff val="25000"/>
-                  </a:schemeClr>
-                </a:solidFill>
-                <a:latin typeface="Consolas" panose="020B0609020204030204" pitchFamily="49" charset="0"/>
-                <a:ea typeface="华文楷体" pitchFamily="2" charset="-122"/>
-                <a:cs typeface="Courier New" pitchFamily="49" charset="0"/>
-              </a:rPr>
-              <a:t> main(void)</a:t>
-            </a:r>
             <a:endParaRPr lang="en-US" altLang="zh-CN" sz="2800" b="1" dirty="0">
               <a:solidFill>
                 <a:schemeClr val="tx1">
@@ -38459,7 +36483,7 @@
               <a:defRPr/>
             </a:pPr>
             <a:r>
-              <a:rPr lang="en-US" altLang="zh-CN" sz="2800" b="1" dirty="0">
+              <a:rPr lang="en-US" altLang="zh-CN" sz="2800" b="1" err="1">
                 <a:solidFill>
                   <a:schemeClr val="tx1">
                     <a:lumMod val="75000"/>
@@ -38470,15 +36494,10 @@
                 <a:ea typeface="华文楷体" pitchFamily="2" charset="-122"/>
                 <a:cs typeface="Courier New" pitchFamily="49" charset="0"/>
               </a:rPr>
-              <a:t>{</a:t>
-            </a:r>
-          </a:p>
-          <a:p>
-            <a:pPr>
-              <a:defRPr/>
-            </a:pPr>
-            <a:r>
-              <a:rPr lang="en-US" altLang="zh-CN" sz="2800" b="1" dirty="0" smtClean="0">
+              <a:t>int</a:t>
+            </a:r>
+            <a:r>
+              <a:rPr lang="en-US" altLang="zh-CN" sz="2800" b="1">
                 <a:solidFill>
                   <a:schemeClr val="tx1">
                     <a:lumMod val="75000"/>
@@ -38489,98 +36508,9 @@
                 <a:ea typeface="华文楷体" pitchFamily="2" charset="-122"/>
                 <a:cs typeface="Courier New" pitchFamily="49" charset="0"/>
               </a:rPr>
-              <a:t>    </a:t>
-            </a:r>
-            <a:r>
-              <a:rPr lang="en-US" altLang="zh-CN" sz="2800" b="1" dirty="0" err="1" smtClean="0">
-                <a:solidFill>
-                  <a:schemeClr val="tx1">
-                    <a:lumMod val="75000"/>
-                    <a:lumOff val="25000"/>
-                  </a:schemeClr>
-                </a:solidFill>
-                <a:latin typeface="Consolas" panose="020B0609020204030204" pitchFamily="49" charset="0"/>
-                <a:ea typeface="华文楷体" pitchFamily="2" charset="-122"/>
-                <a:cs typeface="Courier New" pitchFamily="49" charset="0"/>
-              </a:rPr>
-              <a:t>cout</a:t>
-            </a:r>
-            <a:r>
-              <a:rPr lang="en-US" altLang="zh-CN" sz="2800" b="1" dirty="0" smtClean="0">
-                <a:solidFill>
-                  <a:schemeClr val="tx1">
-                    <a:lumMod val="75000"/>
-                    <a:lumOff val="25000"/>
-                  </a:schemeClr>
-                </a:solidFill>
-                <a:latin typeface="Consolas" panose="020B0609020204030204" pitchFamily="49" charset="0"/>
-                <a:ea typeface="华文楷体" pitchFamily="2" charset="-122"/>
-                <a:cs typeface="Courier New" pitchFamily="49" charset="0"/>
-              </a:rPr>
-              <a:t> </a:t>
-            </a:r>
-            <a:r>
-              <a:rPr lang="en-US" altLang="zh-CN" sz="2800" b="1" dirty="0">
-                <a:solidFill>
-                  <a:schemeClr val="tx1">
-                    <a:lumMod val="75000"/>
-                    <a:lumOff val="25000"/>
-                  </a:schemeClr>
-                </a:solidFill>
-                <a:latin typeface="Consolas" panose="020B0609020204030204" pitchFamily="49" charset="0"/>
-                <a:ea typeface="华文楷体" pitchFamily="2" charset="-122"/>
-                <a:cs typeface="Courier New" pitchFamily="49" charset="0"/>
-              </a:rPr>
-              <a:t>&lt;&lt; "Hello world!"  &lt;&lt; </a:t>
-            </a:r>
-            <a:r>
-              <a:rPr lang="en-US" altLang="zh-CN" sz="2800" b="1" dirty="0" err="1">
-                <a:solidFill>
-                  <a:schemeClr val="tx1">
-                    <a:lumMod val="75000"/>
-                    <a:lumOff val="25000"/>
-                  </a:schemeClr>
-                </a:solidFill>
-                <a:latin typeface="Consolas" panose="020B0609020204030204" pitchFamily="49" charset="0"/>
-                <a:ea typeface="华文楷体" pitchFamily="2" charset="-122"/>
-                <a:cs typeface="Courier New" pitchFamily="49" charset="0"/>
-              </a:rPr>
-              <a:t>endl</a:t>
-            </a:r>
-            <a:r>
-              <a:rPr lang="en-US" altLang="zh-CN" sz="2800" b="1" dirty="0">
-                <a:solidFill>
-                  <a:schemeClr val="tx1">
-                    <a:lumMod val="75000"/>
-                    <a:lumOff val="25000"/>
-                  </a:schemeClr>
-                </a:solidFill>
-                <a:latin typeface="Consolas" panose="020B0609020204030204" pitchFamily="49" charset="0"/>
-                <a:ea typeface="华文楷体" pitchFamily="2" charset="-122"/>
-                <a:cs typeface="Courier New" pitchFamily="49" charset="0"/>
-              </a:rPr>
-              <a:t>;</a:t>
-            </a:r>
-          </a:p>
-          <a:p>
-            <a:pPr>
-              <a:defRPr/>
-            </a:pPr>
-            <a:r>
-              <a:rPr lang="en-US" altLang="zh-CN" sz="2800" b="1" dirty="0">
-                <a:solidFill>
-                  <a:schemeClr val="tx1">
-                    <a:lumMod val="75000"/>
-                    <a:lumOff val="25000"/>
-                  </a:schemeClr>
-                </a:solidFill>
-                <a:latin typeface="Consolas" panose="020B0609020204030204" pitchFamily="49" charset="0"/>
-                <a:ea typeface="华文楷体" pitchFamily="2" charset="-122"/>
-                <a:cs typeface="Courier New" pitchFamily="49" charset="0"/>
-              </a:rPr>
-              <a:t>    </a:t>
-            </a:r>
-            <a:endParaRPr lang="en-US" altLang="zh-CN" sz="2800" b="1" dirty="0" smtClean="0">
+              <a:t> main(void)</a:t>
+            </a:r>
+            <a:endParaRPr lang="en-US" altLang="zh-CN" sz="2800" b="1" dirty="0">
               <a:solidFill>
                 <a:schemeClr val="tx1">
                   <a:lumMod val="75000"/>
@@ -38597,7 +36527,7 @@
               <a:defRPr/>
             </a:pPr>
             <a:r>
-              <a:rPr lang="en-US" altLang="zh-CN" sz="2800" b="1" smtClean="0">
+              <a:rPr lang="en-US" altLang="zh-CN" sz="2800" b="1" dirty="0">
                 <a:solidFill>
                   <a:schemeClr val="tx1">
                     <a:lumMod val="75000"/>
@@ -38608,10 +36538,15 @@
                 <a:ea typeface="华文楷体" pitchFamily="2" charset="-122"/>
                 <a:cs typeface="Courier New" pitchFamily="49" charset="0"/>
               </a:rPr>
-              <a:t>    return </a:t>
-            </a:r>
-            <a:r>
-              <a:rPr lang="en-US" altLang="zh-CN" sz="2800" b="1">
+              <a:t>{</a:t>
+            </a:r>
+          </a:p>
+          <a:p>
+            <a:pPr>
+              <a:defRPr/>
+            </a:pPr>
+            <a:r>
+              <a:rPr lang="en-US" altLang="zh-CN" sz="2800" b="1" dirty="0">
                 <a:solidFill>
                   <a:schemeClr val="tx1">
                     <a:lumMod val="75000"/>
@@ -38622,10 +36557,10 @@
                 <a:ea typeface="华文楷体" pitchFamily="2" charset="-122"/>
                 <a:cs typeface="Courier New" pitchFamily="49" charset="0"/>
               </a:rPr>
-              <a:t>0</a:t>
-            </a:r>
-            <a:r>
-              <a:rPr lang="en-US" altLang="zh-CN" sz="2800" b="1" smtClean="0">
+              <a:t>    </a:t>
+            </a:r>
+            <a:r>
+              <a:rPr lang="en-US" altLang="zh-CN" sz="2800" b="1" dirty="0" err="1">
                 <a:solidFill>
                   <a:schemeClr val="tx1">
                     <a:lumMod val="75000"/>
@@ -38636,7 +36571,87 @@
                 <a:ea typeface="华文楷体" pitchFamily="2" charset="-122"/>
                 <a:cs typeface="Courier New" pitchFamily="49" charset="0"/>
               </a:rPr>
+              <a:t>cout</a:t>
+            </a:r>
+            <a:r>
+              <a:rPr lang="en-US" altLang="zh-CN" sz="2800" b="1" dirty="0">
+                <a:solidFill>
+                  <a:schemeClr val="tx1">
+                    <a:lumMod val="75000"/>
+                    <a:lumOff val="25000"/>
+                  </a:schemeClr>
+                </a:solidFill>
+                <a:latin typeface="Consolas" panose="020B0609020204030204" pitchFamily="49" charset="0"/>
+                <a:ea typeface="华文楷体" pitchFamily="2" charset="-122"/>
+                <a:cs typeface="Courier New" pitchFamily="49" charset="0"/>
+              </a:rPr>
+              <a:t> &lt;&lt; "Hello world!"  &lt;&lt; </a:t>
+            </a:r>
+            <a:r>
+              <a:rPr lang="en-US" altLang="zh-CN" sz="2800" b="1" dirty="0" err="1">
+                <a:solidFill>
+                  <a:schemeClr val="tx1">
+                    <a:lumMod val="75000"/>
+                    <a:lumOff val="25000"/>
+                  </a:schemeClr>
+                </a:solidFill>
+                <a:latin typeface="Consolas" panose="020B0609020204030204" pitchFamily="49" charset="0"/>
+                <a:ea typeface="华文楷体" pitchFamily="2" charset="-122"/>
+                <a:cs typeface="Courier New" pitchFamily="49" charset="0"/>
+              </a:rPr>
+              <a:t>endl</a:t>
+            </a:r>
+            <a:r>
+              <a:rPr lang="en-US" altLang="zh-CN" sz="2800" b="1" dirty="0">
+                <a:solidFill>
+                  <a:schemeClr val="tx1">
+                    <a:lumMod val="75000"/>
+                    <a:lumOff val="25000"/>
+                  </a:schemeClr>
+                </a:solidFill>
+                <a:latin typeface="Consolas" panose="020B0609020204030204" pitchFamily="49" charset="0"/>
+                <a:ea typeface="华文楷体" pitchFamily="2" charset="-122"/>
+                <a:cs typeface="Courier New" pitchFamily="49" charset="0"/>
+              </a:rPr>
               <a:t>;</a:t>
+            </a:r>
+          </a:p>
+          <a:p>
+            <a:pPr>
+              <a:defRPr/>
+            </a:pPr>
+            <a:r>
+              <a:rPr lang="en-US" altLang="zh-CN" sz="2800" b="1" dirty="0">
+                <a:solidFill>
+                  <a:schemeClr val="tx1">
+                    <a:lumMod val="75000"/>
+                    <a:lumOff val="25000"/>
+                  </a:schemeClr>
+                </a:solidFill>
+                <a:latin typeface="Consolas" panose="020B0609020204030204" pitchFamily="49" charset="0"/>
+                <a:ea typeface="华文楷体" pitchFamily="2" charset="-122"/>
+                <a:cs typeface="Courier New" pitchFamily="49" charset="0"/>
+              </a:rPr>
+              <a:t>    </a:t>
+            </a:r>
+          </a:p>
+          <a:p>
+            <a:pPr>
+              <a:defRPr/>
+            </a:pPr>
+            <a:r>
+              <a:rPr lang="en-US" altLang="zh-CN" sz="2800" b="1">
+                <a:solidFill>
+                  <a:schemeClr val="tx1">
+                    <a:lumMod val="75000"/>
+                    <a:lumOff val="25000"/>
+                  </a:schemeClr>
+                </a:solidFill>
+                <a:latin typeface="Consolas" panose="020B0609020204030204" pitchFamily="49" charset="0"/>
+                <a:ea typeface="华文楷体" pitchFamily="2" charset="-122"/>
+                <a:cs typeface="Courier New" pitchFamily="49" charset="0"/>
+              </a:rPr>
+              <a:t>    return 0;</a:t>
             </a:r>
             <a:endParaRPr lang="en-US" altLang="zh-CN" sz="2800" b="1" dirty="0">
               <a:solidFill>
@@ -38678,13 +36693,6 @@
   <p:clrMapOvr>
     <a:masterClrMapping/>
   </p:clrMapOvr>
-  <p:timing>
-    <p:tnLst>
-      <p:par>
-        <p:cTn id="1" dur="indefinite" restart="never" nodeType="tmRoot"/>
-      </p:par>
-    </p:tnLst>
-  </p:timing>
 </p:sld>
 </file>
 
@@ -40371,16 +38379,6 @@
                 </a:rPr>
                 <a:t>库文件</a:t>
               </a:r>
-              <a:r>
-                <a:rPr lang="en-US" altLang="zh-CN" dirty="0">
-                  <a:solidFill>
-                    <a:schemeClr val="tx1"/>
-                  </a:solidFill>
-                  <a:latin typeface="微软雅黑" panose="020B0503020204020204" pitchFamily="34" charset="-122"/>
-                  <a:ea typeface="微软雅黑" panose="020B0503020204020204" pitchFamily="34" charset="-122"/>
-                </a:rPr>
-                <a:t/>
-              </a:r>
               <a:br>
                 <a:rPr lang="en-US" altLang="zh-CN" dirty="0">
                   <a:solidFill>
@@ -40570,13 +38568,6 @@
   <p:clrMapOvr>
     <a:masterClrMapping/>
   </p:clrMapOvr>
-  <p:timing>
-    <p:tnLst>
-      <p:par>
-        <p:cTn id="1" dur="indefinite" restart="never" nodeType="tmRoot"/>
-      </p:par>
-    </p:tnLst>
-  </p:timing>
 </p:sld>
 </file>
 
@@ -40786,7 +38777,7 @@
               <a:t>安装</a:t>
             </a:r>
             <a:r>
-              <a:rPr lang="en-US" altLang="zh-CN" sz="3000" smtClean="0">
+              <a:rPr lang="en-US" altLang="zh-CN" sz="3000">
                 <a:solidFill>
                   <a:schemeClr val="tx1">
                     <a:lumMod val="75000"/>
@@ -40797,7 +38788,7 @@
               <a:t>VS</a:t>
             </a:r>
             <a:r>
-              <a:rPr lang="zh-CN" altLang="en-US" sz="3000" smtClean="0">
+              <a:rPr lang="zh-CN" altLang="en-US" sz="3000">
                 <a:solidFill>
                   <a:schemeClr val="tx1">
                     <a:lumMod val="75000"/>
@@ -40807,14 +38798,6 @@
               </a:rPr>
               <a:t>集成开发环境</a:t>
             </a:r>
-            <a:endParaRPr lang="zh-CN" altLang="en-US" sz="3000">
-              <a:solidFill>
-                <a:schemeClr val="tx1">
-                  <a:lumMod val="75000"/>
-                  <a:lumOff val="25000"/>
-                </a:schemeClr>
-              </a:solidFill>
-            </a:endParaRPr>
           </a:p>
         </p:txBody>
       </p:sp>
@@ -40828,13 +38811,6 @@
   <p:clrMapOvr>
     <a:masterClrMapping/>
   </p:clrMapOvr>
-  <p:timing>
-    <p:tnLst>
-      <p:par>
-        <p:cTn id="1" dur="indefinite" restart="never" nodeType="tmRoot"/>
-      </p:par>
-    </p:tnLst>
-  </p:timing>
 </p:sld>
 </file>
 
@@ -40865,13 +38841,6 @@
   <p:clrMapOvr>
     <a:masterClrMapping/>
   </p:clrMapOvr>
-  <p:timing>
-    <p:tnLst>
-      <p:par>
-        <p:cTn id="1" dur="indefinite" restart="never" nodeType="tmRoot"/>
-      </p:par>
-    </p:tnLst>
-  </p:timing>
 </p:sld>
 </file>
 
@@ -41128,7 +39097,7 @@
               <a:buNone/>
             </a:pPr>
             <a:r>
-              <a:rPr lang="zh-CN" altLang="en-US" sz="3200" smtClean="0">
+              <a:rPr lang="zh-CN" altLang="en-US" sz="3200">
                 <a:solidFill>
                   <a:schemeClr val="tx1">
                     <a:lumMod val="75000"/>
@@ -41140,7 +39109,7 @@
               </a:rPr>
               <a:t>参考资料：</a:t>
             </a:r>
-            <a:endParaRPr lang="en-US" altLang="zh-CN" sz="3200" smtClean="0">
+            <a:endParaRPr lang="en-US" altLang="zh-CN" sz="3200">
               <a:solidFill>
                 <a:schemeClr val="tx1">
                   <a:lumMod val="75000"/>
@@ -41164,7 +39133,7 @@
               <a:buChar char="Ø"/>
             </a:pPr>
             <a:r>
-              <a:rPr lang="en-US" altLang="zh-CN" sz="2800" smtClean="0">
+              <a:rPr lang="en-US" altLang="zh-CN" sz="2800">
                 <a:solidFill>
                   <a:schemeClr val="tx1">
                     <a:lumMod val="75000"/>
@@ -41212,7 +39181,7 @@
               <a:buFont typeface="Wingdings" panose="05000000000000000000" pitchFamily="2" charset="2"/>
               <a:buChar char="Ø"/>
             </a:pPr>
-            <a:endParaRPr lang="en-US" altLang="zh-CN" sz="2800" smtClean="0">
+            <a:endParaRPr lang="en-US" altLang="zh-CN" sz="2800">
               <a:solidFill>
                 <a:schemeClr val="tx1">
                   <a:lumMod val="75000"/>
@@ -41236,7 +39205,7 @@
               <a:buChar char="Ø"/>
             </a:pPr>
             <a:r>
-              <a:rPr lang="en-US" altLang="zh-CN" sz="2800" smtClean="0">
+              <a:rPr lang="en-US" altLang="zh-CN" sz="2800">
                 <a:solidFill>
                   <a:schemeClr val="tx1">
                     <a:lumMod val="75000"/>
@@ -41249,7 +39218,7 @@
               <a:t>C++</a:t>
             </a:r>
             <a:r>
-              <a:rPr lang="zh-CN" altLang="en-US" sz="2800" smtClean="0">
+              <a:rPr lang="zh-CN" altLang="en-US" sz="2800">
                 <a:solidFill>
                   <a:schemeClr val="tx1">
                     <a:lumMod val="75000"/>
@@ -41261,7 +39230,7 @@
               </a:rPr>
               <a:t>程序设计语言</a:t>
             </a:r>
-            <a:endParaRPr lang="en-US" altLang="zh-CN" sz="2800" smtClean="0">
+            <a:endParaRPr lang="en-US" altLang="zh-CN" sz="2800">
               <a:solidFill>
                 <a:schemeClr val="tx1">
                   <a:lumMod val="75000"/>
@@ -41306,7 +39275,7 @@
               <a:buSzPct val="100000"/>
               <a:buNone/>
             </a:pPr>
-            <a:endParaRPr lang="en-US" altLang="zh-CN" sz="2800" smtClean="0">
+            <a:endParaRPr lang="en-US" altLang="zh-CN" sz="2800">
               <a:solidFill>
                 <a:schemeClr val="tx1">
                   <a:lumMod val="75000"/>
@@ -41330,7 +39299,7 @@
               <a:buChar char="Ø"/>
             </a:pPr>
             <a:r>
-              <a:rPr lang="en-US" altLang="zh-CN" sz="2800" smtClean="0">
+              <a:rPr lang="en-US" altLang="zh-CN" sz="2800">
                 <a:solidFill>
                   <a:schemeClr val="tx1">
                     <a:lumMod val="75000"/>
@@ -41342,7 +39311,7 @@
               </a:rPr>
               <a:t>Effective C++</a:t>
             </a:r>
-            <a:endParaRPr lang="en-US" altLang="zh-CN" sz="2800" dirty="0" smtClean="0">
+            <a:endParaRPr lang="en-US" altLang="zh-CN" sz="2800" dirty="0">
               <a:solidFill>
                 <a:schemeClr val="tx1">
                   <a:lumMod val="75000"/>
@@ -41373,10 +39342,9 @@
           <a:lstStyle/>
           <a:p>
             <a:r>
-              <a:rPr lang="zh-CN" altLang="en-US" smtClean="0"/>
+              <a:rPr lang="zh-CN" altLang="en-US"/>
               <a:t>课程简介：参考书籍</a:t>
             </a:r>
-            <a:endParaRPr lang="zh-CN" altLang="en-US"/>
           </a:p>
         </p:txBody>
       </p:sp>
@@ -41781,7 +39749,7 @@
               <a:buNone/>
             </a:pPr>
             <a:r>
-              <a:rPr lang="zh-CN" altLang="en-US" sz="3200" smtClean="0">
+              <a:rPr lang="zh-CN" altLang="en-US" sz="3200">
                 <a:solidFill>
                   <a:schemeClr val="tx1">
                     <a:lumMod val="75000"/>
@@ -41793,7 +39761,7 @@
               </a:rPr>
               <a:t>课程教材：</a:t>
             </a:r>
-            <a:endParaRPr lang="en-US" altLang="zh-CN" sz="3200" smtClean="0">
+            <a:endParaRPr lang="en-US" altLang="zh-CN" sz="3200">
               <a:solidFill>
                 <a:schemeClr val="tx1">
                   <a:lumMod val="75000"/>
@@ -41816,13 +39784,6 @@
   <p:clrMapOvr>
     <a:masterClrMapping/>
   </p:clrMapOvr>
-  <p:timing>
-    <p:tnLst>
-      <p:par>
-        <p:cTn id="1" dur="indefinite" restart="never" nodeType="tmRoot"/>
-      </p:par>
-    </p:tnLst>
-  </p:timing>
 </p:sld>
 </file>
 
@@ -42017,7 +39978,7 @@
                 </a:spcAft>
               </a:pPr>
               <a:r>
-                <a:rPr lang="zh-CN" altLang="en-US" sz="1600" b="1" kern="1200" dirty="0" smtClean="0">
+                <a:rPr lang="zh-CN" altLang="en-US" sz="1600" b="1" kern="1200" dirty="0">
                   <a:solidFill>
                     <a:schemeClr val="tx1">
                       <a:lumMod val="75000"/>
@@ -42029,16 +39990,6 @@
                 </a:rPr>
                 <a:t>引入</a:t>
               </a:r>
-              <a:endParaRPr lang="zh-CN" altLang="en-US" sz="1600" b="1" kern="1200" dirty="0">
-                <a:solidFill>
-                  <a:schemeClr val="tx1">
-                    <a:lumMod val="75000"/>
-                    <a:lumOff val="25000"/>
-                  </a:schemeClr>
-                </a:solidFill>
-                <a:latin typeface="微软雅黑" panose="020B0503020204020204" pitchFamily="34" charset="-122"/>
-                <a:ea typeface="微软雅黑" panose="020B0503020204020204" pitchFamily="34" charset="-122"/>
-              </a:endParaRPr>
             </a:p>
           </p:txBody>
         </p:sp>
@@ -42199,7 +40150,7 @@
                 <a:buChar char="••"/>
               </a:pPr>
               <a:r>
-                <a:rPr lang="zh-CN" altLang="en-US" sz="2400" kern="1200" dirty="0" smtClean="0">
+                <a:rPr lang="zh-CN" altLang="en-US" sz="2400" kern="1200" dirty="0">
                   <a:solidFill>
                     <a:schemeClr val="tx1">
                       <a:lumMod val="75000"/>
@@ -42212,7 +40163,7 @@
                 <a:t>面向对象编程基本概念、新的</a:t>
               </a:r>
               <a:r>
-                <a:rPr lang="en-US" altLang="en-US" sz="2400" kern="1200" dirty="0" smtClean="0">
+                <a:rPr lang="en-US" altLang="en-US" sz="2400" kern="1200" dirty="0">
                   <a:solidFill>
                     <a:schemeClr val="tx1">
                       <a:lumMod val="75000"/>
@@ -42225,7 +40176,7 @@
                 <a:t>IO</a:t>
               </a:r>
               <a:r>
-                <a:rPr lang="zh-CN" altLang="en-US" sz="2400" kern="1200" dirty="0" smtClean="0">
+                <a:rPr lang="zh-CN" altLang="en-US" sz="2400" kern="1200" dirty="0">
                   <a:solidFill>
                     <a:schemeClr val="tx1">
                       <a:lumMod val="75000"/>
@@ -42237,16 +40188,6 @@
                 </a:rPr>
                 <a:t>、函数、引用</a:t>
               </a:r>
-              <a:endParaRPr lang="zh-CN" altLang="en-US" sz="2400" kern="1200" dirty="0">
-                <a:solidFill>
-                  <a:schemeClr val="tx1">
-                    <a:lumMod val="75000"/>
-                    <a:lumOff val="25000"/>
-                  </a:schemeClr>
-                </a:solidFill>
-                <a:latin typeface="微软雅黑" panose="020B0503020204020204" pitchFamily="34" charset="-122"/>
-                <a:ea typeface="微软雅黑" panose="020B0503020204020204" pitchFamily="34" charset="-122"/>
-              </a:endParaRPr>
             </a:p>
           </p:txBody>
         </p:sp>
@@ -42379,7 +40320,7 @@
                 </a:spcAft>
               </a:pPr>
               <a:r>
-                <a:rPr lang="zh-CN" altLang="en-US" sz="1600" b="1" kern="1200" dirty="0" smtClean="0">
+                <a:rPr lang="zh-CN" altLang="en-US" sz="1600" b="1" kern="1200" dirty="0">
                   <a:solidFill>
                     <a:schemeClr val="tx1">
                       <a:lumMod val="75000"/>
@@ -42391,16 +40332,6 @@
                 </a:rPr>
                 <a:t>抽象机制</a:t>
               </a:r>
-              <a:endParaRPr lang="zh-CN" altLang="en-US" sz="1600" b="1" kern="1200" dirty="0">
-                <a:solidFill>
-                  <a:schemeClr val="tx1">
-                    <a:lumMod val="75000"/>
-                    <a:lumOff val="25000"/>
-                  </a:schemeClr>
-                </a:solidFill>
-                <a:latin typeface="微软雅黑" panose="020B0503020204020204" pitchFamily="34" charset="-122"/>
-                <a:ea typeface="微软雅黑" panose="020B0503020204020204" pitchFamily="34" charset="-122"/>
-              </a:endParaRPr>
             </a:p>
           </p:txBody>
         </p:sp>
@@ -42561,7 +40492,7 @@
                 <a:buChar char="••"/>
               </a:pPr>
               <a:r>
-                <a:rPr lang="zh-CN" altLang="en-US" sz="2400" b="1" kern="1200" dirty="0" smtClean="0">
+                <a:rPr lang="zh-CN" altLang="en-US" sz="2400" b="1" kern="1200" dirty="0">
                   <a:solidFill>
                     <a:srgbClr val="C00000"/>
                   </a:solidFill>
@@ -42570,13 +40501,6 @@
                 </a:rPr>
                 <a:t>类、继承、多态</a:t>
               </a:r>
-              <a:endParaRPr lang="zh-CN" altLang="en-US" sz="2400" b="1" kern="1200" dirty="0">
-                <a:solidFill>
-                  <a:srgbClr val="C00000"/>
-                </a:solidFill>
-                <a:latin typeface="微软雅黑" panose="020B0503020204020204" pitchFamily="34" charset="-122"/>
-                <a:ea typeface="微软雅黑" panose="020B0503020204020204" pitchFamily="34" charset="-122"/>
-              </a:endParaRPr>
             </a:p>
           </p:txBody>
         </p:sp>
@@ -42709,7 +40633,7 @@
                 </a:spcAft>
               </a:pPr>
               <a:r>
-                <a:rPr lang="zh-CN" altLang="en-US" sz="1600" b="1" kern="1200" dirty="0" smtClean="0">
+                <a:rPr lang="zh-CN" altLang="en-US" sz="1600" b="1" kern="1200" dirty="0">
                   <a:solidFill>
                     <a:schemeClr val="tx1">
                       <a:lumMod val="75000"/>
@@ -42721,16 +40645,6 @@
                 </a:rPr>
                 <a:t>模板</a:t>
               </a:r>
-              <a:endParaRPr lang="zh-CN" altLang="en-US" sz="1600" b="1" kern="1200" dirty="0">
-                <a:solidFill>
-                  <a:schemeClr val="tx1">
-                    <a:lumMod val="75000"/>
-                    <a:lumOff val="25000"/>
-                  </a:schemeClr>
-                </a:solidFill>
-                <a:latin typeface="微软雅黑" panose="020B0503020204020204" pitchFamily="34" charset="-122"/>
-                <a:ea typeface="微软雅黑" panose="020B0503020204020204" pitchFamily="34" charset="-122"/>
-              </a:endParaRPr>
             </a:p>
           </p:txBody>
         </p:sp>
@@ -42891,7 +40805,7 @@
                 <a:buChar char="••"/>
               </a:pPr>
               <a:r>
-                <a:rPr lang="zh-CN" altLang="en-US" sz="2400" kern="1200" dirty="0" smtClean="0">
+                <a:rPr lang="zh-CN" altLang="en-US" sz="2400" kern="1200" dirty="0">
                   <a:solidFill>
                     <a:schemeClr val="tx1">
                       <a:lumMod val="75000"/>
@@ -42903,16 +40817,6 @@
                 </a:rPr>
                 <a:t>函数模板、类模板</a:t>
               </a:r>
-              <a:endParaRPr lang="zh-CN" altLang="en-US" sz="2400" kern="1200" dirty="0">
-                <a:solidFill>
-                  <a:schemeClr val="tx1">
-                    <a:lumMod val="75000"/>
-                    <a:lumOff val="25000"/>
-                  </a:schemeClr>
-                </a:solidFill>
-                <a:latin typeface="微软雅黑" panose="020B0503020204020204" pitchFamily="34" charset="-122"/>
-                <a:ea typeface="微软雅黑" panose="020B0503020204020204" pitchFamily="34" charset="-122"/>
-              </a:endParaRPr>
             </a:p>
           </p:txBody>
         </p:sp>
@@ -43045,7 +40949,7 @@
                 </a:spcAft>
               </a:pPr>
               <a:r>
-                <a:rPr lang="zh-CN" altLang="en-US" sz="1600" b="1" kern="1200" dirty="0" smtClean="0">
+                <a:rPr lang="zh-CN" altLang="en-US" sz="1600" b="1" kern="1200" dirty="0">
                   <a:solidFill>
                     <a:schemeClr val="tx1">
                       <a:lumMod val="75000"/>
@@ -43057,16 +40961,6 @@
                 </a:rPr>
                 <a:t>标准库</a:t>
               </a:r>
-              <a:endParaRPr lang="zh-CN" altLang="en-US" sz="1600" b="1" kern="1200" dirty="0">
-                <a:solidFill>
-                  <a:schemeClr val="tx1">
-                    <a:lumMod val="75000"/>
-                    <a:lumOff val="25000"/>
-                  </a:schemeClr>
-                </a:solidFill>
-                <a:latin typeface="微软雅黑" panose="020B0503020204020204" pitchFamily="34" charset="-122"/>
-                <a:ea typeface="微软雅黑" panose="020B0503020204020204" pitchFamily="34" charset="-122"/>
-              </a:endParaRPr>
             </a:p>
           </p:txBody>
         </p:sp>
@@ -43227,7 +41121,7 @@
                 <a:buChar char="••"/>
               </a:pPr>
               <a:r>
-                <a:rPr lang="en-US" altLang="zh-CN" sz="2400" kern="1200" dirty="0" smtClean="0">
+                <a:rPr lang="en-US" altLang="zh-CN" sz="2400" kern="1200" dirty="0">
                   <a:solidFill>
                     <a:schemeClr val="tx1">
                       <a:lumMod val="75000"/>
@@ -43381,7 +41275,7 @@
                 </a:spcAft>
               </a:pPr>
               <a:r>
-                <a:rPr lang="zh-CN" altLang="en-US" sz="1600" b="1" kern="1200" dirty="0" smtClean="0">
+                <a:rPr lang="zh-CN" altLang="en-US" sz="1600" b="1" kern="1200" dirty="0">
                   <a:solidFill>
                     <a:schemeClr val="tx1">
                       <a:lumMod val="75000"/>
@@ -43393,16 +41287,6 @@
                 </a:rPr>
                 <a:t>其它</a:t>
               </a:r>
-              <a:endParaRPr lang="zh-CN" altLang="en-US" sz="1600" b="1" kern="1200" dirty="0">
-                <a:solidFill>
-                  <a:schemeClr val="tx1">
-                    <a:lumMod val="75000"/>
-                    <a:lumOff val="25000"/>
-                  </a:schemeClr>
-                </a:solidFill>
-                <a:latin typeface="微软雅黑" panose="020B0503020204020204" pitchFamily="34" charset="-122"/>
-                <a:ea typeface="微软雅黑" panose="020B0503020204020204" pitchFamily="34" charset="-122"/>
-              </a:endParaRPr>
             </a:p>
           </p:txBody>
         </p:sp>
@@ -43563,7 +41447,7 @@
                 <a:buChar char="••"/>
               </a:pPr>
               <a:r>
-                <a:rPr lang="en-US" altLang="en-US" sz="2400" kern="1200" dirty="0" smtClean="0">
+                <a:rPr lang="en-US" altLang="en-US" sz="2400" kern="1200" dirty="0">
                   <a:solidFill>
                     <a:schemeClr val="tx1">
                       <a:lumMod val="75000"/>
@@ -43576,7 +41460,7 @@
                 <a:t>IO</a:t>
               </a:r>
               <a:r>
-                <a:rPr lang="zh-CN" altLang="en-US" sz="2400" kern="1200" dirty="0" smtClean="0">
+                <a:rPr lang="zh-CN" altLang="en-US" sz="2400" kern="1200" dirty="0">
                   <a:solidFill>
                     <a:schemeClr val="tx1">
                       <a:lumMod val="75000"/>
@@ -43588,16 +41472,6 @@
                 </a:rPr>
                 <a:t>、异常处理、设计模式</a:t>
               </a:r>
-              <a:endParaRPr lang="zh-CN" altLang="en-US" sz="2400" kern="1200" dirty="0">
-                <a:solidFill>
-                  <a:schemeClr val="tx1">
-                    <a:lumMod val="75000"/>
-                    <a:lumOff val="25000"/>
-                  </a:schemeClr>
-                </a:solidFill>
-                <a:latin typeface="微软雅黑" panose="020B0503020204020204" pitchFamily="34" charset="-122"/>
-                <a:ea typeface="微软雅黑" panose="020B0503020204020204" pitchFamily="34" charset="-122"/>
-              </a:endParaRPr>
             </a:p>
           </p:txBody>
         </p:sp>
@@ -43625,7 +41499,7 @@
           <a:lstStyle/>
           <a:p>
             <a:r>
-              <a:rPr lang="en-US" altLang="zh-CN" b="1" dirty="0" smtClean="0">
+              <a:rPr lang="en-US" altLang="zh-CN" b="1" dirty="0">
                 <a:solidFill>
                   <a:schemeClr val="tx1">
                     <a:lumMod val="75000"/>
@@ -43675,7 +41549,7 @@
           <a:lstStyle/>
           <a:p>
             <a:r>
-              <a:rPr lang="en-US" altLang="zh-CN" b="1" dirty="0" smtClean="0">
+              <a:rPr lang="en-US" altLang="zh-CN" b="1" dirty="0">
                 <a:solidFill>
                   <a:schemeClr val="tx1">
                     <a:lumMod val="75000"/>
@@ -43725,7 +41599,7 @@
           <a:lstStyle/>
           <a:p>
             <a:r>
-              <a:rPr lang="en-US" altLang="zh-CN" b="1" dirty="0" smtClean="0">
+              <a:rPr lang="en-US" altLang="zh-CN" b="1" dirty="0">
                 <a:solidFill>
                   <a:schemeClr val="tx1">
                     <a:lumMod val="75000"/>
@@ -43775,7 +41649,7 @@
           <a:lstStyle/>
           <a:p>
             <a:r>
-              <a:rPr lang="en-US" altLang="zh-CN" b="1" dirty="0" smtClean="0">
+              <a:rPr lang="en-US" altLang="zh-CN" b="1" dirty="0">
                 <a:solidFill>
                   <a:schemeClr val="tx1">
                     <a:lumMod val="75000"/>
@@ -43825,7 +41699,7 @@
           <a:lstStyle/>
           <a:p>
             <a:r>
-              <a:rPr lang="en-US" altLang="zh-CN" b="1" dirty="0" smtClean="0">
+              <a:rPr lang="en-US" altLang="zh-CN" b="1" dirty="0">
                 <a:solidFill>
                   <a:schemeClr val="tx1">
                     <a:lumMod val="75000"/>
@@ -43862,13 +41736,6 @@
   <p:clrMapOvr>
     <a:masterClrMapping/>
   </p:clrMapOvr>
-  <p:timing>
-    <p:tnLst>
-      <p:par>
-        <p:cTn id="1" dur="indefinite" restart="never" nodeType="tmRoot"/>
-      </p:par>
-    </p:tnLst>
-  </p:timing>
 </p:sld>
 </file>
 
@@ -44112,7 +41979,7 @@
               <a:buNone/>
             </a:pPr>
             <a:r>
-              <a:rPr lang="zh-CN" altLang="en-US" sz="4000" b="1" smtClean="0">
+              <a:rPr lang="zh-CN" altLang="en-US" sz="4000" b="1">
                 <a:solidFill>
                   <a:srgbClr val="0073AB"/>
                 </a:solidFill>
@@ -44120,7 +41987,7 @@
               <a:t>必修</a:t>
             </a:r>
             <a:r>
-              <a:rPr lang="en-US" altLang="zh-CN" sz="4000" b="1" smtClean="0">
+              <a:rPr lang="en-US" altLang="zh-CN" sz="4000" b="1">
                 <a:solidFill>
                   <a:srgbClr val="0073AB"/>
                 </a:solidFill>
@@ -44128,7 +41995,7 @@
               <a:t>  72</a:t>
             </a:r>
             <a:r>
-              <a:rPr lang="zh-CN" altLang="en-US" sz="4000" b="1" smtClean="0">
+              <a:rPr lang="zh-CN" altLang="en-US" sz="4000" b="1">
                 <a:solidFill>
                   <a:srgbClr val="0073AB"/>
                 </a:solidFill>
@@ -44136,7 +42003,7 @@
               <a:t>学时  </a:t>
             </a:r>
             <a:r>
-              <a:rPr lang="en-US" altLang="zh-CN" sz="4000" b="1" smtClean="0">
+              <a:rPr lang="en-US" altLang="zh-CN" sz="4000" b="1">
                 <a:solidFill>
                   <a:srgbClr val="0073AB"/>
                 </a:solidFill>
@@ -44144,14 +42011,14 @@
               <a:t>3</a:t>
             </a:r>
             <a:r>
-              <a:rPr lang="zh-CN" altLang="en-US" sz="4000" b="1" smtClean="0">
+              <a:rPr lang="zh-CN" altLang="en-US" sz="4000" b="1">
                 <a:solidFill>
                   <a:srgbClr val="0073AB"/>
                 </a:solidFill>
               </a:rPr>
               <a:t>学分</a:t>
             </a:r>
-            <a:endParaRPr lang="en-US" altLang="zh-CN" sz="4000" b="1" smtClean="0">
+            <a:endParaRPr lang="en-US" altLang="zh-CN" sz="4000" b="1">
               <a:solidFill>
                 <a:srgbClr val="0073AB"/>
               </a:solidFill>
@@ -44191,13 +42058,6 @@
   <p:clrMapOvr>
     <a:masterClrMapping/>
   </p:clrMapOvr>
-  <p:timing>
-    <p:tnLst>
-      <p:par>
-        <p:cTn id="1" dur="indefinite" restart="never" nodeType="tmRoot"/>
-      </p:par>
-    </p:tnLst>
-  </p:timing>
 </p:sld>
 </file>
 
@@ -44236,10 +42096,9 @@
           <a:lstStyle/>
           <a:p>
             <a:r>
-              <a:rPr lang="zh-CN" altLang="en-US" smtClean="0"/>
+              <a:rPr lang="zh-CN" altLang="en-US"/>
               <a:t>课程简介：上课要求</a:t>
             </a:r>
-            <a:endParaRPr lang="zh-CN" altLang="en-US"/>
           </a:p>
         </p:txBody>
       </p:sp>
@@ -44328,27 +42187,8 @@
                   </a:schemeClr>
                 </a:solidFill>
               </a:rPr>
-              <a:t>有问题要随时</a:t>
-            </a:r>
-            <a:r>
-              <a:rPr lang="zh-CN" altLang="en-US" sz="3200" smtClean="0">
-                <a:solidFill>
-                  <a:schemeClr val="tx1">
-                    <a:lumMod val="75000"/>
-                    <a:lumOff val="25000"/>
-                  </a:schemeClr>
-                </a:solidFill>
-              </a:rPr>
-              <a:t>问</a:t>
-            </a:r>
-            <a:endParaRPr lang="zh-CN" altLang="en-US" sz="3200">
-              <a:solidFill>
-                <a:schemeClr val="tx1">
-                  <a:lumMod val="75000"/>
-                  <a:lumOff val="25000"/>
-                </a:schemeClr>
-              </a:solidFill>
-            </a:endParaRPr>
+              <a:t>有问题要随时问</a:t>
+            </a:r>
           </a:p>
         </p:txBody>
       </p:sp>
@@ -44362,13 +42202,6 @@
   <p:clrMapOvr>
     <a:masterClrMapping/>
   </p:clrMapOvr>
-  <p:timing>
-    <p:tnLst>
-      <p:par>
-        <p:cTn id="1" dur="indefinite" restart="never" nodeType="tmRoot"/>
-      </p:par>
-    </p:tnLst>
-  </p:timing>
 </p:sld>
 </file>
 
@@ -44439,7 +42272,7 @@
             <a:lstStyle/>
             <a:p>
               <a:r>
-                <a:rPr lang="en-US" altLang="zh-CN" sz="2400" b="1" kern="0" smtClean="0">
+                <a:rPr lang="en-US" altLang="zh-CN" sz="2400" b="1" kern="0">
                   <a:solidFill>
                     <a:schemeClr val="tx1">
                       <a:lumMod val="65000"/>
@@ -44452,7 +42285,7 @@
                 <a:t>          </a:t>
               </a:r>
               <a:r>
-                <a:rPr lang="zh-CN" altLang="en-US" sz="2400" b="1" kern="0" smtClean="0">
+                <a:rPr lang="zh-CN" altLang="en-US" sz="2400" b="1" kern="0">
                   <a:solidFill>
                     <a:schemeClr val="tx1">
                       <a:lumMod val="65000"/>
@@ -44464,16 +42297,6 @@
                 </a:rPr>
                 <a:t>课程简介</a:t>
               </a:r>
-              <a:endParaRPr lang="zh-CN" altLang="en-US" sz="2400" b="1" kern="0">
-                <a:solidFill>
-                  <a:schemeClr val="tx1">
-                    <a:lumMod val="65000"/>
-                    <a:lumOff val="35000"/>
-                  </a:schemeClr>
-                </a:solidFill>
-                <a:latin typeface="微软雅黑" panose="020B0503020204020204" pitchFamily="34" charset="-122"/>
-                <a:ea typeface="微软雅黑" panose="020B0503020204020204" pitchFamily="34" charset="-122"/>
-              </a:endParaRPr>
             </a:p>
           </p:txBody>
         </p:sp>
@@ -44701,7 +42524,7 @@
             <a:lstStyle/>
             <a:p>
               <a:r>
-                <a:rPr lang="en-US" altLang="zh-CN" sz="2400" b="1" kern="0" smtClean="0">
+                <a:rPr lang="en-US" altLang="zh-CN" sz="2400" b="1" kern="0">
                   <a:solidFill>
                     <a:schemeClr val="bg1"/>
                   </a:solidFill>
@@ -44711,7 +42534,7 @@
                 <a:t>          C++</a:t>
               </a:r>
               <a:r>
-                <a:rPr lang="zh-CN" altLang="en-US" sz="2400" b="1" kern="0" smtClean="0">
+                <a:rPr lang="zh-CN" altLang="en-US" sz="2400" b="1" kern="0">
                   <a:solidFill>
                     <a:schemeClr val="bg1"/>
                   </a:solidFill>
@@ -44720,13 +42543,6 @@
                 </a:rPr>
                 <a:t>概述</a:t>
               </a:r>
-              <a:endParaRPr lang="zh-CN" altLang="en-US" sz="2400" b="1" kern="0">
-                <a:solidFill>
-                  <a:schemeClr val="bg1"/>
-                </a:solidFill>
-                <a:latin typeface="微软雅黑" panose="020B0503020204020204" pitchFamily="34" charset="-122"/>
-                <a:ea typeface="微软雅黑" panose="020B0503020204020204" pitchFamily="34" charset="-122"/>
-              </a:endParaRPr>
             </a:p>
           </p:txBody>
         </p:sp>
@@ -44950,7 +42766,7 @@
             <a:lstStyle/>
             <a:p>
               <a:r>
-                <a:rPr lang="en-US" altLang="zh-CN" sz="2400" b="1" kern="0" smtClean="0">
+                <a:rPr lang="en-US" altLang="zh-CN" sz="2400" b="1" kern="0">
                   <a:solidFill>
                     <a:schemeClr val="tx1">
                       <a:lumMod val="65000"/>
@@ -44963,7 +42779,7 @@
                 <a:t>          </a:t>
               </a:r>
               <a:r>
-                <a:rPr lang="zh-CN" altLang="en-US" sz="2400" b="1" kern="0" smtClean="0">
+                <a:rPr lang="zh-CN" altLang="en-US" sz="2400" b="1" kern="0">
                   <a:solidFill>
                     <a:schemeClr val="tx1">
                       <a:lumMod val="65000"/>
@@ -44976,7 +42792,7 @@
                 <a:t>第一个</a:t>
               </a:r>
               <a:r>
-                <a:rPr lang="en-US" altLang="zh-CN" sz="2400" b="1" kern="0" smtClean="0">
+                <a:rPr lang="en-US" altLang="zh-CN" sz="2400" b="1" kern="0">
                   <a:solidFill>
                     <a:schemeClr val="tx1">
                       <a:lumMod val="65000"/>
@@ -44989,7 +42805,7 @@
                 <a:t>C++</a:t>
               </a:r>
               <a:r>
-                <a:rPr lang="zh-CN" altLang="en-US" sz="2400" b="1" kern="0" smtClean="0">
+                <a:rPr lang="zh-CN" altLang="en-US" sz="2400" b="1" kern="0">
                   <a:solidFill>
                     <a:schemeClr val="tx1">
                       <a:lumMod val="65000"/>
@@ -45001,16 +42817,6 @@
                 </a:rPr>
                 <a:t>程序</a:t>
               </a:r>
-              <a:endParaRPr lang="zh-CN" altLang="en-US" sz="2400" b="1" kern="0">
-                <a:solidFill>
-                  <a:schemeClr val="tx1">
-                    <a:lumMod val="65000"/>
-                    <a:lumOff val="35000"/>
-                  </a:schemeClr>
-                </a:solidFill>
-                <a:latin typeface="微软雅黑" panose="020B0503020204020204" pitchFamily="34" charset="-122"/>
-                <a:ea typeface="微软雅黑" panose="020B0503020204020204" pitchFamily="34" charset="-122"/>
-              </a:endParaRPr>
             </a:p>
           </p:txBody>
         </p:sp>
@@ -45240,7 +43046,7 @@
             <a:lstStyle/>
             <a:p>
               <a:r>
-                <a:rPr lang="en-US" altLang="zh-CN" sz="2400" b="1" kern="0" smtClean="0">
+                <a:rPr lang="en-US" altLang="zh-CN" sz="2400" b="1" kern="0">
                   <a:solidFill>
                     <a:schemeClr val="tx1">
                       <a:lumMod val="65000"/>
@@ -45253,7 +43059,7 @@
                 <a:t>          C</a:t>
               </a:r>
               <a:r>
-                <a:rPr lang="zh-CN" altLang="en-US" sz="2400" b="1" kern="0" smtClean="0">
+                <a:rPr lang="zh-CN" altLang="en-US" sz="2400" b="1" kern="0">
                   <a:solidFill>
                     <a:schemeClr val="tx1">
                       <a:lumMod val="65000"/>
@@ -45266,7 +43072,7 @@
                 <a:t>与</a:t>
               </a:r>
               <a:r>
-                <a:rPr lang="en-US" altLang="zh-CN" sz="2400" b="1" kern="0" smtClean="0">
+                <a:rPr lang="en-US" altLang="zh-CN" sz="2400" b="1" kern="0">
                   <a:solidFill>
                     <a:schemeClr val="tx1">
                       <a:lumMod val="65000"/>
@@ -45279,7 +43085,7 @@
                 <a:t>C++</a:t>
               </a:r>
               <a:r>
-                <a:rPr lang="zh-CN" altLang="en-US" sz="2400" b="1" kern="0" smtClean="0">
+                <a:rPr lang="zh-CN" altLang="en-US" sz="2400" b="1" kern="0">
                   <a:solidFill>
                     <a:schemeClr val="tx1">
                       <a:lumMod val="65000"/>
@@ -45291,16 +43097,6 @@
                 </a:rPr>
                 <a:t>的关系</a:t>
               </a:r>
-              <a:endParaRPr lang="zh-CN" altLang="en-US" sz="2400" b="1" kern="0">
-                <a:solidFill>
-                  <a:schemeClr val="tx1">
-                    <a:lumMod val="65000"/>
-                    <a:lumOff val="35000"/>
-                  </a:schemeClr>
-                </a:solidFill>
-                <a:latin typeface="微软雅黑" panose="020B0503020204020204" pitchFamily="34" charset="-122"/>
-                <a:ea typeface="微软雅黑" panose="020B0503020204020204" pitchFamily="34" charset="-122"/>
-              </a:endParaRPr>
             </a:p>
           </p:txBody>
         </p:sp>
@@ -45530,7 +43326,7 @@
             <a:lstStyle/>
             <a:p>
               <a:r>
-                <a:rPr lang="en-US" altLang="zh-CN" sz="2400" b="1" kern="0" smtClean="0">
+                <a:rPr lang="en-US" altLang="zh-CN" sz="2400" b="1" kern="0">
                   <a:solidFill>
                     <a:schemeClr val="tx1">
                       <a:lumMod val="65000"/>
@@ -45543,7 +43339,7 @@
                 <a:t>          </a:t>
               </a:r>
               <a:r>
-                <a:rPr lang="zh-CN" altLang="en-US" sz="2400" b="1" kern="0" smtClean="0">
+                <a:rPr lang="zh-CN" altLang="en-US" sz="2400" b="1" kern="0">
                   <a:solidFill>
                     <a:schemeClr val="tx1">
                       <a:lumMod val="65000"/>
@@ -45555,16 +43351,6 @@
                 </a:rPr>
                 <a:t>面向对象程序设计</a:t>
               </a:r>
-              <a:endParaRPr lang="zh-CN" altLang="en-US" sz="2400" b="1" kern="0">
-                <a:solidFill>
-                  <a:schemeClr val="tx1">
-                    <a:lumMod val="65000"/>
-                    <a:lumOff val="35000"/>
-                  </a:schemeClr>
-                </a:solidFill>
-                <a:latin typeface="微软雅黑" panose="020B0503020204020204" pitchFamily="34" charset="-122"/>
-                <a:ea typeface="微软雅黑" panose="020B0503020204020204" pitchFamily="34" charset="-122"/>
-              </a:endParaRPr>
             </a:p>
           </p:txBody>
         </p:sp>
@@ -45754,13 +43540,6 @@
   <p:clrMapOvr>
     <a:masterClrMapping/>
   </p:clrMapOvr>
-  <p:timing>
-    <p:tnLst>
-      <p:par>
-        <p:cTn id="1" dur="indefinite" restart="never" nodeType="tmRoot"/>
-      </p:par>
-    </p:tnLst>
-  </p:timing>
 </p:sld>
 </file>
 
